--- a/演示文稿1.pptx
+++ b/演示文稿1.pptx
@@ -247,7 +247,8 @@
           <a:p>
             <a:fld id="{5D2D7C02-6413-4FA0-B51A-4B4E687647AA}" type="datetimeFigureOut">
               <a:rPr lang="zh-CN" altLang="en-US" smtClean="0"/>
-              <a:t>2018/6/12 Tuesday</a:t>
+              <a:pPr/>
+              <a:t>2018/6/12</a:t>
             </a:fld>
             <a:endParaRPr lang="zh-CN" altLang="en-US"/>
           </a:p>
@@ -289,6 +290,7 @@
           <a:p>
             <a:fld id="{8579706A-D964-474D-BB4A-F5D3F59503EB}" type="slidenum">
               <a:rPr lang="zh-CN" altLang="en-US" smtClean="0"/>
+              <a:pPr/>
               <a:t>‹#›</a:t>
             </a:fld>
             <a:endParaRPr lang="zh-CN" altLang="en-US"/>
@@ -298,7 +300,7 @@
     </p:spTree>
     <p:extLst>
       <p:ext uri="{BB962C8B-B14F-4D97-AF65-F5344CB8AC3E}">
-        <p14:creationId xmlns:p14="http://schemas.microsoft.com/office/powerpoint/2010/main" val="3520789796"/>
+        <p14:creationId xmlns:p14="http://schemas.microsoft.com/office/powerpoint/2010/main" xmlns="" val="3520789796"/>
       </p:ext>
     </p:extLst>
   </p:cSld>
@@ -417,7 +419,8 @@
           <a:p>
             <a:fld id="{5D2D7C02-6413-4FA0-B51A-4B4E687647AA}" type="datetimeFigureOut">
               <a:rPr lang="zh-CN" altLang="en-US" smtClean="0"/>
-              <a:t>2018/6/12 Tuesday</a:t>
+              <a:pPr/>
+              <a:t>2018/6/12</a:t>
             </a:fld>
             <a:endParaRPr lang="zh-CN" altLang="en-US"/>
           </a:p>
@@ -459,6 +462,7 @@
           <a:p>
             <a:fld id="{8579706A-D964-474D-BB4A-F5D3F59503EB}" type="slidenum">
               <a:rPr lang="zh-CN" altLang="en-US" smtClean="0"/>
+              <a:pPr/>
               <a:t>‹#›</a:t>
             </a:fld>
             <a:endParaRPr lang="zh-CN" altLang="en-US"/>
@@ -468,7 +472,7 @@
     </p:spTree>
     <p:extLst>
       <p:ext uri="{BB962C8B-B14F-4D97-AF65-F5344CB8AC3E}">
-        <p14:creationId xmlns:p14="http://schemas.microsoft.com/office/powerpoint/2010/main" val="2247429032"/>
+        <p14:creationId xmlns:p14="http://schemas.microsoft.com/office/powerpoint/2010/main" xmlns="" val="2247429032"/>
       </p:ext>
     </p:extLst>
   </p:cSld>
@@ -597,7 +601,8 @@
           <a:p>
             <a:fld id="{5D2D7C02-6413-4FA0-B51A-4B4E687647AA}" type="datetimeFigureOut">
               <a:rPr lang="zh-CN" altLang="en-US" smtClean="0"/>
-              <a:t>2018/6/12 Tuesday</a:t>
+              <a:pPr/>
+              <a:t>2018/6/12</a:t>
             </a:fld>
             <a:endParaRPr lang="zh-CN" altLang="en-US"/>
           </a:p>
@@ -639,6 +644,7 @@
           <a:p>
             <a:fld id="{8579706A-D964-474D-BB4A-F5D3F59503EB}" type="slidenum">
               <a:rPr lang="zh-CN" altLang="en-US" smtClean="0"/>
+              <a:pPr/>
               <a:t>‹#›</a:t>
             </a:fld>
             <a:endParaRPr lang="zh-CN" altLang="en-US"/>
@@ -648,7 +654,7 @@
     </p:spTree>
     <p:extLst>
       <p:ext uri="{BB962C8B-B14F-4D97-AF65-F5344CB8AC3E}">
-        <p14:creationId xmlns:p14="http://schemas.microsoft.com/office/powerpoint/2010/main" val="3639564044"/>
+        <p14:creationId xmlns:p14="http://schemas.microsoft.com/office/powerpoint/2010/main" xmlns="" val="3639564044"/>
       </p:ext>
     </p:extLst>
   </p:cSld>
@@ -767,7 +773,8 @@
           <a:p>
             <a:fld id="{5D2D7C02-6413-4FA0-B51A-4B4E687647AA}" type="datetimeFigureOut">
               <a:rPr lang="zh-CN" altLang="en-US" smtClean="0"/>
-              <a:t>2018/6/12 Tuesday</a:t>
+              <a:pPr/>
+              <a:t>2018/6/12</a:t>
             </a:fld>
             <a:endParaRPr lang="zh-CN" altLang="en-US"/>
           </a:p>
@@ -809,6 +816,7 @@
           <a:p>
             <a:fld id="{8579706A-D964-474D-BB4A-F5D3F59503EB}" type="slidenum">
               <a:rPr lang="zh-CN" altLang="en-US" smtClean="0"/>
+              <a:pPr/>
               <a:t>‹#›</a:t>
             </a:fld>
             <a:endParaRPr lang="zh-CN" altLang="en-US"/>
@@ -818,7 +826,7 @@
     </p:spTree>
     <p:extLst>
       <p:ext uri="{BB962C8B-B14F-4D97-AF65-F5344CB8AC3E}">
-        <p14:creationId xmlns:p14="http://schemas.microsoft.com/office/powerpoint/2010/main" val="1425107319"/>
+        <p14:creationId xmlns:p14="http://schemas.microsoft.com/office/powerpoint/2010/main" xmlns="" val="1425107319"/>
       </p:ext>
     </p:extLst>
   </p:cSld>
@@ -1013,7 +1021,8 @@
           <a:p>
             <a:fld id="{5D2D7C02-6413-4FA0-B51A-4B4E687647AA}" type="datetimeFigureOut">
               <a:rPr lang="zh-CN" altLang="en-US" smtClean="0"/>
-              <a:t>2018/6/12 Tuesday</a:t>
+              <a:pPr/>
+              <a:t>2018/6/12</a:t>
             </a:fld>
             <a:endParaRPr lang="zh-CN" altLang="en-US"/>
           </a:p>
@@ -1055,6 +1064,7 @@
           <a:p>
             <a:fld id="{8579706A-D964-474D-BB4A-F5D3F59503EB}" type="slidenum">
               <a:rPr lang="zh-CN" altLang="en-US" smtClean="0"/>
+              <a:pPr/>
               <a:t>‹#›</a:t>
             </a:fld>
             <a:endParaRPr lang="zh-CN" altLang="en-US"/>
@@ -1064,7 +1074,7 @@
     </p:spTree>
     <p:extLst>
       <p:ext uri="{BB962C8B-B14F-4D97-AF65-F5344CB8AC3E}">
-        <p14:creationId xmlns:p14="http://schemas.microsoft.com/office/powerpoint/2010/main" val="19894908"/>
+        <p14:creationId xmlns:p14="http://schemas.microsoft.com/office/powerpoint/2010/main" xmlns="" val="19894908"/>
       </p:ext>
     </p:extLst>
   </p:cSld>
@@ -1245,7 +1255,8 @@
           <a:p>
             <a:fld id="{5D2D7C02-6413-4FA0-B51A-4B4E687647AA}" type="datetimeFigureOut">
               <a:rPr lang="zh-CN" altLang="en-US" smtClean="0"/>
-              <a:t>2018/6/12 Tuesday</a:t>
+              <a:pPr/>
+              <a:t>2018/6/12</a:t>
             </a:fld>
             <a:endParaRPr lang="zh-CN" altLang="en-US"/>
           </a:p>
@@ -1287,6 +1298,7 @@
           <a:p>
             <a:fld id="{8579706A-D964-474D-BB4A-F5D3F59503EB}" type="slidenum">
               <a:rPr lang="zh-CN" altLang="en-US" smtClean="0"/>
+              <a:pPr/>
               <a:t>‹#›</a:t>
             </a:fld>
             <a:endParaRPr lang="zh-CN" altLang="en-US"/>
@@ -1296,7 +1308,7 @@
     </p:spTree>
     <p:extLst>
       <p:ext uri="{BB962C8B-B14F-4D97-AF65-F5344CB8AC3E}">
-        <p14:creationId xmlns:p14="http://schemas.microsoft.com/office/powerpoint/2010/main" val="198632400"/>
+        <p14:creationId xmlns:p14="http://schemas.microsoft.com/office/powerpoint/2010/main" xmlns="" val="198632400"/>
       </p:ext>
     </p:extLst>
   </p:cSld>
@@ -1612,7 +1624,8 @@
           <a:p>
             <a:fld id="{5D2D7C02-6413-4FA0-B51A-4B4E687647AA}" type="datetimeFigureOut">
               <a:rPr lang="zh-CN" altLang="en-US" smtClean="0"/>
-              <a:t>2018/6/12 Tuesday</a:t>
+              <a:pPr/>
+              <a:t>2018/6/12</a:t>
             </a:fld>
             <a:endParaRPr lang="zh-CN" altLang="en-US"/>
           </a:p>
@@ -1654,6 +1667,7 @@
           <a:p>
             <a:fld id="{8579706A-D964-474D-BB4A-F5D3F59503EB}" type="slidenum">
               <a:rPr lang="zh-CN" altLang="en-US" smtClean="0"/>
+              <a:pPr/>
               <a:t>‹#›</a:t>
             </a:fld>
             <a:endParaRPr lang="zh-CN" altLang="en-US"/>
@@ -1663,7 +1677,7 @@
     </p:spTree>
     <p:extLst>
       <p:ext uri="{BB962C8B-B14F-4D97-AF65-F5344CB8AC3E}">
-        <p14:creationId xmlns:p14="http://schemas.microsoft.com/office/powerpoint/2010/main" val="748232851"/>
+        <p14:creationId xmlns:p14="http://schemas.microsoft.com/office/powerpoint/2010/main" xmlns="" val="748232851"/>
       </p:ext>
     </p:extLst>
   </p:cSld>
@@ -1730,7 +1744,8 @@
           <a:p>
             <a:fld id="{5D2D7C02-6413-4FA0-B51A-4B4E687647AA}" type="datetimeFigureOut">
               <a:rPr lang="zh-CN" altLang="en-US" smtClean="0"/>
-              <a:t>2018/6/12 Tuesday</a:t>
+              <a:pPr/>
+              <a:t>2018/6/12</a:t>
             </a:fld>
             <a:endParaRPr lang="zh-CN" altLang="en-US"/>
           </a:p>
@@ -1772,6 +1787,7 @@
           <a:p>
             <a:fld id="{8579706A-D964-474D-BB4A-F5D3F59503EB}" type="slidenum">
               <a:rPr lang="zh-CN" altLang="en-US" smtClean="0"/>
+              <a:pPr/>
               <a:t>‹#›</a:t>
             </a:fld>
             <a:endParaRPr lang="zh-CN" altLang="en-US"/>
@@ -1781,7 +1797,7 @@
     </p:spTree>
     <p:extLst>
       <p:ext uri="{BB962C8B-B14F-4D97-AF65-F5344CB8AC3E}">
-        <p14:creationId xmlns:p14="http://schemas.microsoft.com/office/powerpoint/2010/main" val="1762628761"/>
+        <p14:creationId xmlns:p14="http://schemas.microsoft.com/office/powerpoint/2010/main" xmlns="" val="1762628761"/>
       </p:ext>
     </p:extLst>
   </p:cSld>
@@ -1825,7 +1841,8 @@
           <a:p>
             <a:fld id="{5D2D7C02-6413-4FA0-B51A-4B4E687647AA}" type="datetimeFigureOut">
               <a:rPr lang="zh-CN" altLang="en-US" smtClean="0"/>
-              <a:t>2018/6/12 Tuesday</a:t>
+              <a:pPr/>
+              <a:t>2018/6/12</a:t>
             </a:fld>
             <a:endParaRPr lang="zh-CN" altLang="en-US"/>
           </a:p>
@@ -1867,6 +1884,7 @@
           <a:p>
             <a:fld id="{8579706A-D964-474D-BB4A-F5D3F59503EB}" type="slidenum">
               <a:rPr lang="zh-CN" altLang="en-US" smtClean="0"/>
+              <a:pPr/>
               <a:t>‹#›</a:t>
             </a:fld>
             <a:endParaRPr lang="zh-CN" altLang="en-US"/>
@@ -1876,7 +1894,7 @@
     </p:spTree>
     <p:extLst>
       <p:ext uri="{BB962C8B-B14F-4D97-AF65-F5344CB8AC3E}">
-        <p14:creationId xmlns:p14="http://schemas.microsoft.com/office/powerpoint/2010/main" val="2577149495"/>
+        <p14:creationId xmlns:p14="http://schemas.microsoft.com/office/powerpoint/2010/main" xmlns="" val="2577149495"/>
       </p:ext>
     </p:extLst>
   </p:cSld>
@@ -2102,7 +2120,8 @@
           <a:p>
             <a:fld id="{5D2D7C02-6413-4FA0-B51A-4B4E687647AA}" type="datetimeFigureOut">
               <a:rPr lang="zh-CN" altLang="en-US" smtClean="0"/>
-              <a:t>2018/6/12 Tuesday</a:t>
+              <a:pPr/>
+              <a:t>2018/6/12</a:t>
             </a:fld>
             <a:endParaRPr lang="zh-CN" altLang="en-US"/>
           </a:p>
@@ -2144,6 +2163,7 @@
           <a:p>
             <a:fld id="{8579706A-D964-474D-BB4A-F5D3F59503EB}" type="slidenum">
               <a:rPr lang="zh-CN" altLang="en-US" smtClean="0"/>
+              <a:pPr/>
               <a:t>‹#›</a:t>
             </a:fld>
             <a:endParaRPr lang="zh-CN" altLang="en-US"/>
@@ -2153,7 +2173,7 @@
     </p:spTree>
     <p:extLst>
       <p:ext uri="{BB962C8B-B14F-4D97-AF65-F5344CB8AC3E}">
-        <p14:creationId xmlns:p14="http://schemas.microsoft.com/office/powerpoint/2010/main" val="2968106356"/>
+        <p14:creationId xmlns:p14="http://schemas.microsoft.com/office/powerpoint/2010/main" xmlns="" val="2968106356"/>
       </p:ext>
     </p:extLst>
   </p:cSld>
@@ -2355,7 +2375,8 @@
           <a:p>
             <a:fld id="{5D2D7C02-6413-4FA0-B51A-4B4E687647AA}" type="datetimeFigureOut">
               <a:rPr lang="zh-CN" altLang="en-US" smtClean="0"/>
-              <a:t>2018/6/12 Tuesday</a:t>
+              <a:pPr/>
+              <a:t>2018/6/12</a:t>
             </a:fld>
             <a:endParaRPr lang="zh-CN" altLang="en-US"/>
           </a:p>
@@ -2397,6 +2418,7 @@
           <a:p>
             <a:fld id="{8579706A-D964-474D-BB4A-F5D3F59503EB}" type="slidenum">
               <a:rPr lang="zh-CN" altLang="en-US" smtClean="0"/>
+              <a:pPr/>
               <a:t>‹#›</a:t>
             </a:fld>
             <a:endParaRPr lang="zh-CN" altLang="en-US"/>
@@ -2406,7 +2428,7 @@
     </p:spTree>
     <p:extLst>
       <p:ext uri="{BB962C8B-B14F-4D97-AF65-F5344CB8AC3E}">
-        <p14:creationId xmlns:p14="http://schemas.microsoft.com/office/powerpoint/2010/main" val="1613032852"/>
+        <p14:creationId xmlns:p14="http://schemas.microsoft.com/office/powerpoint/2010/main" xmlns="" val="1613032852"/>
       </p:ext>
     </p:extLst>
   </p:cSld>
@@ -2568,7 +2590,8 @@
           <a:p>
             <a:fld id="{5D2D7C02-6413-4FA0-B51A-4B4E687647AA}" type="datetimeFigureOut">
               <a:rPr lang="zh-CN" altLang="en-US" smtClean="0"/>
-              <a:t>2018/6/12 Tuesday</a:t>
+              <a:pPr/>
+              <a:t>2018/6/12</a:t>
             </a:fld>
             <a:endParaRPr lang="zh-CN" altLang="en-US"/>
           </a:p>
@@ -2646,6 +2669,7 @@
           <a:p>
             <a:fld id="{8579706A-D964-474D-BB4A-F5D3F59503EB}" type="slidenum">
               <a:rPr lang="zh-CN" altLang="en-US" smtClean="0"/>
+              <a:pPr/>
               <a:t>‹#›</a:t>
             </a:fld>
             <a:endParaRPr lang="zh-CN" altLang="en-US"/>
@@ -2655,7 +2679,7 @@
     </p:spTree>
     <p:extLst>
       <p:ext uri="{BB962C8B-B14F-4D97-AF65-F5344CB8AC3E}">
-        <p14:creationId xmlns:p14="http://schemas.microsoft.com/office/powerpoint/2010/main" val="3760445306"/>
+        <p14:creationId xmlns:p14="http://schemas.microsoft.com/office/powerpoint/2010/main" xmlns="" val="3760445306"/>
       </p:ext>
     </p:extLst>
   </p:cSld>
@@ -3155,13 +3179,20 @@
     </p:spTree>
     <p:extLst>
       <p:ext uri="{BB962C8B-B14F-4D97-AF65-F5344CB8AC3E}">
-        <p14:creationId xmlns:p14="http://schemas.microsoft.com/office/powerpoint/2010/main" val="2763567643"/>
+        <p14:creationId xmlns:p14="http://schemas.microsoft.com/office/powerpoint/2010/main" xmlns="" val="2763567643"/>
       </p:ext>
     </p:extLst>
   </p:cSld>
   <p:clrMapOvr>
     <a:masterClrMapping/>
   </p:clrMapOvr>
+  <p:timing>
+    <p:tnLst>
+      <p:par>
+        <p:cTn id="1" dur="indefinite" restart="never" nodeType="tmRoot"/>
+      </p:par>
+    </p:tnLst>
+  </p:timing>
 </p:sld>
 </file>
 
@@ -3196,7 +3227,7 @@
     </p:spTree>
     <p:extLst>
       <p:ext uri="{BB962C8B-B14F-4D97-AF65-F5344CB8AC3E}">
-        <p14:creationId xmlns:p14="http://schemas.microsoft.com/office/powerpoint/2010/main" val="1873029179"/>
+        <p14:creationId xmlns:p14="http://schemas.microsoft.com/office/powerpoint/2010/main" xmlns="" val="1873029179"/>
       </p:ext>
     </p:extLst>
   </p:cSld>
@@ -3246,7 +3277,7 @@
           <a:blip r:embed="rId2">
             <a:extLst>
               <a:ext uri="{28A0092B-C50C-407E-A947-70E740481C1C}">
-                <a14:useLocalDpi xmlns:a14="http://schemas.microsoft.com/office/drawing/2010/main" val="0"/>
+                <a14:useLocalDpi xmlns:a14="http://schemas.microsoft.com/office/drawing/2010/main" xmlns="" val="0"/>
               </a:ext>
             </a:extLst>
           </a:blip>
@@ -3264,16 +3295,1769 @@
           </a:prstGeom>
         </p:spPr>
       </p:pic>
+      <p:pic>
+        <p:nvPicPr>
+          <p:cNvPr id="1026" name="Picture 2" descr="D:\chaiyu\MyStudyProject\ppt图片\窗口.bmp"/>
+          <p:cNvPicPr>
+            <a:picLocks noChangeAspect="1" noChangeArrowheads="1"/>
+          </p:cNvPicPr>
+          <p:nvPr/>
+        </p:nvPicPr>
+        <p:blipFill>
+          <a:blip r:embed="rId3"/>
+          <a:srcRect/>
+          <a:stretch>
+            <a:fillRect/>
+          </a:stretch>
+        </p:blipFill>
+        <p:spPr bwMode="auto">
+          <a:xfrm>
+            <a:off x="2127884" y="2152650"/>
+            <a:ext cx="5615941" cy="3509963"/>
+          </a:xfrm>
+          <a:prstGeom prst="rect">
+            <a:avLst/>
+          </a:prstGeom>
+          <a:noFill/>
+        </p:spPr>
+      </p:pic>
+      <p:sp>
+        <p:nvSpPr>
+          <p:cNvPr id="4" name="TextBox 3"/>
+          <p:cNvSpPr txBox="1"/>
+          <p:nvPr/>
+        </p:nvSpPr>
+        <p:spPr>
+          <a:xfrm>
+            <a:off x="2486025" y="723900"/>
+            <a:ext cx="4191000" cy="646331"/>
+          </a:xfrm>
+          <a:prstGeom prst="rect">
+            <a:avLst/>
+          </a:prstGeom>
+          <a:noFill/>
+        </p:spPr>
+        <p:txBody>
+          <a:bodyPr wrap="square" rtlCol="0">
+            <a:spAutoFit/>
+          </a:bodyPr>
+          <a:lstStyle/>
+          <a:p>
+            <a:r>
+              <a:rPr lang="zh-CN" altLang="en-US" sz="3600" dirty="0" smtClean="0"/>
+              <a:t>游戏介绍</a:t>
+            </a:r>
+            <a:endParaRPr lang="en-US" altLang="zh-CN" sz="3600" dirty="0" smtClean="0"/>
+          </a:p>
+        </p:txBody>
+      </p:sp>
+      <p:sp>
+        <p:nvSpPr>
+          <p:cNvPr id="6" name="TextBox 5"/>
+          <p:cNvSpPr txBox="1"/>
+          <p:nvPr/>
+        </p:nvSpPr>
+        <p:spPr>
+          <a:xfrm>
+            <a:off x="2181226" y="2257425"/>
+            <a:ext cx="1333500" cy="369332"/>
+          </a:xfrm>
+          <a:prstGeom prst="rect">
+            <a:avLst/>
+          </a:prstGeom>
+          <a:noFill/>
+        </p:spPr>
+        <p:txBody>
+          <a:bodyPr wrap="square" rtlCol="0">
+            <a:spAutoFit/>
+          </a:bodyPr>
+          <a:lstStyle/>
+          <a:p>
+            <a:r>
+              <a:rPr lang="zh-CN" altLang="en-US" dirty="0" smtClean="0"/>
+              <a:t>打字游戏是</a:t>
+            </a:r>
+            <a:endParaRPr lang="zh-CN" altLang="en-US" dirty="0"/>
+          </a:p>
+        </p:txBody>
+      </p:sp>
+      <p:sp>
+        <p:nvSpPr>
+          <p:cNvPr id="8" name="TextBox 7"/>
+          <p:cNvSpPr txBox="1"/>
+          <p:nvPr/>
+        </p:nvSpPr>
+        <p:spPr>
+          <a:xfrm>
+            <a:off x="3324225" y="2257425"/>
+            <a:ext cx="723900" cy="369332"/>
+          </a:xfrm>
+          <a:prstGeom prst="rect">
+            <a:avLst/>
+          </a:prstGeom>
+          <a:noFill/>
+        </p:spPr>
+        <p:txBody>
+          <a:bodyPr wrap="square" rtlCol="0">
+            <a:spAutoFit/>
+          </a:bodyPr>
+          <a:lstStyle/>
+          <a:p>
+            <a:r>
+              <a:rPr lang="zh-CN" altLang="en-US" dirty="0" smtClean="0"/>
+              <a:t>什么</a:t>
+            </a:r>
+            <a:r>
+              <a:rPr lang="en-US" altLang="zh-CN" dirty="0" smtClean="0"/>
+              <a:t>?</a:t>
+            </a:r>
+            <a:endParaRPr lang="zh-CN" altLang="en-US" dirty="0"/>
+          </a:p>
+        </p:txBody>
+      </p:sp>
+      <p:pic>
+        <p:nvPicPr>
+          <p:cNvPr id="1027" name="Picture 3" descr="D:\chaiyu\MyStudyProject\ppt图片\helloworld下落.bmp"/>
+          <p:cNvPicPr>
+            <a:picLocks noChangeAspect="1" noChangeArrowheads="1"/>
+          </p:cNvPicPr>
+          <p:nvPr/>
+        </p:nvPicPr>
+        <p:blipFill>
+          <a:blip r:embed="rId4"/>
+          <a:srcRect/>
+          <a:stretch>
+            <a:fillRect/>
+          </a:stretch>
+        </p:blipFill>
+        <p:spPr bwMode="auto">
+          <a:xfrm>
+            <a:off x="3667125" y="2538413"/>
+            <a:ext cx="1047750" cy="371475"/>
+          </a:xfrm>
+          <a:prstGeom prst="rect">
+            <a:avLst/>
+          </a:prstGeom>
+          <a:noFill/>
+        </p:spPr>
+      </p:pic>
+      <p:pic>
+        <p:nvPicPr>
+          <p:cNvPr id="1029" name="Picture 5" descr="D:\chaiyu\MyStudyProject\ppt图片\箭头.bmp"/>
+          <p:cNvPicPr>
+            <a:picLocks noChangeAspect="1" noChangeArrowheads="1"/>
+          </p:cNvPicPr>
+          <p:nvPr/>
+        </p:nvPicPr>
+        <p:blipFill>
+          <a:blip r:embed="rId5"/>
+          <a:srcRect/>
+          <a:stretch>
+            <a:fillRect/>
+          </a:stretch>
+        </p:blipFill>
+        <p:spPr bwMode="auto">
+          <a:xfrm>
+            <a:off x="4867275" y="3243263"/>
+            <a:ext cx="285750" cy="790575"/>
+          </a:xfrm>
+          <a:prstGeom prst="rect">
+            <a:avLst/>
+          </a:prstGeom>
+          <a:noFill/>
+        </p:spPr>
+      </p:pic>
+      <p:sp>
+        <p:nvSpPr>
+          <p:cNvPr id="11" name="TextBox 10"/>
+          <p:cNvSpPr txBox="1"/>
+          <p:nvPr/>
+        </p:nvSpPr>
+        <p:spPr>
+          <a:xfrm>
+            <a:off x="2247901" y="5353050"/>
+            <a:ext cx="228599" cy="276999"/>
+          </a:xfrm>
+          <a:prstGeom prst="rect">
+            <a:avLst/>
+          </a:prstGeom>
+          <a:noFill/>
+        </p:spPr>
+        <p:txBody>
+          <a:bodyPr wrap="square" rtlCol="0">
+            <a:spAutoFit/>
+          </a:bodyPr>
+          <a:lstStyle/>
+          <a:p>
+            <a:r>
+              <a:rPr lang="en-US" altLang="zh-CN" sz="1200" dirty="0" smtClean="0">
+                <a:latin typeface="GulimChe" pitchFamily="49" charset="-127"/>
+                <a:ea typeface="GulimChe" pitchFamily="49" charset="-127"/>
+              </a:rPr>
+              <a:t>h</a:t>
+            </a:r>
+            <a:endParaRPr lang="zh-CN" altLang="en-US" sz="1200" dirty="0">
+              <a:latin typeface="GulimChe" pitchFamily="49" charset="-127"/>
+              <a:ea typeface="GulimChe" pitchFamily="49" charset="-127"/>
+            </a:endParaRPr>
+          </a:p>
+        </p:txBody>
+      </p:sp>
+      <p:sp>
+        <p:nvSpPr>
+          <p:cNvPr id="12" name="TextBox 11"/>
+          <p:cNvSpPr txBox="1"/>
+          <p:nvPr/>
+        </p:nvSpPr>
+        <p:spPr>
+          <a:xfrm>
+            <a:off x="2333625" y="5353050"/>
+            <a:ext cx="266700" cy="276999"/>
+          </a:xfrm>
+          <a:prstGeom prst="rect">
+            <a:avLst/>
+          </a:prstGeom>
+          <a:noFill/>
+        </p:spPr>
+        <p:txBody>
+          <a:bodyPr wrap="square" rtlCol="0">
+            <a:spAutoFit/>
+          </a:bodyPr>
+          <a:lstStyle/>
+          <a:p>
+            <a:r>
+              <a:rPr lang="en-US" altLang="zh-CN" sz="1200" dirty="0" smtClean="0">
+                <a:latin typeface="GulimChe" pitchFamily="49" charset="-127"/>
+                <a:ea typeface="GulimChe" pitchFamily="49" charset="-127"/>
+              </a:rPr>
+              <a:t>e</a:t>
+            </a:r>
+            <a:endParaRPr lang="zh-CN" altLang="en-US" sz="1200" dirty="0">
+              <a:latin typeface="GulimChe" pitchFamily="49" charset="-127"/>
+              <a:ea typeface="GulimChe" pitchFamily="49" charset="-127"/>
+            </a:endParaRPr>
+          </a:p>
+        </p:txBody>
+      </p:sp>
+      <p:sp>
+        <p:nvSpPr>
+          <p:cNvPr id="13" name="TextBox 12"/>
+          <p:cNvSpPr txBox="1"/>
+          <p:nvPr/>
+        </p:nvSpPr>
+        <p:spPr>
+          <a:xfrm>
+            <a:off x="2409825" y="5353050"/>
+            <a:ext cx="323850" cy="276999"/>
+          </a:xfrm>
+          <a:prstGeom prst="rect">
+            <a:avLst/>
+          </a:prstGeom>
+          <a:noFill/>
+        </p:spPr>
+        <p:txBody>
+          <a:bodyPr wrap="square" rtlCol="0">
+            <a:spAutoFit/>
+          </a:bodyPr>
+          <a:lstStyle/>
+          <a:p>
+            <a:r>
+              <a:rPr lang="en-US" altLang="zh-CN" sz="1200" dirty="0" smtClean="0">
+                <a:latin typeface="GulimChe" pitchFamily="49" charset="-127"/>
+                <a:ea typeface="GulimChe" pitchFamily="49" charset="-127"/>
+              </a:rPr>
+              <a:t>l</a:t>
+            </a:r>
+            <a:endParaRPr lang="zh-CN" altLang="en-US" sz="1200" dirty="0">
+              <a:latin typeface="GulimChe" pitchFamily="49" charset="-127"/>
+              <a:ea typeface="GulimChe" pitchFamily="49" charset="-127"/>
+            </a:endParaRPr>
+          </a:p>
+        </p:txBody>
+      </p:sp>
+      <p:sp>
+        <p:nvSpPr>
+          <p:cNvPr id="14" name="TextBox 13"/>
+          <p:cNvSpPr txBox="1"/>
+          <p:nvPr/>
+        </p:nvSpPr>
+        <p:spPr>
+          <a:xfrm>
+            <a:off x="2457451" y="5353050"/>
+            <a:ext cx="285750" cy="276999"/>
+          </a:xfrm>
+          <a:prstGeom prst="rect">
+            <a:avLst/>
+          </a:prstGeom>
+          <a:noFill/>
+        </p:spPr>
+        <p:txBody>
+          <a:bodyPr wrap="square" rtlCol="0">
+            <a:spAutoFit/>
+          </a:bodyPr>
+          <a:lstStyle/>
+          <a:p>
+            <a:r>
+              <a:rPr lang="en-US" altLang="zh-CN" sz="1200" dirty="0" smtClean="0">
+                <a:latin typeface="GulimChe" pitchFamily="49" charset="-127"/>
+                <a:ea typeface="GulimChe" pitchFamily="49" charset="-127"/>
+              </a:rPr>
+              <a:t>l</a:t>
+            </a:r>
+            <a:endParaRPr lang="zh-CN" altLang="en-US" sz="1200" dirty="0">
+              <a:latin typeface="GulimChe" pitchFamily="49" charset="-127"/>
+              <a:ea typeface="GulimChe" pitchFamily="49" charset="-127"/>
+            </a:endParaRPr>
+          </a:p>
+        </p:txBody>
+      </p:sp>
+      <p:sp>
+        <p:nvSpPr>
+          <p:cNvPr id="15" name="TextBox 14"/>
+          <p:cNvSpPr txBox="1"/>
+          <p:nvPr/>
+        </p:nvSpPr>
+        <p:spPr>
+          <a:xfrm>
+            <a:off x="2533651" y="5353050"/>
+            <a:ext cx="285750" cy="276999"/>
+          </a:xfrm>
+          <a:prstGeom prst="rect">
+            <a:avLst/>
+          </a:prstGeom>
+          <a:noFill/>
+        </p:spPr>
+        <p:txBody>
+          <a:bodyPr wrap="square" rtlCol="0">
+            <a:spAutoFit/>
+          </a:bodyPr>
+          <a:lstStyle/>
+          <a:p>
+            <a:r>
+              <a:rPr lang="en-US" altLang="zh-CN" sz="1200" dirty="0" smtClean="0">
+                <a:latin typeface="GulimChe" pitchFamily="49" charset="-127"/>
+                <a:ea typeface="GulimChe" pitchFamily="49" charset="-127"/>
+              </a:rPr>
+              <a:t>o</a:t>
+            </a:r>
+            <a:endParaRPr lang="zh-CN" altLang="en-US" sz="1200" dirty="0">
+              <a:latin typeface="GulimChe" pitchFamily="49" charset="-127"/>
+              <a:ea typeface="GulimChe" pitchFamily="49" charset="-127"/>
+            </a:endParaRPr>
+          </a:p>
+        </p:txBody>
+      </p:sp>
+      <p:sp>
+        <p:nvSpPr>
+          <p:cNvPr id="16" name="TextBox 15"/>
+          <p:cNvSpPr txBox="1"/>
+          <p:nvPr/>
+        </p:nvSpPr>
+        <p:spPr>
+          <a:xfrm>
+            <a:off x="2638425" y="5353050"/>
+            <a:ext cx="276225" cy="276999"/>
+          </a:xfrm>
+          <a:prstGeom prst="rect">
+            <a:avLst/>
+          </a:prstGeom>
+          <a:noFill/>
+        </p:spPr>
+        <p:txBody>
+          <a:bodyPr wrap="square" rtlCol="0">
+            <a:spAutoFit/>
+          </a:bodyPr>
+          <a:lstStyle/>
+          <a:p>
+            <a:r>
+              <a:rPr lang="en-US" altLang="zh-CN" sz="1200" dirty="0" smtClean="0">
+                <a:latin typeface="GulimChe" pitchFamily="49" charset="-127"/>
+                <a:ea typeface="GulimChe" pitchFamily="49" charset="-127"/>
+              </a:rPr>
+              <a:t>w</a:t>
+            </a:r>
+            <a:endParaRPr lang="zh-CN" altLang="en-US" sz="1200" dirty="0">
+              <a:latin typeface="GulimChe" pitchFamily="49" charset="-127"/>
+              <a:ea typeface="GulimChe" pitchFamily="49" charset="-127"/>
+            </a:endParaRPr>
+          </a:p>
+        </p:txBody>
+      </p:sp>
+      <p:sp>
+        <p:nvSpPr>
+          <p:cNvPr id="17" name="TextBox 16"/>
+          <p:cNvSpPr txBox="1"/>
+          <p:nvPr/>
+        </p:nvSpPr>
+        <p:spPr>
+          <a:xfrm>
+            <a:off x="2724150" y="5353050"/>
+            <a:ext cx="257175" cy="276999"/>
+          </a:xfrm>
+          <a:prstGeom prst="rect">
+            <a:avLst/>
+          </a:prstGeom>
+          <a:noFill/>
+        </p:spPr>
+        <p:txBody>
+          <a:bodyPr wrap="square" rtlCol="0">
+            <a:spAutoFit/>
+          </a:bodyPr>
+          <a:lstStyle/>
+          <a:p>
+            <a:r>
+              <a:rPr lang="en-US" altLang="zh-CN" sz="1200" dirty="0" smtClean="0">
+                <a:latin typeface="GulimChe" pitchFamily="49" charset="-127"/>
+                <a:ea typeface="GulimChe" pitchFamily="49" charset="-127"/>
+              </a:rPr>
+              <a:t>o</a:t>
+            </a:r>
+            <a:endParaRPr lang="zh-CN" altLang="en-US" sz="1200" dirty="0">
+              <a:latin typeface="GulimChe" pitchFamily="49" charset="-127"/>
+              <a:ea typeface="GulimChe" pitchFamily="49" charset="-127"/>
+            </a:endParaRPr>
+          </a:p>
+        </p:txBody>
+      </p:sp>
+      <p:sp>
+        <p:nvSpPr>
+          <p:cNvPr id="18" name="TextBox 17"/>
+          <p:cNvSpPr txBox="1"/>
+          <p:nvPr/>
+        </p:nvSpPr>
+        <p:spPr>
+          <a:xfrm>
+            <a:off x="2819400" y="5353050"/>
+            <a:ext cx="219075" cy="276999"/>
+          </a:xfrm>
+          <a:prstGeom prst="rect">
+            <a:avLst/>
+          </a:prstGeom>
+          <a:noFill/>
+        </p:spPr>
+        <p:txBody>
+          <a:bodyPr wrap="square" rtlCol="0">
+            <a:spAutoFit/>
+          </a:bodyPr>
+          <a:lstStyle/>
+          <a:p>
+            <a:r>
+              <a:rPr lang="en-US" altLang="zh-CN" sz="1200" dirty="0" smtClean="0">
+                <a:latin typeface="GulimChe" pitchFamily="49" charset="-127"/>
+                <a:ea typeface="GulimChe" pitchFamily="49" charset="-127"/>
+              </a:rPr>
+              <a:t>r</a:t>
+            </a:r>
+            <a:endParaRPr lang="zh-CN" altLang="en-US" sz="1200" dirty="0">
+              <a:latin typeface="GulimChe" pitchFamily="49" charset="-127"/>
+              <a:ea typeface="GulimChe" pitchFamily="49" charset="-127"/>
+            </a:endParaRPr>
+          </a:p>
+        </p:txBody>
+      </p:sp>
+      <p:sp>
+        <p:nvSpPr>
+          <p:cNvPr id="19" name="TextBox 18"/>
+          <p:cNvSpPr txBox="1"/>
+          <p:nvPr/>
+        </p:nvSpPr>
+        <p:spPr>
+          <a:xfrm>
+            <a:off x="2886075" y="5353050"/>
+            <a:ext cx="323850" cy="276999"/>
+          </a:xfrm>
+          <a:prstGeom prst="rect">
+            <a:avLst/>
+          </a:prstGeom>
+          <a:noFill/>
+        </p:spPr>
+        <p:txBody>
+          <a:bodyPr wrap="square" rtlCol="0">
+            <a:spAutoFit/>
+          </a:bodyPr>
+          <a:lstStyle/>
+          <a:p>
+            <a:r>
+              <a:rPr lang="en-US" altLang="zh-CN" sz="1200" dirty="0" smtClean="0">
+                <a:latin typeface="GulimChe" pitchFamily="49" charset="-127"/>
+                <a:ea typeface="GulimChe" pitchFamily="49" charset="-127"/>
+              </a:rPr>
+              <a:t>l</a:t>
+            </a:r>
+            <a:endParaRPr lang="zh-CN" altLang="en-US" sz="1200" dirty="0">
+              <a:latin typeface="GulimChe" pitchFamily="49" charset="-127"/>
+              <a:ea typeface="GulimChe" pitchFamily="49" charset="-127"/>
+            </a:endParaRPr>
+          </a:p>
+        </p:txBody>
+      </p:sp>
+      <p:sp>
+        <p:nvSpPr>
+          <p:cNvPr id="20" name="TextBox 19"/>
+          <p:cNvSpPr txBox="1"/>
+          <p:nvPr/>
+        </p:nvSpPr>
+        <p:spPr>
+          <a:xfrm>
+            <a:off x="2971800" y="5353050"/>
+            <a:ext cx="257175" cy="276999"/>
+          </a:xfrm>
+          <a:prstGeom prst="rect">
+            <a:avLst/>
+          </a:prstGeom>
+          <a:noFill/>
+        </p:spPr>
+        <p:txBody>
+          <a:bodyPr wrap="square" rtlCol="0">
+            <a:spAutoFit/>
+          </a:bodyPr>
+          <a:lstStyle/>
+          <a:p>
+            <a:r>
+              <a:rPr lang="en-US" altLang="zh-CN" sz="1200" dirty="0" smtClean="0">
+                <a:latin typeface="GulimChe" pitchFamily="49" charset="-127"/>
+                <a:ea typeface="GulimChe" pitchFamily="49" charset="-127"/>
+              </a:rPr>
+              <a:t>d</a:t>
+            </a:r>
+            <a:endParaRPr lang="zh-CN" altLang="en-US" sz="1200" dirty="0">
+              <a:latin typeface="GulimChe" pitchFamily="49" charset="-127"/>
+              <a:ea typeface="GulimChe" pitchFamily="49" charset="-127"/>
+            </a:endParaRPr>
+          </a:p>
+        </p:txBody>
+      </p:sp>
     </p:spTree>
     <p:extLst>
       <p:ext uri="{BB962C8B-B14F-4D97-AF65-F5344CB8AC3E}">
-        <p14:creationId xmlns:p14="http://schemas.microsoft.com/office/powerpoint/2010/main" val="2417441425"/>
+        <p14:creationId xmlns:p14="http://schemas.microsoft.com/office/powerpoint/2010/main" xmlns="" val="2417441425"/>
       </p:ext>
     </p:extLst>
   </p:cSld>
   <p:clrMapOvr>
     <a:masterClrMapping/>
   </p:clrMapOvr>
+  <p:timing>
+    <p:tnLst>
+      <p:par>
+        <p:cTn id="1" dur="indefinite" restart="never" nodeType="tmRoot">
+          <p:childTnLst>
+            <p:seq concurrent="1" nextAc="seek">
+              <p:cTn id="2" dur="indefinite" nodeType="mainSeq">
+                <p:childTnLst>
+                  <p:par>
+                    <p:cTn id="3" fill="hold">
+                      <p:stCondLst>
+                        <p:cond delay="indefinite"/>
+                      </p:stCondLst>
+                      <p:childTnLst>
+                        <p:par>
+                          <p:cTn id="4" fill="hold">
+                            <p:stCondLst>
+                              <p:cond delay="0"/>
+                            </p:stCondLst>
+                            <p:childTnLst>
+                              <p:par>
+                                <p:cTn id="5" presetID="10" presetClass="exit" presetSubtype="0" fill="hold" grpId="0" nodeType="clickEffect">
+                                  <p:stCondLst>
+                                    <p:cond delay="0"/>
+                                  </p:stCondLst>
+                                  <p:childTnLst>
+                                    <p:animEffect transition="out" filter="fade">
+                                      <p:cBhvr>
+                                        <p:cTn id="6" dur="500"/>
+                                        <p:tgtEl>
+                                          <p:spTgt spid="8"/>
+                                        </p:tgtEl>
+                                      </p:cBhvr>
+                                    </p:animEffect>
+                                    <p:set>
+                                      <p:cBhvr>
+                                        <p:cTn id="7" dur="1" fill="hold">
+                                          <p:stCondLst>
+                                            <p:cond delay="499"/>
+                                          </p:stCondLst>
+                                        </p:cTn>
+                                        <p:tgtEl>
+                                          <p:spTgt spid="8"/>
+                                        </p:tgtEl>
+                                        <p:attrNameLst>
+                                          <p:attrName>style.visibility</p:attrName>
+                                        </p:attrNameLst>
+                                      </p:cBhvr>
+                                      <p:to>
+                                        <p:strVal val="hidden"/>
+                                      </p:to>
+                                    </p:set>
+                                  </p:childTnLst>
+                                </p:cTn>
+                              </p:par>
+                            </p:childTnLst>
+                          </p:cTn>
+                        </p:par>
+                        <p:par>
+                          <p:cTn id="8" fill="hold">
+                            <p:stCondLst>
+                              <p:cond delay="500"/>
+                            </p:stCondLst>
+                            <p:childTnLst>
+                              <p:par>
+                                <p:cTn id="9" presetID="0" presetClass="path" presetSubtype="0" accel="50000" decel="50000" fill="hold" grpId="0" nodeType="afterEffect">
+                                  <p:stCondLst>
+                                    <p:cond delay="0"/>
+                                  </p:stCondLst>
+                                  <p:childTnLst>
+                                    <p:animMotion origin="layout" path="M -3.75E-6 -4.81481E-6 L -3.75E-6 -0.07639 " pathEditMode="relative" ptsTypes="AA">
+                                      <p:cBhvr>
+                                        <p:cTn id="10" dur="1000" fill="hold"/>
+                                        <p:tgtEl>
+                                          <p:spTgt spid="6"/>
+                                        </p:tgtEl>
+                                        <p:attrNameLst>
+                                          <p:attrName>ppt_x</p:attrName>
+                                          <p:attrName>ppt_y</p:attrName>
+                                        </p:attrNameLst>
+                                      </p:cBhvr>
+                                    </p:animMotion>
+                                  </p:childTnLst>
+                                </p:cTn>
+                              </p:par>
+                            </p:childTnLst>
+                          </p:cTn>
+                        </p:par>
+                      </p:childTnLst>
+                    </p:cTn>
+                  </p:par>
+                  <p:par>
+                    <p:cTn id="11" fill="hold">
+                      <p:stCondLst>
+                        <p:cond delay="indefinite"/>
+                      </p:stCondLst>
+                      <p:childTnLst>
+                        <p:par>
+                          <p:cTn id="12" fill="hold">
+                            <p:stCondLst>
+                              <p:cond delay="0"/>
+                            </p:stCondLst>
+                            <p:childTnLst>
+                              <p:par>
+                                <p:cTn id="13" presetID="2" presetClass="entr" presetSubtype="8" fill="hold" nodeType="clickEffect">
+                                  <p:stCondLst>
+                                    <p:cond delay="0"/>
+                                  </p:stCondLst>
+                                  <p:childTnLst>
+                                    <p:set>
+                                      <p:cBhvr>
+                                        <p:cTn id="14" dur="1" fill="hold">
+                                          <p:stCondLst>
+                                            <p:cond delay="0"/>
+                                          </p:stCondLst>
+                                        </p:cTn>
+                                        <p:tgtEl>
+                                          <p:spTgt spid="1026"/>
+                                        </p:tgtEl>
+                                        <p:attrNameLst>
+                                          <p:attrName>style.visibility</p:attrName>
+                                        </p:attrNameLst>
+                                      </p:cBhvr>
+                                      <p:to>
+                                        <p:strVal val="visible"/>
+                                      </p:to>
+                                    </p:set>
+                                    <p:anim calcmode="lin" valueType="num">
+                                      <p:cBhvr additive="base">
+                                        <p:cTn id="15" dur="1000" fill="hold"/>
+                                        <p:tgtEl>
+                                          <p:spTgt spid="1026"/>
+                                        </p:tgtEl>
+                                        <p:attrNameLst>
+                                          <p:attrName>ppt_x</p:attrName>
+                                        </p:attrNameLst>
+                                      </p:cBhvr>
+                                      <p:tavLst>
+                                        <p:tav tm="0">
+                                          <p:val>
+                                            <p:strVal val="0-#ppt_w/2"/>
+                                          </p:val>
+                                        </p:tav>
+                                        <p:tav tm="100000">
+                                          <p:val>
+                                            <p:strVal val="#ppt_x"/>
+                                          </p:val>
+                                        </p:tav>
+                                      </p:tavLst>
+                                    </p:anim>
+                                    <p:anim calcmode="lin" valueType="num">
+                                      <p:cBhvr additive="base">
+                                        <p:cTn id="16" dur="1000" fill="hold"/>
+                                        <p:tgtEl>
+                                          <p:spTgt spid="1026"/>
+                                        </p:tgtEl>
+                                        <p:attrNameLst>
+                                          <p:attrName>ppt_y</p:attrName>
+                                        </p:attrNameLst>
+                                      </p:cBhvr>
+                                      <p:tavLst>
+                                        <p:tav tm="0">
+                                          <p:val>
+                                            <p:strVal val="#ppt_y"/>
+                                          </p:val>
+                                        </p:tav>
+                                        <p:tav tm="100000">
+                                          <p:val>
+                                            <p:strVal val="#ppt_y"/>
+                                          </p:val>
+                                        </p:tav>
+                                      </p:tavLst>
+                                    </p:anim>
+                                  </p:childTnLst>
+                                </p:cTn>
+                              </p:par>
+                            </p:childTnLst>
+                          </p:cTn>
+                        </p:par>
+                        <p:par>
+                          <p:cTn id="17" fill="hold">
+                            <p:stCondLst>
+                              <p:cond delay="1000"/>
+                            </p:stCondLst>
+                            <p:childTnLst>
+                              <p:par>
+                                <p:cTn id="18" presetID="10" presetClass="entr" presetSubtype="0" fill="hold" nodeType="afterEffect">
+                                  <p:stCondLst>
+                                    <p:cond delay="0"/>
+                                  </p:stCondLst>
+                                  <p:childTnLst>
+                                    <p:set>
+                                      <p:cBhvr>
+                                        <p:cTn id="19" dur="1" fill="hold">
+                                          <p:stCondLst>
+                                            <p:cond delay="0"/>
+                                          </p:stCondLst>
+                                        </p:cTn>
+                                        <p:tgtEl>
+                                          <p:spTgt spid="1027"/>
+                                        </p:tgtEl>
+                                        <p:attrNameLst>
+                                          <p:attrName>style.visibility</p:attrName>
+                                        </p:attrNameLst>
+                                      </p:cBhvr>
+                                      <p:to>
+                                        <p:strVal val="visible"/>
+                                      </p:to>
+                                    </p:set>
+                                    <p:animEffect transition="in" filter="fade">
+                                      <p:cBhvr>
+                                        <p:cTn id="20" dur="500"/>
+                                        <p:tgtEl>
+                                          <p:spTgt spid="1027"/>
+                                        </p:tgtEl>
+                                      </p:cBhvr>
+                                    </p:animEffect>
+                                  </p:childTnLst>
+                                </p:cTn>
+                              </p:par>
+                            </p:childTnLst>
+                          </p:cTn>
+                        </p:par>
+                        <p:par>
+                          <p:cTn id="21" fill="hold">
+                            <p:stCondLst>
+                              <p:cond delay="1500"/>
+                            </p:stCondLst>
+                            <p:childTnLst>
+                              <p:par>
+                                <p:cTn id="22" presetID="0" presetClass="path" presetSubtype="0" accel="50000" decel="50000" fill="hold" nodeType="afterEffect">
+                                  <p:stCondLst>
+                                    <p:cond delay="300"/>
+                                  </p:stCondLst>
+                                  <p:childTnLst>
+                                    <p:animMotion origin="layout" path="M -3.75E-6 2.22222E-6 L -3.75E-6 0.03611 " pathEditMode="relative" rAng="0" ptsTypes="AA">
+                                      <p:cBhvr>
+                                        <p:cTn id="23" dur="500" fill="hold"/>
+                                        <p:tgtEl>
+                                          <p:spTgt spid="1027"/>
+                                        </p:tgtEl>
+                                        <p:attrNameLst>
+                                          <p:attrName>ppt_x</p:attrName>
+                                          <p:attrName>ppt_y</p:attrName>
+                                        </p:attrNameLst>
+                                      </p:cBhvr>
+                                      <p:rCtr x="0" y="18"/>
+                                    </p:animMotion>
+                                  </p:childTnLst>
+                                </p:cTn>
+                              </p:par>
+                            </p:childTnLst>
+                          </p:cTn>
+                        </p:par>
+                        <p:par>
+                          <p:cTn id="24" fill="hold">
+                            <p:stCondLst>
+                              <p:cond delay="2300"/>
+                            </p:stCondLst>
+                            <p:childTnLst>
+                              <p:par>
+                                <p:cTn id="25" presetID="0" presetClass="path" presetSubtype="0" accel="50000" decel="50000" fill="hold" nodeType="afterEffect">
+                                  <p:stCondLst>
+                                    <p:cond delay="300"/>
+                                  </p:stCondLst>
+                                  <p:childTnLst>
+                                    <p:animMotion origin="layout" path="M -3.75E-6 0.03611 L -3.75E-6 0.06528 " pathEditMode="relative" rAng="0" ptsTypes="AA">
+                                      <p:cBhvr>
+                                        <p:cTn id="26" dur="500" fill="hold"/>
+                                        <p:tgtEl>
+                                          <p:spTgt spid="1027"/>
+                                        </p:tgtEl>
+                                        <p:attrNameLst>
+                                          <p:attrName>ppt_x</p:attrName>
+                                          <p:attrName>ppt_y</p:attrName>
+                                        </p:attrNameLst>
+                                      </p:cBhvr>
+                                      <p:rCtr x="0" y="15"/>
+                                    </p:animMotion>
+                                  </p:childTnLst>
+                                </p:cTn>
+                              </p:par>
+                            </p:childTnLst>
+                          </p:cTn>
+                        </p:par>
+                        <p:par>
+                          <p:cTn id="27" fill="hold">
+                            <p:stCondLst>
+                              <p:cond delay="3100"/>
+                            </p:stCondLst>
+                            <p:childTnLst>
+                              <p:par>
+                                <p:cTn id="28" presetID="0" presetClass="path" presetSubtype="0" accel="50000" decel="50000" fill="hold" nodeType="afterEffect">
+                                  <p:stCondLst>
+                                    <p:cond delay="300"/>
+                                  </p:stCondLst>
+                                  <p:childTnLst>
+                                    <p:animMotion origin="layout" path="M 1.25E-6 0.06527 L 1.25E-6 0.09583 " pathEditMode="relative" rAng="0" ptsTypes="AA">
+                                      <p:cBhvr>
+                                        <p:cTn id="29" dur="500" fill="hold"/>
+                                        <p:tgtEl>
+                                          <p:spTgt spid="1027"/>
+                                        </p:tgtEl>
+                                        <p:attrNameLst>
+                                          <p:attrName>ppt_x</p:attrName>
+                                          <p:attrName>ppt_y</p:attrName>
+                                        </p:attrNameLst>
+                                      </p:cBhvr>
+                                      <p:rCtr x="0" y="15"/>
+                                    </p:animMotion>
+                                  </p:childTnLst>
+                                </p:cTn>
+                              </p:par>
+                            </p:childTnLst>
+                          </p:cTn>
+                        </p:par>
+                        <p:par>
+                          <p:cTn id="30" fill="hold">
+                            <p:stCondLst>
+                              <p:cond delay="3900"/>
+                            </p:stCondLst>
+                            <p:childTnLst>
+                              <p:par>
+                                <p:cTn id="31" presetID="0" presetClass="path" presetSubtype="0" accel="50000" decel="50000" fill="hold" nodeType="afterEffect">
+                                  <p:stCondLst>
+                                    <p:cond delay="300"/>
+                                  </p:stCondLst>
+                                  <p:childTnLst>
+                                    <p:animMotion origin="layout" path="M 5.55112E-17 0.09583 L 5.55112E-17 0.12638 " pathEditMode="relative" rAng="0" ptsTypes="AA">
+                                      <p:cBhvr>
+                                        <p:cTn id="32" dur="500" fill="hold"/>
+                                        <p:tgtEl>
+                                          <p:spTgt spid="1027"/>
+                                        </p:tgtEl>
+                                        <p:attrNameLst>
+                                          <p:attrName>ppt_x</p:attrName>
+                                          <p:attrName>ppt_y</p:attrName>
+                                        </p:attrNameLst>
+                                      </p:cBhvr>
+                                      <p:rCtr x="0" y="15"/>
+                                    </p:animMotion>
+                                  </p:childTnLst>
+                                </p:cTn>
+                              </p:par>
+                            </p:childTnLst>
+                          </p:cTn>
+                        </p:par>
+                        <p:par>
+                          <p:cTn id="33" fill="hold">
+                            <p:stCondLst>
+                              <p:cond delay="4700"/>
+                            </p:stCondLst>
+                            <p:childTnLst>
+                              <p:par>
+                                <p:cTn id="34" presetID="1" presetClass="entr" presetSubtype="0" fill="hold" nodeType="afterEffect">
+                                  <p:stCondLst>
+                                    <p:cond delay="0"/>
+                                  </p:stCondLst>
+                                  <p:childTnLst>
+                                    <p:set>
+                                      <p:cBhvr>
+                                        <p:cTn id="35" dur="1" fill="hold">
+                                          <p:stCondLst>
+                                            <p:cond delay="0"/>
+                                          </p:stCondLst>
+                                        </p:cTn>
+                                        <p:tgtEl>
+                                          <p:spTgt spid="1029"/>
+                                        </p:tgtEl>
+                                        <p:attrNameLst>
+                                          <p:attrName>style.visibility</p:attrName>
+                                        </p:attrNameLst>
+                                      </p:cBhvr>
+                                      <p:to>
+                                        <p:strVal val="visible"/>
+                                      </p:to>
+                                    </p:set>
+                                  </p:childTnLst>
+                                </p:cTn>
+                              </p:par>
+                            </p:childTnLst>
+                          </p:cTn>
+                        </p:par>
+                        <p:par>
+                          <p:cTn id="36" fill="hold">
+                            <p:stCondLst>
+                              <p:cond delay="4700"/>
+                            </p:stCondLst>
+                            <p:childTnLst>
+                              <p:par>
+                                <p:cTn id="37" presetID="0" presetClass="path" presetSubtype="0" accel="50000" decel="50000" fill="hold" nodeType="afterEffect">
+                                  <p:stCondLst>
+                                    <p:cond delay="300"/>
+                                  </p:stCondLst>
+                                  <p:childTnLst>
+                                    <p:animMotion origin="layout" path="M 1.25E-6 0.12639 L 0.00078 0.15417 " pathEditMode="relative" rAng="0" ptsTypes="AA">
+                                      <p:cBhvr>
+                                        <p:cTn id="38" dur="500" fill="hold"/>
+                                        <p:tgtEl>
+                                          <p:spTgt spid="1027"/>
+                                        </p:tgtEl>
+                                        <p:attrNameLst>
+                                          <p:attrName>ppt_x</p:attrName>
+                                          <p:attrName>ppt_y</p:attrName>
+                                        </p:attrNameLst>
+                                      </p:cBhvr>
+                                      <p:rCtr x="0" y="14"/>
+                                    </p:animMotion>
+                                  </p:childTnLst>
+                                </p:cTn>
+                              </p:par>
+                            </p:childTnLst>
+                          </p:cTn>
+                        </p:par>
+                        <p:par>
+                          <p:cTn id="39" fill="hold">
+                            <p:stCondLst>
+                              <p:cond delay="5500"/>
+                            </p:stCondLst>
+                            <p:childTnLst>
+                              <p:par>
+                                <p:cTn id="40" presetID="0" presetClass="path" presetSubtype="0" accel="50000" decel="50000" fill="hold" nodeType="afterEffect">
+                                  <p:stCondLst>
+                                    <p:cond delay="300"/>
+                                  </p:stCondLst>
+                                  <p:childTnLst>
+                                    <p:animMotion origin="layout" path="M 0.00078 0.15417 L 0.00078 0.18334 " pathEditMode="relative" rAng="0" ptsTypes="AA">
+                                      <p:cBhvr>
+                                        <p:cTn id="41" dur="500" fill="hold"/>
+                                        <p:tgtEl>
+                                          <p:spTgt spid="1027"/>
+                                        </p:tgtEl>
+                                        <p:attrNameLst>
+                                          <p:attrName>ppt_x</p:attrName>
+                                          <p:attrName>ppt_y</p:attrName>
+                                        </p:attrNameLst>
+                                      </p:cBhvr>
+                                      <p:rCtr x="0" y="15"/>
+                                    </p:animMotion>
+                                  </p:childTnLst>
+                                </p:cTn>
+                              </p:par>
+                            </p:childTnLst>
+                          </p:cTn>
+                        </p:par>
+                        <p:par>
+                          <p:cTn id="42" fill="hold">
+                            <p:stCondLst>
+                              <p:cond delay="6300"/>
+                            </p:stCondLst>
+                            <p:childTnLst>
+                              <p:par>
+                                <p:cTn id="43" presetID="0" presetClass="path" presetSubtype="0" accel="50000" decel="50000" fill="hold" nodeType="afterEffect">
+                                  <p:stCondLst>
+                                    <p:cond delay="300"/>
+                                  </p:stCondLst>
+                                  <p:childTnLst>
+                                    <p:animMotion origin="layout" path="M 0.00078 0.18333 L 0.00078 0.21389 " pathEditMode="relative" rAng="0" ptsTypes="AA">
+                                      <p:cBhvr>
+                                        <p:cTn id="44" dur="500" fill="hold"/>
+                                        <p:tgtEl>
+                                          <p:spTgt spid="1027"/>
+                                        </p:tgtEl>
+                                        <p:attrNameLst>
+                                          <p:attrName>ppt_x</p:attrName>
+                                          <p:attrName>ppt_y</p:attrName>
+                                        </p:attrNameLst>
+                                      </p:cBhvr>
+                                      <p:rCtr x="0" y="15"/>
+                                    </p:animMotion>
+                                  </p:childTnLst>
+                                </p:cTn>
+                              </p:par>
+                            </p:childTnLst>
+                          </p:cTn>
+                        </p:par>
+                        <p:par>
+                          <p:cTn id="45" fill="hold">
+                            <p:stCondLst>
+                              <p:cond delay="7100"/>
+                            </p:stCondLst>
+                            <p:childTnLst>
+                              <p:par>
+                                <p:cTn id="46" presetID="0" presetClass="path" presetSubtype="0" accel="50000" decel="50000" fill="hold" nodeType="afterEffect">
+                                  <p:stCondLst>
+                                    <p:cond delay="300"/>
+                                  </p:stCondLst>
+                                  <p:childTnLst>
+                                    <p:animMotion origin="layout" path="M 0.00078 0.21389 L 0.00078 0.24584 " pathEditMode="relative" rAng="0" ptsTypes="AA">
+                                      <p:cBhvr>
+                                        <p:cTn id="47" dur="500" fill="hold"/>
+                                        <p:tgtEl>
+                                          <p:spTgt spid="1027"/>
+                                        </p:tgtEl>
+                                        <p:attrNameLst>
+                                          <p:attrName>ppt_x</p:attrName>
+                                          <p:attrName>ppt_y</p:attrName>
+                                        </p:attrNameLst>
+                                      </p:cBhvr>
+                                      <p:rCtr x="0" y="16"/>
+                                    </p:animMotion>
+                                  </p:childTnLst>
+                                </p:cTn>
+                              </p:par>
+                            </p:childTnLst>
+                          </p:cTn>
+                        </p:par>
+                        <p:par>
+                          <p:cTn id="48" fill="hold">
+                            <p:stCondLst>
+                              <p:cond delay="7900"/>
+                            </p:stCondLst>
+                            <p:childTnLst>
+                              <p:par>
+                                <p:cTn id="49" presetID="1" presetClass="entr" presetSubtype="0" fill="hold" grpId="0" nodeType="afterEffect">
+                                  <p:stCondLst>
+                                    <p:cond delay="0"/>
+                                  </p:stCondLst>
+                                  <p:childTnLst>
+                                    <p:set>
+                                      <p:cBhvr>
+                                        <p:cTn id="50" dur="1" fill="hold">
+                                          <p:stCondLst>
+                                            <p:cond delay="0"/>
+                                          </p:stCondLst>
+                                        </p:cTn>
+                                        <p:tgtEl>
+                                          <p:spTgt spid="11"/>
+                                        </p:tgtEl>
+                                        <p:attrNameLst>
+                                          <p:attrName>style.visibility</p:attrName>
+                                        </p:attrNameLst>
+                                      </p:cBhvr>
+                                      <p:to>
+                                        <p:strVal val="visible"/>
+                                      </p:to>
+                                    </p:set>
+                                  </p:childTnLst>
+                                </p:cTn>
+                              </p:par>
+                            </p:childTnLst>
+                          </p:cTn>
+                        </p:par>
+                        <p:par>
+                          <p:cTn id="51" fill="hold">
+                            <p:stCondLst>
+                              <p:cond delay="7900"/>
+                            </p:stCondLst>
+                            <p:childTnLst>
+                              <p:par>
+                                <p:cTn id="52" presetID="1" presetClass="entr" presetSubtype="0" fill="hold" grpId="0" nodeType="afterEffect">
+                                  <p:stCondLst>
+                                    <p:cond delay="200"/>
+                                  </p:stCondLst>
+                                  <p:childTnLst>
+                                    <p:set>
+                                      <p:cBhvr>
+                                        <p:cTn id="53" dur="1" fill="hold">
+                                          <p:stCondLst>
+                                            <p:cond delay="0"/>
+                                          </p:stCondLst>
+                                        </p:cTn>
+                                        <p:tgtEl>
+                                          <p:spTgt spid="12"/>
+                                        </p:tgtEl>
+                                        <p:attrNameLst>
+                                          <p:attrName>style.visibility</p:attrName>
+                                        </p:attrNameLst>
+                                      </p:cBhvr>
+                                      <p:to>
+                                        <p:strVal val="visible"/>
+                                      </p:to>
+                                    </p:set>
+                                  </p:childTnLst>
+                                </p:cTn>
+                              </p:par>
+                            </p:childTnLst>
+                          </p:cTn>
+                        </p:par>
+                        <p:par>
+                          <p:cTn id="54" fill="hold">
+                            <p:stCondLst>
+                              <p:cond delay="8100"/>
+                            </p:stCondLst>
+                            <p:childTnLst>
+                              <p:par>
+                                <p:cTn id="55" presetID="1" presetClass="entr" presetSubtype="0" fill="hold" grpId="0" nodeType="afterEffect">
+                                  <p:stCondLst>
+                                    <p:cond delay="200"/>
+                                  </p:stCondLst>
+                                  <p:childTnLst>
+                                    <p:set>
+                                      <p:cBhvr>
+                                        <p:cTn id="56" dur="1" fill="hold">
+                                          <p:stCondLst>
+                                            <p:cond delay="0"/>
+                                          </p:stCondLst>
+                                        </p:cTn>
+                                        <p:tgtEl>
+                                          <p:spTgt spid="13"/>
+                                        </p:tgtEl>
+                                        <p:attrNameLst>
+                                          <p:attrName>style.visibility</p:attrName>
+                                        </p:attrNameLst>
+                                      </p:cBhvr>
+                                      <p:to>
+                                        <p:strVal val="visible"/>
+                                      </p:to>
+                                    </p:set>
+                                  </p:childTnLst>
+                                </p:cTn>
+                              </p:par>
+                            </p:childTnLst>
+                          </p:cTn>
+                        </p:par>
+                        <p:par>
+                          <p:cTn id="57" fill="hold">
+                            <p:stCondLst>
+                              <p:cond delay="8300"/>
+                            </p:stCondLst>
+                            <p:childTnLst>
+                              <p:par>
+                                <p:cTn id="58" presetID="1" presetClass="entr" presetSubtype="0" fill="hold" grpId="0" nodeType="afterEffect">
+                                  <p:stCondLst>
+                                    <p:cond delay="200"/>
+                                  </p:stCondLst>
+                                  <p:childTnLst>
+                                    <p:set>
+                                      <p:cBhvr>
+                                        <p:cTn id="59" dur="1" fill="hold">
+                                          <p:stCondLst>
+                                            <p:cond delay="0"/>
+                                          </p:stCondLst>
+                                        </p:cTn>
+                                        <p:tgtEl>
+                                          <p:spTgt spid="14"/>
+                                        </p:tgtEl>
+                                        <p:attrNameLst>
+                                          <p:attrName>style.visibility</p:attrName>
+                                        </p:attrNameLst>
+                                      </p:cBhvr>
+                                      <p:to>
+                                        <p:strVal val="visible"/>
+                                      </p:to>
+                                    </p:set>
+                                  </p:childTnLst>
+                                </p:cTn>
+                              </p:par>
+                            </p:childTnLst>
+                          </p:cTn>
+                        </p:par>
+                        <p:par>
+                          <p:cTn id="60" fill="hold">
+                            <p:stCondLst>
+                              <p:cond delay="8500"/>
+                            </p:stCondLst>
+                            <p:childTnLst>
+                              <p:par>
+                                <p:cTn id="61" presetID="1" presetClass="entr" presetSubtype="0" fill="hold" grpId="0" nodeType="afterEffect">
+                                  <p:stCondLst>
+                                    <p:cond delay="200"/>
+                                  </p:stCondLst>
+                                  <p:childTnLst>
+                                    <p:set>
+                                      <p:cBhvr>
+                                        <p:cTn id="62" dur="1" fill="hold">
+                                          <p:stCondLst>
+                                            <p:cond delay="0"/>
+                                          </p:stCondLst>
+                                        </p:cTn>
+                                        <p:tgtEl>
+                                          <p:spTgt spid="15"/>
+                                        </p:tgtEl>
+                                        <p:attrNameLst>
+                                          <p:attrName>style.visibility</p:attrName>
+                                        </p:attrNameLst>
+                                      </p:cBhvr>
+                                      <p:to>
+                                        <p:strVal val="visible"/>
+                                      </p:to>
+                                    </p:set>
+                                  </p:childTnLst>
+                                </p:cTn>
+                              </p:par>
+                            </p:childTnLst>
+                          </p:cTn>
+                        </p:par>
+                        <p:par>
+                          <p:cTn id="63" fill="hold">
+                            <p:stCondLst>
+                              <p:cond delay="8700"/>
+                            </p:stCondLst>
+                            <p:childTnLst>
+                              <p:par>
+                                <p:cTn id="64" presetID="1" presetClass="entr" presetSubtype="0" fill="hold" grpId="0" nodeType="afterEffect">
+                                  <p:stCondLst>
+                                    <p:cond delay="200"/>
+                                  </p:stCondLst>
+                                  <p:childTnLst>
+                                    <p:set>
+                                      <p:cBhvr>
+                                        <p:cTn id="65" dur="1" fill="hold">
+                                          <p:stCondLst>
+                                            <p:cond delay="0"/>
+                                          </p:stCondLst>
+                                        </p:cTn>
+                                        <p:tgtEl>
+                                          <p:spTgt spid="16"/>
+                                        </p:tgtEl>
+                                        <p:attrNameLst>
+                                          <p:attrName>style.visibility</p:attrName>
+                                        </p:attrNameLst>
+                                      </p:cBhvr>
+                                      <p:to>
+                                        <p:strVal val="visible"/>
+                                      </p:to>
+                                    </p:set>
+                                  </p:childTnLst>
+                                </p:cTn>
+                              </p:par>
+                            </p:childTnLst>
+                          </p:cTn>
+                        </p:par>
+                        <p:par>
+                          <p:cTn id="66" fill="hold">
+                            <p:stCondLst>
+                              <p:cond delay="8900"/>
+                            </p:stCondLst>
+                            <p:childTnLst>
+                              <p:par>
+                                <p:cTn id="67" presetID="1" presetClass="entr" presetSubtype="0" fill="hold" grpId="0" nodeType="afterEffect">
+                                  <p:stCondLst>
+                                    <p:cond delay="200"/>
+                                  </p:stCondLst>
+                                  <p:childTnLst>
+                                    <p:set>
+                                      <p:cBhvr>
+                                        <p:cTn id="68" dur="1" fill="hold">
+                                          <p:stCondLst>
+                                            <p:cond delay="0"/>
+                                          </p:stCondLst>
+                                        </p:cTn>
+                                        <p:tgtEl>
+                                          <p:spTgt spid="17"/>
+                                        </p:tgtEl>
+                                        <p:attrNameLst>
+                                          <p:attrName>style.visibility</p:attrName>
+                                        </p:attrNameLst>
+                                      </p:cBhvr>
+                                      <p:to>
+                                        <p:strVal val="visible"/>
+                                      </p:to>
+                                    </p:set>
+                                  </p:childTnLst>
+                                </p:cTn>
+                              </p:par>
+                            </p:childTnLst>
+                          </p:cTn>
+                        </p:par>
+                        <p:par>
+                          <p:cTn id="69" fill="hold">
+                            <p:stCondLst>
+                              <p:cond delay="9100"/>
+                            </p:stCondLst>
+                            <p:childTnLst>
+                              <p:par>
+                                <p:cTn id="70" presetID="1" presetClass="entr" presetSubtype="0" fill="hold" grpId="0" nodeType="afterEffect">
+                                  <p:stCondLst>
+                                    <p:cond delay="200"/>
+                                  </p:stCondLst>
+                                  <p:childTnLst>
+                                    <p:set>
+                                      <p:cBhvr>
+                                        <p:cTn id="71" dur="1" fill="hold">
+                                          <p:stCondLst>
+                                            <p:cond delay="0"/>
+                                          </p:stCondLst>
+                                        </p:cTn>
+                                        <p:tgtEl>
+                                          <p:spTgt spid="18"/>
+                                        </p:tgtEl>
+                                        <p:attrNameLst>
+                                          <p:attrName>style.visibility</p:attrName>
+                                        </p:attrNameLst>
+                                      </p:cBhvr>
+                                      <p:to>
+                                        <p:strVal val="visible"/>
+                                      </p:to>
+                                    </p:set>
+                                  </p:childTnLst>
+                                </p:cTn>
+                              </p:par>
+                            </p:childTnLst>
+                          </p:cTn>
+                        </p:par>
+                        <p:par>
+                          <p:cTn id="72" fill="hold">
+                            <p:stCondLst>
+                              <p:cond delay="9300"/>
+                            </p:stCondLst>
+                            <p:childTnLst>
+                              <p:par>
+                                <p:cTn id="73" presetID="1" presetClass="entr" presetSubtype="0" fill="hold" grpId="0" nodeType="afterEffect">
+                                  <p:stCondLst>
+                                    <p:cond delay="200"/>
+                                  </p:stCondLst>
+                                  <p:childTnLst>
+                                    <p:set>
+                                      <p:cBhvr>
+                                        <p:cTn id="74" dur="1" fill="hold">
+                                          <p:stCondLst>
+                                            <p:cond delay="0"/>
+                                          </p:stCondLst>
+                                        </p:cTn>
+                                        <p:tgtEl>
+                                          <p:spTgt spid="19"/>
+                                        </p:tgtEl>
+                                        <p:attrNameLst>
+                                          <p:attrName>style.visibility</p:attrName>
+                                        </p:attrNameLst>
+                                      </p:cBhvr>
+                                      <p:to>
+                                        <p:strVal val="visible"/>
+                                      </p:to>
+                                    </p:set>
+                                  </p:childTnLst>
+                                </p:cTn>
+                              </p:par>
+                            </p:childTnLst>
+                          </p:cTn>
+                        </p:par>
+                        <p:par>
+                          <p:cTn id="75" fill="hold">
+                            <p:stCondLst>
+                              <p:cond delay="9500"/>
+                            </p:stCondLst>
+                            <p:childTnLst>
+                              <p:par>
+                                <p:cTn id="76" presetID="1" presetClass="entr" presetSubtype="0" fill="hold" grpId="0" nodeType="afterEffect">
+                                  <p:stCondLst>
+                                    <p:cond delay="200"/>
+                                  </p:stCondLst>
+                                  <p:childTnLst>
+                                    <p:set>
+                                      <p:cBhvr>
+                                        <p:cTn id="77" dur="1" fill="hold">
+                                          <p:stCondLst>
+                                            <p:cond delay="0"/>
+                                          </p:stCondLst>
+                                        </p:cTn>
+                                        <p:tgtEl>
+                                          <p:spTgt spid="20"/>
+                                        </p:tgtEl>
+                                        <p:attrNameLst>
+                                          <p:attrName>style.visibility</p:attrName>
+                                        </p:attrNameLst>
+                                      </p:cBhvr>
+                                      <p:to>
+                                        <p:strVal val="visible"/>
+                                      </p:to>
+                                    </p:set>
+                                  </p:childTnLst>
+                                </p:cTn>
+                              </p:par>
+                            </p:childTnLst>
+                          </p:cTn>
+                        </p:par>
+                        <p:par>
+                          <p:cTn id="78" fill="hold">
+                            <p:stCondLst>
+                              <p:cond delay="9700"/>
+                            </p:stCondLst>
+                            <p:childTnLst>
+                              <p:par>
+                                <p:cTn id="79" presetID="1" presetClass="exit" presetSubtype="0" fill="hold" grpId="1" nodeType="afterEffect">
+                                  <p:stCondLst>
+                                    <p:cond delay="300"/>
+                                  </p:stCondLst>
+                                  <p:childTnLst>
+                                    <p:set>
+                                      <p:cBhvr>
+                                        <p:cTn id="80" dur="1" fill="hold">
+                                          <p:stCondLst>
+                                            <p:cond delay="0"/>
+                                          </p:stCondLst>
+                                        </p:cTn>
+                                        <p:tgtEl>
+                                          <p:spTgt spid="11"/>
+                                        </p:tgtEl>
+                                        <p:attrNameLst>
+                                          <p:attrName>style.visibility</p:attrName>
+                                        </p:attrNameLst>
+                                      </p:cBhvr>
+                                      <p:to>
+                                        <p:strVal val="hidden"/>
+                                      </p:to>
+                                    </p:set>
+                                  </p:childTnLst>
+                                </p:cTn>
+                              </p:par>
+                              <p:par>
+                                <p:cTn id="81" presetID="1" presetClass="exit" presetSubtype="0" fill="hold" grpId="1" nodeType="withEffect">
+                                  <p:stCondLst>
+                                    <p:cond delay="200"/>
+                                  </p:stCondLst>
+                                  <p:childTnLst>
+                                    <p:set>
+                                      <p:cBhvr>
+                                        <p:cTn id="82" dur="1" fill="hold">
+                                          <p:stCondLst>
+                                            <p:cond delay="0"/>
+                                          </p:stCondLst>
+                                        </p:cTn>
+                                        <p:tgtEl>
+                                          <p:spTgt spid="12"/>
+                                        </p:tgtEl>
+                                        <p:attrNameLst>
+                                          <p:attrName>style.visibility</p:attrName>
+                                        </p:attrNameLst>
+                                      </p:cBhvr>
+                                      <p:to>
+                                        <p:strVal val="hidden"/>
+                                      </p:to>
+                                    </p:set>
+                                  </p:childTnLst>
+                                </p:cTn>
+                              </p:par>
+                              <p:par>
+                                <p:cTn id="83" presetID="1" presetClass="exit" presetSubtype="0" fill="hold" grpId="1" nodeType="withEffect">
+                                  <p:stCondLst>
+                                    <p:cond delay="200"/>
+                                  </p:stCondLst>
+                                  <p:childTnLst>
+                                    <p:set>
+                                      <p:cBhvr>
+                                        <p:cTn id="84" dur="1" fill="hold">
+                                          <p:stCondLst>
+                                            <p:cond delay="0"/>
+                                          </p:stCondLst>
+                                        </p:cTn>
+                                        <p:tgtEl>
+                                          <p:spTgt spid="13"/>
+                                        </p:tgtEl>
+                                        <p:attrNameLst>
+                                          <p:attrName>style.visibility</p:attrName>
+                                        </p:attrNameLst>
+                                      </p:cBhvr>
+                                      <p:to>
+                                        <p:strVal val="hidden"/>
+                                      </p:to>
+                                    </p:set>
+                                  </p:childTnLst>
+                                </p:cTn>
+                              </p:par>
+                              <p:par>
+                                <p:cTn id="85" presetID="1" presetClass="exit" presetSubtype="0" fill="hold" grpId="1" nodeType="withEffect">
+                                  <p:stCondLst>
+                                    <p:cond delay="200"/>
+                                  </p:stCondLst>
+                                  <p:childTnLst>
+                                    <p:set>
+                                      <p:cBhvr>
+                                        <p:cTn id="86" dur="1" fill="hold">
+                                          <p:stCondLst>
+                                            <p:cond delay="0"/>
+                                          </p:stCondLst>
+                                        </p:cTn>
+                                        <p:tgtEl>
+                                          <p:spTgt spid="14"/>
+                                        </p:tgtEl>
+                                        <p:attrNameLst>
+                                          <p:attrName>style.visibility</p:attrName>
+                                        </p:attrNameLst>
+                                      </p:cBhvr>
+                                      <p:to>
+                                        <p:strVal val="hidden"/>
+                                      </p:to>
+                                    </p:set>
+                                  </p:childTnLst>
+                                </p:cTn>
+                              </p:par>
+                              <p:par>
+                                <p:cTn id="87" presetID="1" presetClass="exit" presetSubtype="0" fill="hold" grpId="1" nodeType="withEffect">
+                                  <p:stCondLst>
+                                    <p:cond delay="200"/>
+                                  </p:stCondLst>
+                                  <p:childTnLst>
+                                    <p:set>
+                                      <p:cBhvr>
+                                        <p:cTn id="88" dur="1" fill="hold">
+                                          <p:stCondLst>
+                                            <p:cond delay="0"/>
+                                          </p:stCondLst>
+                                        </p:cTn>
+                                        <p:tgtEl>
+                                          <p:spTgt spid="15"/>
+                                        </p:tgtEl>
+                                        <p:attrNameLst>
+                                          <p:attrName>style.visibility</p:attrName>
+                                        </p:attrNameLst>
+                                      </p:cBhvr>
+                                      <p:to>
+                                        <p:strVal val="hidden"/>
+                                      </p:to>
+                                    </p:set>
+                                  </p:childTnLst>
+                                </p:cTn>
+                              </p:par>
+                              <p:par>
+                                <p:cTn id="89" presetID="1" presetClass="exit" presetSubtype="0" fill="hold" grpId="1" nodeType="withEffect">
+                                  <p:stCondLst>
+                                    <p:cond delay="200"/>
+                                  </p:stCondLst>
+                                  <p:childTnLst>
+                                    <p:set>
+                                      <p:cBhvr>
+                                        <p:cTn id="90" dur="1" fill="hold">
+                                          <p:stCondLst>
+                                            <p:cond delay="0"/>
+                                          </p:stCondLst>
+                                        </p:cTn>
+                                        <p:tgtEl>
+                                          <p:spTgt spid="16"/>
+                                        </p:tgtEl>
+                                        <p:attrNameLst>
+                                          <p:attrName>style.visibility</p:attrName>
+                                        </p:attrNameLst>
+                                      </p:cBhvr>
+                                      <p:to>
+                                        <p:strVal val="hidden"/>
+                                      </p:to>
+                                    </p:set>
+                                  </p:childTnLst>
+                                </p:cTn>
+                              </p:par>
+                              <p:par>
+                                <p:cTn id="91" presetID="1" presetClass="exit" presetSubtype="0" fill="hold" grpId="1" nodeType="withEffect">
+                                  <p:stCondLst>
+                                    <p:cond delay="200"/>
+                                  </p:stCondLst>
+                                  <p:childTnLst>
+                                    <p:set>
+                                      <p:cBhvr>
+                                        <p:cTn id="92" dur="1" fill="hold">
+                                          <p:stCondLst>
+                                            <p:cond delay="0"/>
+                                          </p:stCondLst>
+                                        </p:cTn>
+                                        <p:tgtEl>
+                                          <p:spTgt spid="17"/>
+                                        </p:tgtEl>
+                                        <p:attrNameLst>
+                                          <p:attrName>style.visibility</p:attrName>
+                                        </p:attrNameLst>
+                                      </p:cBhvr>
+                                      <p:to>
+                                        <p:strVal val="hidden"/>
+                                      </p:to>
+                                    </p:set>
+                                  </p:childTnLst>
+                                </p:cTn>
+                              </p:par>
+                              <p:par>
+                                <p:cTn id="93" presetID="1" presetClass="exit" presetSubtype="0" fill="hold" grpId="1" nodeType="withEffect">
+                                  <p:stCondLst>
+                                    <p:cond delay="200"/>
+                                  </p:stCondLst>
+                                  <p:childTnLst>
+                                    <p:set>
+                                      <p:cBhvr>
+                                        <p:cTn id="94" dur="1" fill="hold">
+                                          <p:stCondLst>
+                                            <p:cond delay="0"/>
+                                          </p:stCondLst>
+                                        </p:cTn>
+                                        <p:tgtEl>
+                                          <p:spTgt spid="18"/>
+                                        </p:tgtEl>
+                                        <p:attrNameLst>
+                                          <p:attrName>style.visibility</p:attrName>
+                                        </p:attrNameLst>
+                                      </p:cBhvr>
+                                      <p:to>
+                                        <p:strVal val="hidden"/>
+                                      </p:to>
+                                    </p:set>
+                                  </p:childTnLst>
+                                </p:cTn>
+                              </p:par>
+                              <p:par>
+                                <p:cTn id="95" presetID="1" presetClass="exit" presetSubtype="0" fill="hold" grpId="1" nodeType="withEffect">
+                                  <p:stCondLst>
+                                    <p:cond delay="200"/>
+                                  </p:stCondLst>
+                                  <p:childTnLst>
+                                    <p:set>
+                                      <p:cBhvr>
+                                        <p:cTn id="96" dur="1" fill="hold">
+                                          <p:stCondLst>
+                                            <p:cond delay="0"/>
+                                          </p:stCondLst>
+                                        </p:cTn>
+                                        <p:tgtEl>
+                                          <p:spTgt spid="19"/>
+                                        </p:tgtEl>
+                                        <p:attrNameLst>
+                                          <p:attrName>style.visibility</p:attrName>
+                                        </p:attrNameLst>
+                                      </p:cBhvr>
+                                      <p:to>
+                                        <p:strVal val="hidden"/>
+                                      </p:to>
+                                    </p:set>
+                                  </p:childTnLst>
+                                </p:cTn>
+                              </p:par>
+                              <p:par>
+                                <p:cTn id="97" presetID="1" presetClass="exit" presetSubtype="0" fill="hold" grpId="1" nodeType="withEffect">
+                                  <p:stCondLst>
+                                    <p:cond delay="200"/>
+                                  </p:stCondLst>
+                                  <p:childTnLst>
+                                    <p:set>
+                                      <p:cBhvr>
+                                        <p:cTn id="98" dur="1" fill="hold">
+                                          <p:stCondLst>
+                                            <p:cond delay="0"/>
+                                          </p:stCondLst>
+                                        </p:cTn>
+                                        <p:tgtEl>
+                                          <p:spTgt spid="20"/>
+                                        </p:tgtEl>
+                                        <p:attrNameLst>
+                                          <p:attrName>style.visibility</p:attrName>
+                                        </p:attrNameLst>
+                                      </p:cBhvr>
+                                      <p:to>
+                                        <p:strVal val="hidden"/>
+                                      </p:to>
+                                    </p:set>
+                                  </p:childTnLst>
+                                </p:cTn>
+                              </p:par>
+                            </p:childTnLst>
+                          </p:cTn>
+                        </p:par>
+                        <p:par>
+                          <p:cTn id="99" fill="hold">
+                            <p:stCondLst>
+                              <p:cond delay="10000"/>
+                            </p:stCondLst>
+                            <p:childTnLst>
+                              <p:par>
+                                <p:cTn id="100" presetID="1" presetClass="exit" presetSubtype="0" fill="hold" nodeType="afterEffect">
+                                  <p:stCondLst>
+                                    <p:cond delay="500"/>
+                                  </p:stCondLst>
+                                  <p:childTnLst>
+                                    <p:set>
+                                      <p:cBhvr>
+                                        <p:cTn id="101" dur="1" fill="hold">
+                                          <p:stCondLst>
+                                            <p:cond delay="0"/>
+                                          </p:stCondLst>
+                                        </p:cTn>
+                                        <p:tgtEl>
+                                          <p:spTgt spid="1027"/>
+                                        </p:tgtEl>
+                                        <p:attrNameLst>
+                                          <p:attrName>style.visibility</p:attrName>
+                                        </p:attrNameLst>
+                                      </p:cBhvr>
+                                      <p:to>
+                                        <p:strVal val="hidden"/>
+                                      </p:to>
+                                    </p:set>
+                                  </p:childTnLst>
+                                </p:cTn>
+                              </p:par>
+                            </p:childTnLst>
+                          </p:cTn>
+                        </p:par>
+                      </p:childTnLst>
+                    </p:cTn>
+                  </p:par>
+                </p:childTnLst>
+              </p:cTn>
+              <p:prevCondLst>
+                <p:cond evt="onPrev" delay="0">
+                  <p:tgtEl>
+                    <p:sldTgt/>
+                  </p:tgtEl>
+                </p:cond>
+              </p:prevCondLst>
+              <p:nextCondLst>
+                <p:cond evt="onNext" delay="0">
+                  <p:tgtEl>
+                    <p:sldTgt/>
+                  </p:tgtEl>
+                </p:cond>
+              </p:nextCondLst>
+            </p:seq>
+          </p:childTnLst>
+        </p:cTn>
+      </p:par>
+    </p:tnLst>
+    <p:bldLst>
+      <p:bldP spid="6" grpId="0"/>
+      <p:bldP spid="8" grpId="0"/>
+      <p:bldP spid="11" grpId="0"/>
+      <p:bldP spid="12" grpId="0"/>
+      <p:bldP spid="13" grpId="0"/>
+      <p:bldP spid="14" grpId="0"/>
+      <p:bldP spid="15" grpId="0"/>
+      <p:bldP spid="16" grpId="0"/>
+      <p:bldP spid="17" grpId="0"/>
+      <p:bldP spid="18" grpId="0"/>
+      <p:bldP spid="19" grpId="0"/>
+      <p:bldP spid="20" grpId="0"/>
+    </p:bldLst>
+  </p:timing>
 </p:sld>
 </file>
 
@@ -3317,7 +5101,7 @@
           <a:blip r:embed="rId2">
             <a:extLst>
               <a:ext uri="{28A0092B-C50C-407E-A947-70E740481C1C}">
-                <a14:useLocalDpi xmlns:a14="http://schemas.microsoft.com/office/drawing/2010/main" val="0"/>
+                <a14:useLocalDpi xmlns:a14="http://schemas.microsoft.com/office/drawing/2010/main" xmlns="" val="0"/>
               </a:ext>
             </a:extLst>
           </a:blip>
@@ -3335,16 +5119,3214 @@
           </a:prstGeom>
         </p:spPr>
       </p:pic>
+      <p:sp>
+        <p:nvSpPr>
+          <p:cNvPr id="6" name="TextBox 5"/>
+          <p:cNvSpPr txBox="1"/>
+          <p:nvPr/>
+        </p:nvSpPr>
+        <p:spPr>
+          <a:xfrm>
+            <a:off x="2486025" y="723900"/>
+            <a:ext cx="4191000" cy="646331"/>
+          </a:xfrm>
+          <a:prstGeom prst="rect">
+            <a:avLst/>
+          </a:prstGeom>
+          <a:noFill/>
+        </p:spPr>
+        <p:txBody>
+          <a:bodyPr wrap="square" rtlCol="0">
+            <a:spAutoFit/>
+          </a:bodyPr>
+          <a:lstStyle/>
+          <a:p>
+            <a:r>
+              <a:rPr lang="zh-CN" altLang="en-US" sz="3600" dirty="0" smtClean="0"/>
+              <a:t>游戏思路</a:t>
+            </a:r>
+            <a:endParaRPr lang="en-US" altLang="zh-CN" sz="3600" dirty="0" smtClean="0"/>
+          </a:p>
+        </p:txBody>
+      </p:sp>
+      <p:pic>
+        <p:nvPicPr>
+          <p:cNvPr id="2051" name="Picture 3" descr="D:\chaiyu\MyStudyProject\ppt图片\窗口.bmp"/>
+          <p:cNvPicPr>
+            <a:picLocks noChangeAspect="1" noChangeArrowheads="1"/>
+          </p:cNvPicPr>
+          <p:nvPr/>
+        </p:nvPicPr>
+        <p:blipFill>
+          <a:blip r:embed="rId3"/>
+          <a:srcRect/>
+          <a:stretch>
+            <a:fillRect/>
+          </a:stretch>
+        </p:blipFill>
+        <p:spPr bwMode="auto">
+          <a:xfrm>
+            <a:off x="2828925" y="2252664"/>
+            <a:ext cx="5326377" cy="3328986"/>
+          </a:xfrm>
+          <a:prstGeom prst="rect">
+            <a:avLst/>
+          </a:prstGeom>
+          <a:noFill/>
+        </p:spPr>
+      </p:pic>
+      <p:sp>
+        <p:nvSpPr>
+          <p:cNvPr id="9" name="TextBox 8"/>
+          <p:cNvSpPr txBox="1"/>
+          <p:nvPr/>
+        </p:nvSpPr>
+        <p:spPr>
+          <a:xfrm>
+            <a:off x="2857500" y="1762125"/>
+            <a:ext cx="1562100" cy="369332"/>
+          </a:xfrm>
+          <a:prstGeom prst="rect">
+            <a:avLst/>
+          </a:prstGeom>
+          <a:noFill/>
+        </p:spPr>
+        <p:txBody>
+          <a:bodyPr wrap="square" rtlCol="0">
+            <a:spAutoFit/>
+          </a:bodyPr>
+          <a:lstStyle/>
+          <a:p>
+            <a:r>
+              <a:rPr lang="zh-CN" altLang="en-US" dirty="0" smtClean="0"/>
+              <a:t>地图</a:t>
+            </a:r>
+            <a:r>
+              <a:rPr lang="en-US" altLang="zh-CN" dirty="0" smtClean="0"/>
+              <a:t>:</a:t>
+            </a:r>
+            <a:endParaRPr lang="zh-CN" altLang="en-US" dirty="0"/>
+          </a:p>
+        </p:txBody>
+      </p:sp>
+      <p:sp>
+        <p:nvSpPr>
+          <p:cNvPr id="7" name="左箭头标注 6"/>
+          <p:cNvSpPr/>
+          <p:nvPr/>
+        </p:nvSpPr>
+        <p:spPr>
+          <a:xfrm>
+            <a:off x="6591300" y="2952751"/>
+            <a:ext cx="2476500" cy="1838324"/>
+          </a:xfrm>
+          <a:prstGeom prst="leftArrowCallout">
+            <a:avLst/>
+          </a:prstGeom>
+        </p:spPr>
+        <p:style>
+          <a:lnRef idx="2">
+            <a:schemeClr val="accent6">
+              <a:shade val="50000"/>
+            </a:schemeClr>
+          </a:lnRef>
+          <a:fillRef idx="1">
+            <a:schemeClr val="accent6"/>
+          </a:fillRef>
+          <a:effectRef idx="0">
+            <a:schemeClr val="accent6"/>
+          </a:effectRef>
+          <a:fontRef idx="minor">
+            <a:schemeClr val="lt1"/>
+          </a:fontRef>
+        </p:style>
+        <p:txBody>
+          <a:bodyPr rtlCol="0" anchor="ctr"/>
+          <a:lstStyle/>
+          <a:p>
+            <a:pPr algn="ctr"/>
+            <a:r>
+              <a:rPr lang="zh-CN" altLang="en-US" sz="1200" dirty="0" smtClean="0">
+                <a:ln w="12700">
+                  <a:solidFill>
+                    <a:schemeClr val="tx2">
+                      <a:satMod val="155000"/>
+                    </a:schemeClr>
+                  </a:solidFill>
+                  <a:prstDash val="solid"/>
+                </a:ln>
+                <a:solidFill>
+                  <a:schemeClr val="bg2">
+                    <a:tint val="85000"/>
+                    <a:satMod val="155000"/>
+                  </a:schemeClr>
+                </a:solidFill>
+                <a:effectLst>
+                  <a:outerShdw blurRad="41275" dist="20320" dir="1800000" algn="tl" rotWithShape="0">
+                    <a:srgbClr val="000000">
+                      <a:alpha val="40000"/>
+                    </a:srgbClr>
+                  </a:outerShdw>
+                </a:effectLst>
+              </a:rPr>
+              <a:t>单词下落区域定义为</a:t>
+            </a:r>
+            <a:r>
+              <a:rPr lang="en-US" altLang="zh-CN" sz="1200" dirty="0" smtClean="0">
+                <a:ln w="12700">
+                  <a:solidFill>
+                    <a:schemeClr val="tx2">
+                      <a:satMod val="155000"/>
+                    </a:schemeClr>
+                  </a:solidFill>
+                  <a:prstDash val="solid"/>
+                </a:ln>
+                <a:solidFill>
+                  <a:schemeClr val="bg2">
+                    <a:tint val="85000"/>
+                    <a:satMod val="155000"/>
+                  </a:schemeClr>
+                </a:solidFill>
+                <a:effectLst>
+                  <a:outerShdw blurRad="41275" dist="20320" dir="1800000" algn="tl" rotWithShape="0">
+                    <a:srgbClr val="000000">
+                      <a:alpha val="40000"/>
+                    </a:srgbClr>
+                  </a:outerShdw>
+                </a:effectLst>
+              </a:rPr>
+              <a:t>23*36</a:t>
+            </a:r>
+            <a:r>
+              <a:rPr lang="zh-CN" altLang="en-US" sz="1200" dirty="0" smtClean="0">
+                <a:ln w="12700">
+                  <a:solidFill>
+                    <a:schemeClr val="tx2">
+                      <a:satMod val="155000"/>
+                    </a:schemeClr>
+                  </a:solidFill>
+                  <a:prstDash val="solid"/>
+                </a:ln>
+                <a:solidFill>
+                  <a:schemeClr val="bg2">
+                    <a:tint val="85000"/>
+                    <a:satMod val="155000"/>
+                  </a:schemeClr>
+                </a:solidFill>
+                <a:effectLst>
+                  <a:outerShdw blurRad="41275" dist="20320" dir="1800000" algn="tl" rotWithShape="0">
+                    <a:srgbClr val="000000">
+                      <a:alpha val="40000"/>
+                    </a:srgbClr>
+                  </a:outerShdw>
+                </a:effectLst>
+              </a:rPr>
+              <a:t>的矩形框</a:t>
+            </a:r>
+            <a:r>
+              <a:rPr lang="en-US" altLang="zh-CN" sz="1200" dirty="0" smtClean="0">
+                <a:ln w="12700">
+                  <a:solidFill>
+                    <a:schemeClr val="tx2">
+                      <a:satMod val="155000"/>
+                    </a:schemeClr>
+                  </a:solidFill>
+                  <a:prstDash val="solid"/>
+                </a:ln>
+                <a:solidFill>
+                  <a:schemeClr val="bg2">
+                    <a:tint val="85000"/>
+                    <a:satMod val="155000"/>
+                  </a:schemeClr>
+                </a:solidFill>
+                <a:effectLst>
+                  <a:outerShdw blurRad="41275" dist="20320" dir="1800000" algn="tl" rotWithShape="0">
+                    <a:srgbClr val="000000">
+                      <a:alpha val="40000"/>
+                    </a:srgbClr>
+                  </a:outerShdw>
+                </a:effectLst>
+              </a:rPr>
+              <a:t>.</a:t>
+            </a:r>
+          </a:p>
+          <a:p>
+            <a:pPr algn="ctr"/>
+            <a:r>
+              <a:rPr lang="zh-CN" altLang="en-US" sz="1200" dirty="0" smtClean="0">
+                <a:ln w="12700">
+                  <a:solidFill>
+                    <a:schemeClr val="tx2">
+                      <a:satMod val="155000"/>
+                    </a:schemeClr>
+                  </a:solidFill>
+                  <a:prstDash val="solid"/>
+                </a:ln>
+                <a:solidFill>
+                  <a:schemeClr val="bg2">
+                    <a:tint val="85000"/>
+                    <a:satMod val="155000"/>
+                  </a:schemeClr>
+                </a:solidFill>
+                <a:effectLst>
+                  <a:outerShdw blurRad="41275" dist="20320" dir="1800000" algn="tl" rotWithShape="0">
+                    <a:srgbClr val="000000">
+                      <a:alpha val="40000"/>
+                    </a:srgbClr>
+                  </a:outerShdw>
+                </a:effectLst>
+              </a:rPr>
+              <a:t>使用二维数组表示</a:t>
+            </a:r>
+            <a:r>
+              <a:rPr lang="en-US" altLang="zh-CN" sz="1200" dirty="0" smtClean="0">
+                <a:ln w="12700">
+                  <a:solidFill>
+                    <a:schemeClr val="tx2">
+                      <a:satMod val="155000"/>
+                    </a:schemeClr>
+                  </a:solidFill>
+                  <a:prstDash val="solid"/>
+                </a:ln>
+                <a:solidFill>
+                  <a:schemeClr val="bg2">
+                    <a:tint val="85000"/>
+                    <a:satMod val="155000"/>
+                  </a:schemeClr>
+                </a:solidFill>
+                <a:effectLst>
+                  <a:outerShdw blurRad="41275" dist="20320" dir="1800000" algn="tl" rotWithShape="0">
+                    <a:srgbClr val="000000">
+                      <a:alpha val="40000"/>
+                    </a:srgbClr>
+                  </a:outerShdw>
+                </a:effectLst>
+              </a:rPr>
+              <a:t>,</a:t>
+            </a:r>
+          </a:p>
+          <a:p>
+            <a:pPr algn="ctr"/>
+            <a:r>
+              <a:rPr lang="en-US" altLang="zh-CN" sz="1200" dirty="0" smtClean="0">
+                <a:ln w="12700">
+                  <a:solidFill>
+                    <a:schemeClr val="tx2">
+                      <a:satMod val="155000"/>
+                    </a:schemeClr>
+                  </a:solidFill>
+                  <a:prstDash val="solid"/>
+                </a:ln>
+                <a:solidFill>
+                  <a:schemeClr val="bg2">
+                    <a:tint val="85000"/>
+                    <a:satMod val="155000"/>
+                  </a:schemeClr>
+                </a:solidFill>
+                <a:effectLst>
+                  <a:outerShdw blurRad="41275" dist="20320" dir="1800000" algn="tl" rotWithShape="0">
+                    <a:srgbClr val="000000">
+                      <a:alpha val="40000"/>
+                    </a:srgbClr>
+                  </a:outerShdw>
+                </a:effectLst>
+              </a:rPr>
+              <a:t>0</a:t>
+            </a:r>
+            <a:r>
+              <a:rPr lang="zh-CN" altLang="en-US" sz="1200" dirty="0" smtClean="0">
+                <a:ln w="12700">
+                  <a:solidFill>
+                    <a:schemeClr val="tx2">
+                      <a:satMod val="155000"/>
+                    </a:schemeClr>
+                  </a:solidFill>
+                  <a:prstDash val="solid"/>
+                </a:ln>
+                <a:solidFill>
+                  <a:schemeClr val="bg2">
+                    <a:tint val="85000"/>
+                    <a:satMod val="155000"/>
+                  </a:schemeClr>
+                </a:solidFill>
+                <a:effectLst>
+                  <a:outerShdw blurRad="41275" dist="20320" dir="1800000" algn="tl" rotWithShape="0">
+                    <a:srgbClr val="000000">
+                      <a:alpha val="40000"/>
+                    </a:srgbClr>
+                  </a:outerShdw>
+                </a:effectLst>
+              </a:rPr>
+              <a:t>表示空白</a:t>
+            </a:r>
+            <a:r>
+              <a:rPr lang="en-US" altLang="zh-CN" sz="1200" dirty="0" smtClean="0">
+                <a:ln w="12700">
+                  <a:solidFill>
+                    <a:schemeClr val="tx2">
+                      <a:satMod val="155000"/>
+                    </a:schemeClr>
+                  </a:solidFill>
+                  <a:prstDash val="solid"/>
+                </a:ln>
+                <a:solidFill>
+                  <a:schemeClr val="bg2">
+                    <a:tint val="85000"/>
+                    <a:satMod val="155000"/>
+                  </a:schemeClr>
+                </a:solidFill>
+                <a:effectLst>
+                  <a:outerShdw blurRad="41275" dist="20320" dir="1800000" algn="tl" rotWithShape="0">
+                    <a:srgbClr val="000000">
+                      <a:alpha val="40000"/>
+                    </a:srgbClr>
+                  </a:outerShdw>
+                </a:effectLst>
+              </a:rPr>
+              <a:t>,</a:t>
+            </a:r>
+          </a:p>
+          <a:p>
+            <a:pPr algn="ctr"/>
+            <a:r>
+              <a:rPr lang="en-US" altLang="zh-CN" sz="1200" dirty="0" smtClean="0">
+                <a:ln w="12700">
+                  <a:solidFill>
+                    <a:schemeClr val="tx2">
+                      <a:satMod val="155000"/>
+                    </a:schemeClr>
+                  </a:solidFill>
+                  <a:prstDash val="solid"/>
+                </a:ln>
+                <a:solidFill>
+                  <a:schemeClr val="bg2">
+                    <a:tint val="85000"/>
+                    <a:satMod val="155000"/>
+                  </a:schemeClr>
+                </a:solidFill>
+                <a:effectLst>
+                  <a:outerShdw blurRad="41275" dist="20320" dir="1800000" algn="tl" rotWithShape="0">
+                    <a:srgbClr val="000000">
+                      <a:alpha val="40000"/>
+                    </a:srgbClr>
+                  </a:outerShdw>
+                </a:effectLst>
+              </a:rPr>
+              <a:t>1</a:t>
+            </a:r>
+            <a:r>
+              <a:rPr lang="zh-CN" altLang="en-US" sz="1200" dirty="0" smtClean="0">
+                <a:ln w="12700">
+                  <a:solidFill>
+                    <a:schemeClr val="tx2">
+                      <a:satMod val="155000"/>
+                    </a:schemeClr>
+                  </a:solidFill>
+                  <a:prstDash val="solid"/>
+                </a:ln>
+                <a:solidFill>
+                  <a:schemeClr val="bg2">
+                    <a:tint val="85000"/>
+                    <a:satMod val="155000"/>
+                  </a:schemeClr>
+                </a:solidFill>
+                <a:effectLst>
+                  <a:outerShdw blurRad="41275" dist="20320" dir="1800000" algn="tl" rotWithShape="0">
+                    <a:srgbClr val="000000">
+                      <a:alpha val="40000"/>
+                    </a:srgbClr>
+                  </a:outerShdw>
+                </a:effectLst>
+              </a:rPr>
+              <a:t>表示边框</a:t>
+            </a:r>
+            <a:r>
+              <a:rPr lang="en-US" altLang="zh-CN" sz="1200" dirty="0" smtClean="0">
+                <a:ln w="12700">
+                  <a:solidFill>
+                    <a:schemeClr val="tx2">
+                      <a:satMod val="155000"/>
+                    </a:schemeClr>
+                  </a:solidFill>
+                  <a:prstDash val="solid"/>
+                </a:ln>
+                <a:solidFill>
+                  <a:schemeClr val="bg2">
+                    <a:tint val="85000"/>
+                    <a:satMod val="155000"/>
+                  </a:schemeClr>
+                </a:solidFill>
+                <a:effectLst>
+                  <a:outerShdw blurRad="41275" dist="20320" dir="1800000" algn="tl" rotWithShape="0">
+                    <a:srgbClr val="000000">
+                      <a:alpha val="40000"/>
+                    </a:srgbClr>
+                  </a:outerShdw>
+                </a:effectLst>
+              </a:rPr>
+              <a:t>.</a:t>
+            </a:r>
+            <a:endParaRPr lang="en-US" altLang="zh-CN" sz="1200" dirty="0" smtClean="0">
+              <a:ln w="12700">
+                <a:solidFill>
+                  <a:schemeClr val="tx2">
+                    <a:satMod val="155000"/>
+                  </a:schemeClr>
+                </a:solidFill>
+                <a:prstDash val="solid"/>
+              </a:ln>
+              <a:solidFill>
+                <a:schemeClr val="bg2">
+                  <a:tint val="85000"/>
+                  <a:satMod val="155000"/>
+                </a:schemeClr>
+              </a:solidFill>
+              <a:effectLst>
+                <a:outerShdw blurRad="41275" dist="20320" dir="1800000" algn="tl" rotWithShape="0">
+                  <a:srgbClr val="000000">
+                    <a:alpha val="40000"/>
+                  </a:srgbClr>
+                </a:outerShdw>
+              </a:effectLst>
+            </a:endParaRPr>
+          </a:p>
+        </p:txBody>
+      </p:sp>
+      <p:sp>
+        <p:nvSpPr>
+          <p:cNvPr id="10" name="TextBox 9"/>
+          <p:cNvSpPr txBox="1"/>
+          <p:nvPr/>
+        </p:nvSpPr>
+        <p:spPr>
+          <a:xfrm>
+            <a:off x="2828925" y="1752600"/>
+            <a:ext cx="1562100" cy="369332"/>
+          </a:xfrm>
+          <a:prstGeom prst="rect">
+            <a:avLst/>
+          </a:prstGeom>
+          <a:noFill/>
+        </p:spPr>
+        <p:txBody>
+          <a:bodyPr wrap="square" rtlCol="0">
+            <a:spAutoFit/>
+          </a:bodyPr>
+          <a:lstStyle/>
+          <a:p>
+            <a:r>
+              <a:rPr lang="zh-CN" altLang="en-US" dirty="0" smtClean="0"/>
+              <a:t>单词</a:t>
+            </a:r>
+            <a:r>
+              <a:rPr lang="en-US" altLang="zh-CN" dirty="0" smtClean="0"/>
+              <a:t>:</a:t>
+            </a:r>
+            <a:endParaRPr lang="zh-CN" altLang="en-US" dirty="0"/>
+          </a:p>
+        </p:txBody>
+      </p:sp>
+      <p:pic>
+        <p:nvPicPr>
+          <p:cNvPr id="2052" name="Picture 4" descr="D:\chaiyu\MyStudyProject\ppt图片\helloworld下落.bmp"/>
+          <p:cNvPicPr>
+            <a:picLocks noChangeAspect="1" noChangeArrowheads="1"/>
+          </p:cNvPicPr>
+          <p:nvPr/>
+        </p:nvPicPr>
+        <p:blipFill>
+          <a:blip r:embed="rId4"/>
+          <a:srcRect/>
+          <a:stretch>
+            <a:fillRect/>
+          </a:stretch>
+        </p:blipFill>
+        <p:spPr bwMode="auto">
+          <a:xfrm>
+            <a:off x="3781425" y="3690938"/>
+            <a:ext cx="1047750" cy="371475"/>
+          </a:xfrm>
+          <a:prstGeom prst="rect">
+            <a:avLst/>
+          </a:prstGeom>
+          <a:noFill/>
+        </p:spPr>
+      </p:pic>
+      <p:sp>
+        <p:nvSpPr>
+          <p:cNvPr id="13" name="左箭头标注 12"/>
+          <p:cNvSpPr/>
+          <p:nvPr/>
+        </p:nvSpPr>
+        <p:spPr>
+          <a:xfrm>
+            <a:off x="5267325" y="2962276"/>
+            <a:ext cx="2476500" cy="1838324"/>
+          </a:xfrm>
+          <a:prstGeom prst="leftArrowCallout">
+            <a:avLst/>
+          </a:prstGeom>
+        </p:spPr>
+        <p:style>
+          <a:lnRef idx="2">
+            <a:schemeClr val="accent6">
+              <a:shade val="50000"/>
+            </a:schemeClr>
+          </a:lnRef>
+          <a:fillRef idx="1">
+            <a:schemeClr val="accent6"/>
+          </a:fillRef>
+          <a:effectRef idx="0">
+            <a:schemeClr val="accent6"/>
+          </a:effectRef>
+          <a:fontRef idx="minor">
+            <a:schemeClr val="lt1"/>
+          </a:fontRef>
+        </p:style>
+        <p:txBody>
+          <a:bodyPr rtlCol="0" anchor="ctr"/>
+          <a:lstStyle/>
+          <a:p>
+            <a:pPr algn="ctr"/>
+            <a:r>
+              <a:rPr lang="zh-CN" altLang="en-US" sz="1200" dirty="0" smtClean="0">
+                <a:ln w="12700">
+                  <a:solidFill>
+                    <a:schemeClr val="tx2">
+                      <a:satMod val="155000"/>
+                    </a:schemeClr>
+                  </a:solidFill>
+                  <a:prstDash val="solid"/>
+                </a:ln>
+                <a:solidFill>
+                  <a:schemeClr val="bg2">
+                    <a:tint val="85000"/>
+                    <a:satMod val="155000"/>
+                  </a:schemeClr>
+                </a:solidFill>
+                <a:effectLst>
+                  <a:outerShdw blurRad="41275" dist="20320" dir="1800000" algn="tl" rotWithShape="0">
+                    <a:srgbClr val="000000">
+                      <a:alpha val="40000"/>
+                    </a:srgbClr>
+                  </a:outerShdw>
+                </a:effectLst>
+              </a:rPr>
+              <a:t>当单词出现后可以下落</a:t>
+            </a:r>
+            <a:r>
+              <a:rPr lang="en-US" altLang="zh-CN" sz="1200" dirty="0" smtClean="0">
+                <a:ln w="12700">
+                  <a:solidFill>
+                    <a:schemeClr val="tx2">
+                      <a:satMod val="155000"/>
+                    </a:schemeClr>
+                  </a:solidFill>
+                  <a:prstDash val="solid"/>
+                </a:ln>
+                <a:solidFill>
+                  <a:schemeClr val="bg2">
+                    <a:tint val="85000"/>
+                    <a:satMod val="155000"/>
+                  </a:schemeClr>
+                </a:solidFill>
+                <a:effectLst>
+                  <a:outerShdw blurRad="41275" dist="20320" dir="1800000" algn="tl" rotWithShape="0">
+                    <a:srgbClr val="000000">
+                      <a:alpha val="40000"/>
+                    </a:srgbClr>
+                  </a:outerShdw>
+                </a:effectLst>
+              </a:rPr>
+              <a:t>,</a:t>
+            </a:r>
+            <a:r>
+              <a:rPr lang="zh-CN" altLang="en-US" sz="1200" dirty="0" smtClean="0">
+                <a:ln w="12700">
+                  <a:solidFill>
+                    <a:schemeClr val="tx2">
+                      <a:satMod val="155000"/>
+                    </a:schemeClr>
+                  </a:solidFill>
+                  <a:prstDash val="solid"/>
+                </a:ln>
+                <a:solidFill>
+                  <a:schemeClr val="bg2">
+                    <a:tint val="85000"/>
+                    <a:satMod val="155000"/>
+                  </a:schemeClr>
+                </a:solidFill>
+                <a:effectLst>
+                  <a:outerShdw blurRad="41275" dist="20320" dir="1800000" algn="tl" rotWithShape="0">
+                    <a:srgbClr val="000000">
+                      <a:alpha val="40000"/>
+                    </a:srgbClr>
+                  </a:outerShdw>
+                </a:effectLst>
+              </a:rPr>
+              <a:t>下落的</a:t>
+            </a:r>
+            <a:r>
+              <a:rPr lang="en-US" altLang="zh-CN" sz="1200" dirty="0" smtClean="0">
+                <a:ln w="12700">
+                  <a:solidFill>
+                    <a:schemeClr val="tx2">
+                      <a:satMod val="155000"/>
+                    </a:schemeClr>
+                  </a:solidFill>
+                  <a:prstDash val="solid"/>
+                </a:ln>
+                <a:solidFill>
+                  <a:schemeClr val="bg2">
+                    <a:tint val="85000"/>
+                    <a:satMod val="155000"/>
+                  </a:schemeClr>
+                </a:solidFill>
+                <a:effectLst>
+                  <a:outerShdw blurRad="41275" dist="20320" dir="1800000" algn="tl" rotWithShape="0">
+                    <a:srgbClr val="000000">
+                      <a:alpha val="40000"/>
+                    </a:srgbClr>
+                  </a:outerShdw>
+                </a:effectLst>
+              </a:rPr>
+              <a:t>x</a:t>
+            </a:r>
+            <a:r>
+              <a:rPr lang="zh-CN" altLang="en-US" sz="1200" dirty="0" smtClean="0">
+                <a:ln w="12700">
+                  <a:solidFill>
+                    <a:schemeClr val="tx2">
+                      <a:satMod val="155000"/>
+                    </a:schemeClr>
+                  </a:solidFill>
+                  <a:prstDash val="solid"/>
+                </a:ln>
+                <a:solidFill>
+                  <a:schemeClr val="bg2">
+                    <a:tint val="85000"/>
+                    <a:satMod val="155000"/>
+                  </a:schemeClr>
+                </a:solidFill>
+                <a:effectLst>
+                  <a:outerShdw blurRad="41275" dist="20320" dir="1800000" algn="tl" rotWithShape="0">
+                    <a:srgbClr val="000000">
+                      <a:alpha val="40000"/>
+                    </a:srgbClr>
+                  </a:outerShdw>
+                </a:effectLst>
+              </a:rPr>
+              <a:t>坐标随机生成</a:t>
+            </a:r>
+            <a:r>
+              <a:rPr lang="en-US" altLang="zh-CN" sz="1200" dirty="0" smtClean="0">
+                <a:ln w="12700">
+                  <a:solidFill>
+                    <a:schemeClr val="tx2">
+                      <a:satMod val="155000"/>
+                    </a:schemeClr>
+                  </a:solidFill>
+                  <a:prstDash val="solid"/>
+                </a:ln>
+                <a:solidFill>
+                  <a:schemeClr val="bg2">
+                    <a:tint val="85000"/>
+                    <a:satMod val="155000"/>
+                  </a:schemeClr>
+                </a:solidFill>
+                <a:effectLst>
+                  <a:outerShdw blurRad="41275" dist="20320" dir="1800000" algn="tl" rotWithShape="0">
+                    <a:srgbClr val="000000">
+                      <a:alpha val="40000"/>
+                    </a:srgbClr>
+                  </a:outerShdw>
+                </a:effectLst>
+              </a:rPr>
+              <a:t>,</a:t>
+            </a:r>
+            <a:r>
+              <a:rPr lang="zh-CN" altLang="en-US" sz="1200" dirty="0" smtClean="0">
+                <a:ln w="12700">
+                  <a:solidFill>
+                    <a:schemeClr val="tx2">
+                      <a:satMod val="155000"/>
+                    </a:schemeClr>
+                  </a:solidFill>
+                  <a:prstDash val="solid"/>
+                </a:ln>
+                <a:solidFill>
+                  <a:schemeClr val="bg2">
+                    <a:tint val="85000"/>
+                    <a:satMod val="155000"/>
+                  </a:schemeClr>
+                </a:solidFill>
+                <a:effectLst>
+                  <a:outerShdw blurRad="41275" dist="20320" dir="1800000" algn="tl" rotWithShape="0">
+                    <a:srgbClr val="000000">
+                      <a:alpha val="40000"/>
+                    </a:srgbClr>
+                  </a:outerShdw>
+                </a:effectLst>
+              </a:rPr>
+              <a:t>每隔一定的时间下落一次</a:t>
+            </a:r>
+            <a:r>
+              <a:rPr lang="en-US" altLang="zh-CN" sz="1200" dirty="0" smtClean="0">
+                <a:ln w="12700">
+                  <a:solidFill>
+                    <a:schemeClr val="tx2">
+                      <a:satMod val="155000"/>
+                    </a:schemeClr>
+                  </a:solidFill>
+                  <a:prstDash val="solid"/>
+                </a:ln>
+                <a:solidFill>
+                  <a:schemeClr val="bg2">
+                    <a:tint val="85000"/>
+                    <a:satMod val="155000"/>
+                  </a:schemeClr>
+                </a:solidFill>
+                <a:effectLst>
+                  <a:outerShdw blurRad="41275" dist="20320" dir="1800000" algn="tl" rotWithShape="0">
+                    <a:srgbClr val="000000">
+                      <a:alpha val="40000"/>
+                    </a:srgbClr>
+                  </a:outerShdw>
+                </a:effectLst>
+              </a:rPr>
+              <a:t>,</a:t>
+            </a:r>
+            <a:r>
+              <a:rPr lang="zh-CN" altLang="en-US" sz="1200" dirty="0" smtClean="0">
+                <a:ln w="12700">
+                  <a:solidFill>
+                    <a:schemeClr val="tx2">
+                      <a:satMod val="155000"/>
+                    </a:schemeClr>
+                  </a:solidFill>
+                  <a:prstDash val="solid"/>
+                </a:ln>
+                <a:solidFill>
+                  <a:schemeClr val="bg2">
+                    <a:tint val="85000"/>
+                    <a:satMod val="155000"/>
+                  </a:schemeClr>
+                </a:solidFill>
+                <a:effectLst>
+                  <a:outerShdw blurRad="41275" dist="20320" dir="1800000" algn="tl" rotWithShape="0">
+                    <a:srgbClr val="000000">
+                      <a:alpha val="40000"/>
+                    </a:srgbClr>
+                  </a:outerShdw>
+                </a:effectLst>
+              </a:rPr>
+              <a:t>每隔一段时间生成新的单词进行同步下落</a:t>
+            </a:r>
+            <a:r>
+              <a:rPr lang="en-US" altLang="zh-CN" sz="1200" dirty="0" smtClean="0">
+                <a:ln w="12700">
+                  <a:solidFill>
+                    <a:schemeClr val="tx2">
+                      <a:satMod val="155000"/>
+                    </a:schemeClr>
+                  </a:solidFill>
+                  <a:prstDash val="solid"/>
+                </a:ln>
+                <a:solidFill>
+                  <a:schemeClr val="bg2">
+                    <a:tint val="85000"/>
+                    <a:satMod val="155000"/>
+                  </a:schemeClr>
+                </a:solidFill>
+                <a:effectLst>
+                  <a:outerShdw blurRad="41275" dist="20320" dir="1800000" algn="tl" rotWithShape="0">
+                    <a:srgbClr val="000000">
+                      <a:alpha val="40000"/>
+                    </a:srgbClr>
+                  </a:outerShdw>
+                </a:effectLst>
+              </a:rPr>
+              <a:t>.</a:t>
+            </a:r>
+            <a:endParaRPr lang="en-US" altLang="zh-CN" sz="1200" dirty="0" smtClean="0">
+              <a:ln w="12700">
+                <a:solidFill>
+                  <a:schemeClr val="tx2">
+                    <a:satMod val="155000"/>
+                  </a:schemeClr>
+                </a:solidFill>
+                <a:prstDash val="solid"/>
+              </a:ln>
+              <a:solidFill>
+                <a:schemeClr val="bg2">
+                  <a:tint val="85000"/>
+                  <a:satMod val="155000"/>
+                </a:schemeClr>
+              </a:solidFill>
+              <a:effectLst>
+                <a:outerShdw blurRad="41275" dist="20320" dir="1800000" algn="tl" rotWithShape="0">
+                  <a:srgbClr val="000000">
+                    <a:alpha val="40000"/>
+                  </a:srgbClr>
+                </a:outerShdw>
+              </a:effectLst>
+            </a:endParaRPr>
+          </a:p>
+        </p:txBody>
+      </p:sp>
+      <p:sp>
+        <p:nvSpPr>
+          <p:cNvPr id="14" name="TextBox 13"/>
+          <p:cNvSpPr txBox="1"/>
+          <p:nvPr/>
+        </p:nvSpPr>
+        <p:spPr>
+          <a:xfrm>
+            <a:off x="3228975" y="2362200"/>
+            <a:ext cx="1562100" cy="276999"/>
+          </a:xfrm>
+          <a:prstGeom prst="rect">
+            <a:avLst/>
+          </a:prstGeom>
+          <a:noFill/>
+        </p:spPr>
+        <p:txBody>
+          <a:bodyPr wrap="square" rtlCol="0">
+            <a:spAutoFit/>
+          </a:bodyPr>
+          <a:lstStyle/>
+          <a:p>
+            <a:r>
+              <a:rPr lang="zh-CN" altLang="en-US" sz="1200" dirty="0" smtClean="0"/>
+              <a:t>类图</a:t>
+            </a:r>
+            <a:endParaRPr lang="zh-CN" altLang="en-US" sz="1200" dirty="0"/>
+          </a:p>
+        </p:txBody>
+      </p:sp>
+      <p:pic>
+        <p:nvPicPr>
+          <p:cNvPr id="2053" name="Picture 5" descr="D:\chaiyu\MyStudyProject\ppt图片\类图.bmp"/>
+          <p:cNvPicPr>
+            <a:picLocks noChangeAspect="1" noChangeArrowheads="1"/>
+          </p:cNvPicPr>
+          <p:nvPr/>
+        </p:nvPicPr>
+        <p:blipFill>
+          <a:blip r:embed="rId5"/>
+          <a:srcRect/>
+          <a:stretch>
+            <a:fillRect/>
+          </a:stretch>
+        </p:blipFill>
+        <p:spPr bwMode="auto">
+          <a:xfrm>
+            <a:off x="3005138" y="2643189"/>
+            <a:ext cx="3847848" cy="2662236"/>
+          </a:xfrm>
+          <a:prstGeom prst="rect">
+            <a:avLst/>
+          </a:prstGeom>
+          <a:noFill/>
+        </p:spPr>
+      </p:pic>
+      <p:sp>
+        <p:nvSpPr>
+          <p:cNvPr id="16" name="TextBox 15"/>
+          <p:cNvSpPr txBox="1"/>
+          <p:nvPr/>
+        </p:nvSpPr>
+        <p:spPr>
+          <a:xfrm>
+            <a:off x="4457700" y="3067050"/>
+            <a:ext cx="904875" cy="246221"/>
+          </a:xfrm>
+          <a:prstGeom prst="rect">
+            <a:avLst/>
+          </a:prstGeom>
+          <a:noFill/>
+        </p:spPr>
+        <p:txBody>
+          <a:bodyPr wrap="square" rtlCol="0">
+            <a:spAutoFit/>
+          </a:bodyPr>
+          <a:lstStyle/>
+          <a:p>
+            <a:r>
+              <a:rPr lang="zh-CN" altLang="en-US" sz="1000" dirty="0" smtClean="0"/>
+              <a:t>单词编号</a:t>
+            </a:r>
+            <a:endParaRPr lang="zh-CN" altLang="en-US" sz="1000" dirty="0"/>
+          </a:p>
+        </p:txBody>
+      </p:sp>
+      <p:sp>
+        <p:nvSpPr>
+          <p:cNvPr id="17" name="TextBox 16"/>
+          <p:cNvSpPr txBox="1"/>
+          <p:nvPr/>
+        </p:nvSpPr>
+        <p:spPr>
+          <a:xfrm>
+            <a:off x="4457700" y="3228975"/>
+            <a:ext cx="904875" cy="246221"/>
+          </a:xfrm>
+          <a:prstGeom prst="rect">
+            <a:avLst/>
+          </a:prstGeom>
+          <a:noFill/>
+        </p:spPr>
+        <p:txBody>
+          <a:bodyPr wrap="square" rtlCol="0">
+            <a:spAutoFit/>
+          </a:bodyPr>
+          <a:lstStyle/>
+          <a:p>
+            <a:r>
+              <a:rPr lang="zh-CN" altLang="en-US" sz="1000" dirty="0" smtClean="0"/>
+              <a:t>单词级别</a:t>
+            </a:r>
+            <a:endParaRPr lang="zh-CN" altLang="en-US" sz="1000" dirty="0"/>
+          </a:p>
+        </p:txBody>
+      </p:sp>
+      <p:sp>
+        <p:nvSpPr>
+          <p:cNvPr id="18" name="TextBox 17"/>
+          <p:cNvSpPr txBox="1"/>
+          <p:nvPr/>
+        </p:nvSpPr>
+        <p:spPr>
+          <a:xfrm>
+            <a:off x="4457700" y="3400425"/>
+            <a:ext cx="904875" cy="246221"/>
+          </a:xfrm>
+          <a:prstGeom prst="rect">
+            <a:avLst/>
+          </a:prstGeom>
+          <a:noFill/>
+        </p:spPr>
+        <p:txBody>
+          <a:bodyPr wrap="square" rtlCol="0">
+            <a:spAutoFit/>
+          </a:bodyPr>
+          <a:lstStyle/>
+          <a:p>
+            <a:r>
+              <a:rPr lang="zh-CN" altLang="en-US" sz="1000" dirty="0" smtClean="0"/>
+              <a:t>单词英文</a:t>
+            </a:r>
+            <a:endParaRPr lang="zh-CN" altLang="en-US" sz="1000" dirty="0"/>
+          </a:p>
+        </p:txBody>
+      </p:sp>
+      <p:sp>
+        <p:nvSpPr>
+          <p:cNvPr id="19" name="TextBox 18"/>
+          <p:cNvSpPr txBox="1"/>
+          <p:nvPr/>
+        </p:nvSpPr>
+        <p:spPr>
+          <a:xfrm>
+            <a:off x="4457700" y="3581400"/>
+            <a:ext cx="904875" cy="246221"/>
+          </a:xfrm>
+          <a:prstGeom prst="rect">
+            <a:avLst/>
+          </a:prstGeom>
+          <a:noFill/>
+        </p:spPr>
+        <p:txBody>
+          <a:bodyPr wrap="square" rtlCol="0">
+            <a:spAutoFit/>
+          </a:bodyPr>
+          <a:lstStyle/>
+          <a:p>
+            <a:r>
+              <a:rPr lang="zh-CN" altLang="en-US" sz="1000" dirty="0" smtClean="0"/>
+              <a:t>单词中文</a:t>
+            </a:r>
+            <a:endParaRPr lang="zh-CN" altLang="en-US" sz="1000" dirty="0"/>
+          </a:p>
+        </p:txBody>
+      </p:sp>
+      <p:sp>
+        <p:nvSpPr>
+          <p:cNvPr id="20" name="TextBox 19"/>
+          <p:cNvSpPr txBox="1"/>
+          <p:nvPr/>
+        </p:nvSpPr>
+        <p:spPr>
+          <a:xfrm>
+            <a:off x="4457700" y="3743325"/>
+            <a:ext cx="904875" cy="246221"/>
+          </a:xfrm>
+          <a:prstGeom prst="rect">
+            <a:avLst/>
+          </a:prstGeom>
+          <a:noFill/>
+        </p:spPr>
+        <p:txBody>
+          <a:bodyPr wrap="square" rtlCol="0">
+            <a:spAutoFit/>
+          </a:bodyPr>
+          <a:lstStyle/>
+          <a:p>
+            <a:r>
+              <a:rPr lang="zh-CN" altLang="en-US" sz="1000" dirty="0" smtClean="0"/>
+              <a:t>单词</a:t>
+            </a:r>
+            <a:r>
+              <a:rPr lang="en-US" altLang="zh-CN" sz="1000" dirty="0" smtClean="0"/>
+              <a:t>X</a:t>
+            </a:r>
+            <a:r>
+              <a:rPr lang="zh-CN" altLang="en-US" sz="1000" dirty="0" smtClean="0"/>
+              <a:t>坐标</a:t>
+            </a:r>
+            <a:endParaRPr lang="zh-CN" altLang="en-US" sz="1000" dirty="0"/>
+          </a:p>
+        </p:txBody>
+      </p:sp>
+      <p:sp>
+        <p:nvSpPr>
+          <p:cNvPr id="21" name="TextBox 20"/>
+          <p:cNvSpPr txBox="1"/>
+          <p:nvPr/>
+        </p:nvSpPr>
+        <p:spPr>
+          <a:xfrm>
+            <a:off x="4457700" y="3905250"/>
+            <a:ext cx="904875" cy="246221"/>
+          </a:xfrm>
+          <a:prstGeom prst="rect">
+            <a:avLst/>
+          </a:prstGeom>
+          <a:noFill/>
+        </p:spPr>
+        <p:txBody>
+          <a:bodyPr wrap="square" rtlCol="0">
+            <a:spAutoFit/>
+          </a:bodyPr>
+          <a:lstStyle/>
+          <a:p>
+            <a:r>
+              <a:rPr lang="zh-CN" altLang="en-US" sz="1000" dirty="0" smtClean="0"/>
+              <a:t>单词</a:t>
+            </a:r>
+            <a:r>
+              <a:rPr lang="en-US" altLang="zh-CN" sz="1000" dirty="0" smtClean="0"/>
+              <a:t>Y</a:t>
+            </a:r>
+            <a:r>
+              <a:rPr lang="zh-CN" altLang="en-US" sz="1000" dirty="0" smtClean="0"/>
+              <a:t>坐标</a:t>
+            </a:r>
+            <a:endParaRPr lang="zh-CN" altLang="en-US" sz="1000" dirty="0"/>
+          </a:p>
+        </p:txBody>
+      </p:sp>
+      <p:sp>
+        <p:nvSpPr>
+          <p:cNvPr id="22" name="TextBox 21"/>
+          <p:cNvSpPr txBox="1"/>
+          <p:nvPr/>
+        </p:nvSpPr>
+        <p:spPr>
+          <a:xfrm>
+            <a:off x="4457700" y="4086225"/>
+            <a:ext cx="952500" cy="246221"/>
+          </a:xfrm>
+          <a:prstGeom prst="rect">
+            <a:avLst/>
+          </a:prstGeom>
+          <a:noFill/>
+        </p:spPr>
+        <p:txBody>
+          <a:bodyPr wrap="square" rtlCol="0">
+            <a:spAutoFit/>
+          </a:bodyPr>
+          <a:lstStyle/>
+          <a:p>
+            <a:r>
+              <a:rPr lang="zh-CN" altLang="en-US" sz="1000" dirty="0" smtClean="0"/>
+              <a:t>英文单词长度</a:t>
+            </a:r>
+            <a:endParaRPr lang="zh-CN" altLang="en-US" sz="1000" dirty="0"/>
+          </a:p>
+        </p:txBody>
+      </p:sp>
+      <p:sp>
+        <p:nvSpPr>
+          <p:cNvPr id="23" name="TextBox 22"/>
+          <p:cNvSpPr txBox="1"/>
+          <p:nvPr/>
+        </p:nvSpPr>
+        <p:spPr>
+          <a:xfrm>
+            <a:off x="4457700" y="4257675"/>
+            <a:ext cx="952500" cy="246221"/>
+          </a:xfrm>
+          <a:prstGeom prst="rect">
+            <a:avLst/>
+          </a:prstGeom>
+          <a:noFill/>
+        </p:spPr>
+        <p:txBody>
+          <a:bodyPr wrap="square" rtlCol="0">
+            <a:spAutoFit/>
+          </a:bodyPr>
+          <a:lstStyle/>
+          <a:p>
+            <a:r>
+              <a:rPr lang="zh-CN" altLang="en-US" sz="1000" dirty="0" smtClean="0"/>
+              <a:t>中文单词长度</a:t>
+            </a:r>
+            <a:endParaRPr lang="zh-CN" altLang="en-US" sz="1000" dirty="0"/>
+          </a:p>
+        </p:txBody>
+      </p:sp>
+      <p:sp>
+        <p:nvSpPr>
+          <p:cNvPr id="24" name="TextBox 23"/>
+          <p:cNvSpPr txBox="1"/>
+          <p:nvPr/>
+        </p:nvSpPr>
+        <p:spPr>
+          <a:xfrm>
+            <a:off x="4457700" y="4419600"/>
+            <a:ext cx="952500" cy="246221"/>
+          </a:xfrm>
+          <a:prstGeom prst="rect">
+            <a:avLst/>
+          </a:prstGeom>
+          <a:noFill/>
+        </p:spPr>
+        <p:txBody>
+          <a:bodyPr wrap="square" rtlCol="0">
+            <a:spAutoFit/>
+          </a:bodyPr>
+          <a:lstStyle/>
+          <a:p>
+            <a:r>
+              <a:rPr lang="zh-CN" altLang="en-US" sz="1000" dirty="0" smtClean="0"/>
+              <a:t>出现的状态</a:t>
+            </a:r>
+            <a:endParaRPr lang="zh-CN" altLang="en-US" sz="1000" dirty="0"/>
+          </a:p>
+        </p:txBody>
+      </p:sp>
     </p:spTree>
     <p:extLst>
       <p:ext uri="{BB962C8B-B14F-4D97-AF65-F5344CB8AC3E}">
-        <p14:creationId xmlns:p14="http://schemas.microsoft.com/office/powerpoint/2010/main" val="3394418747"/>
+        <p14:creationId xmlns:p14="http://schemas.microsoft.com/office/powerpoint/2010/main" xmlns="" val="3394418747"/>
       </p:ext>
     </p:extLst>
   </p:cSld>
   <p:clrMapOvr>
     <a:masterClrMapping/>
   </p:clrMapOvr>
+  <p:timing>
+    <p:tnLst>
+      <p:par>
+        <p:cTn id="1" dur="indefinite" restart="never" nodeType="tmRoot">
+          <p:childTnLst>
+            <p:seq concurrent="1" nextAc="seek">
+              <p:cTn id="2" dur="indefinite" nodeType="mainSeq">
+                <p:childTnLst>
+                  <p:par>
+                    <p:cTn id="3" fill="hold">
+                      <p:stCondLst>
+                        <p:cond delay="indefinite"/>
+                      </p:stCondLst>
+                      <p:childTnLst>
+                        <p:par>
+                          <p:cTn id="4" fill="hold">
+                            <p:stCondLst>
+                              <p:cond delay="0"/>
+                            </p:stCondLst>
+                            <p:childTnLst>
+                              <p:par>
+                                <p:cTn id="5" presetID="2" presetClass="entr" presetSubtype="8" fill="hold" grpId="0" nodeType="clickEffect">
+                                  <p:stCondLst>
+                                    <p:cond delay="0"/>
+                                  </p:stCondLst>
+                                  <p:childTnLst>
+                                    <p:set>
+                                      <p:cBhvr>
+                                        <p:cTn id="6" dur="1" fill="hold">
+                                          <p:stCondLst>
+                                            <p:cond delay="0"/>
+                                          </p:stCondLst>
+                                        </p:cTn>
+                                        <p:tgtEl>
+                                          <p:spTgt spid="9"/>
+                                        </p:tgtEl>
+                                        <p:attrNameLst>
+                                          <p:attrName>style.visibility</p:attrName>
+                                        </p:attrNameLst>
+                                      </p:cBhvr>
+                                      <p:to>
+                                        <p:strVal val="visible"/>
+                                      </p:to>
+                                    </p:set>
+                                    <p:anim calcmode="lin" valueType="num">
+                                      <p:cBhvr additive="base">
+                                        <p:cTn id="7" dur="500" fill="hold"/>
+                                        <p:tgtEl>
+                                          <p:spTgt spid="9"/>
+                                        </p:tgtEl>
+                                        <p:attrNameLst>
+                                          <p:attrName>ppt_x</p:attrName>
+                                        </p:attrNameLst>
+                                      </p:cBhvr>
+                                      <p:tavLst>
+                                        <p:tav tm="0">
+                                          <p:val>
+                                            <p:strVal val="0-#ppt_w/2"/>
+                                          </p:val>
+                                        </p:tav>
+                                        <p:tav tm="100000">
+                                          <p:val>
+                                            <p:strVal val="#ppt_x"/>
+                                          </p:val>
+                                        </p:tav>
+                                      </p:tavLst>
+                                    </p:anim>
+                                    <p:anim calcmode="lin" valueType="num">
+                                      <p:cBhvr additive="base">
+                                        <p:cTn id="8" dur="500" fill="hold"/>
+                                        <p:tgtEl>
+                                          <p:spTgt spid="9"/>
+                                        </p:tgtEl>
+                                        <p:attrNameLst>
+                                          <p:attrName>ppt_y</p:attrName>
+                                        </p:attrNameLst>
+                                      </p:cBhvr>
+                                      <p:tavLst>
+                                        <p:tav tm="0">
+                                          <p:val>
+                                            <p:strVal val="#ppt_y"/>
+                                          </p:val>
+                                        </p:tav>
+                                        <p:tav tm="100000">
+                                          <p:val>
+                                            <p:strVal val="#ppt_y"/>
+                                          </p:val>
+                                        </p:tav>
+                                      </p:tavLst>
+                                    </p:anim>
+                                  </p:childTnLst>
+                                </p:cTn>
+                              </p:par>
+                              <p:par>
+                                <p:cTn id="9" presetID="2" presetClass="entr" presetSubtype="4" fill="hold" nodeType="withEffect">
+                                  <p:stCondLst>
+                                    <p:cond delay="0"/>
+                                  </p:stCondLst>
+                                  <p:childTnLst>
+                                    <p:set>
+                                      <p:cBhvr>
+                                        <p:cTn id="10" dur="1" fill="hold">
+                                          <p:stCondLst>
+                                            <p:cond delay="0"/>
+                                          </p:stCondLst>
+                                        </p:cTn>
+                                        <p:tgtEl>
+                                          <p:spTgt spid="2051"/>
+                                        </p:tgtEl>
+                                        <p:attrNameLst>
+                                          <p:attrName>style.visibility</p:attrName>
+                                        </p:attrNameLst>
+                                      </p:cBhvr>
+                                      <p:to>
+                                        <p:strVal val="visible"/>
+                                      </p:to>
+                                    </p:set>
+                                    <p:anim calcmode="lin" valueType="num">
+                                      <p:cBhvr additive="base">
+                                        <p:cTn id="11" dur="500" fill="hold"/>
+                                        <p:tgtEl>
+                                          <p:spTgt spid="2051"/>
+                                        </p:tgtEl>
+                                        <p:attrNameLst>
+                                          <p:attrName>ppt_x</p:attrName>
+                                        </p:attrNameLst>
+                                      </p:cBhvr>
+                                      <p:tavLst>
+                                        <p:tav tm="0">
+                                          <p:val>
+                                            <p:strVal val="#ppt_x"/>
+                                          </p:val>
+                                        </p:tav>
+                                        <p:tav tm="100000">
+                                          <p:val>
+                                            <p:strVal val="#ppt_x"/>
+                                          </p:val>
+                                        </p:tav>
+                                      </p:tavLst>
+                                    </p:anim>
+                                    <p:anim calcmode="lin" valueType="num">
+                                      <p:cBhvr additive="base">
+                                        <p:cTn id="12" dur="500" fill="hold"/>
+                                        <p:tgtEl>
+                                          <p:spTgt spid="2051"/>
+                                        </p:tgtEl>
+                                        <p:attrNameLst>
+                                          <p:attrName>ppt_y</p:attrName>
+                                        </p:attrNameLst>
+                                      </p:cBhvr>
+                                      <p:tavLst>
+                                        <p:tav tm="0">
+                                          <p:val>
+                                            <p:strVal val="1+#ppt_h/2"/>
+                                          </p:val>
+                                        </p:tav>
+                                        <p:tav tm="100000">
+                                          <p:val>
+                                            <p:strVal val="#ppt_y"/>
+                                          </p:val>
+                                        </p:tav>
+                                      </p:tavLst>
+                                    </p:anim>
+                                  </p:childTnLst>
+                                </p:cTn>
+                              </p:par>
+                              <p:par>
+                                <p:cTn id="13" presetID="2" presetClass="entr" presetSubtype="2" fill="hold" grpId="0" nodeType="withEffect">
+                                  <p:stCondLst>
+                                    <p:cond delay="0"/>
+                                  </p:stCondLst>
+                                  <p:childTnLst>
+                                    <p:set>
+                                      <p:cBhvr>
+                                        <p:cTn id="14" dur="1" fill="hold">
+                                          <p:stCondLst>
+                                            <p:cond delay="0"/>
+                                          </p:stCondLst>
+                                        </p:cTn>
+                                        <p:tgtEl>
+                                          <p:spTgt spid="7"/>
+                                        </p:tgtEl>
+                                        <p:attrNameLst>
+                                          <p:attrName>style.visibility</p:attrName>
+                                        </p:attrNameLst>
+                                      </p:cBhvr>
+                                      <p:to>
+                                        <p:strVal val="visible"/>
+                                      </p:to>
+                                    </p:set>
+                                    <p:anim calcmode="lin" valueType="num">
+                                      <p:cBhvr additive="base">
+                                        <p:cTn id="15" dur="500" fill="hold"/>
+                                        <p:tgtEl>
+                                          <p:spTgt spid="7"/>
+                                        </p:tgtEl>
+                                        <p:attrNameLst>
+                                          <p:attrName>ppt_x</p:attrName>
+                                        </p:attrNameLst>
+                                      </p:cBhvr>
+                                      <p:tavLst>
+                                        <p:tav tm="0">
+                                          <p:val>
+                                            <p:strVal val="1+#ppt_w/2"/>
+                                          </p:val>
+                                        </p:tav>
+                                        <p:tav tm="100000">
+                                          <p:val>
+                                            <p:strVal val="#ppt_x"/>
+                                          </p:val>
+                                        </p:tav>
+                                      </p:tavLst>
+                                    </p:anim>
+                                    <p:anim calcmode="lin" valueType="num">
+                                      <p:cBhvr additive="base">
+                                        <p:cTn id="16" dur="500" fill="hold"/>
+                                        <p:tgtEl>
+                                          <p:spTgt spid="7"/>
+                                        </p:tgtEl>
+                                        <p:attrNameLst>
+                                          <p:attrName>ppt_y</p:attrName>
+                                        </p:attrNameLst>
+                                      </p:cBhvr>
+                                      <p:tavLst>
+                                        <p:tav tm="0">
+                                          <p:val>
+                                            <p:strVal val="#ppt_y"/>
+                                          </p:val>
+                                        </p:tav>
+                                        <p:tav tm="100000">
+                                          <p:val>
+                                            <p:strVal val="#ppt_y"/>
+                                          </p:val>
+                                        </p:tav>
+                                      </p:tavLst>
+                                    </p:anim>
+                                  </p:childTnLst>
+                                </p:cTn>
+                              </p:par>
+                            </p:childTnLst>
+                          </p:cTn>
+                        </p:par>
+                      </p:childTnLst>
+                    </p:cTn>
+                  </p:par>
+                  <p:par>
+                    <p:cTn id="17" fill="hold">
+                      <p:stCondLst>
+                        <p:cond delay="indefinite"/>
+                      </p:stCondLst>
+                      <p:childTnLst>
+                        <p:par>
+                          <p:cTn id="18" fill="hold">
+                            <p:stCondLst>
+                              <p:cond delay="0"/>
+                            </p:stCondLst>
+                            <p:childTnLst>
+                              <p:par>
+                                <p:cTn id="19" presetID="2" presetClass="exit" presetSubtype="8" fill="hold" grpId="2" nodeType="clickEffect">
+                                  <p:stCondLst>
+                                    <p:cond delay="0"/>
+                                  </p:stCondLst>
+                                  <p:childTnLst>
+                                    <p:anim calcmode="lin" valueType="num">
+                                      <p:cBhvr additive="base">
+                                        <p:cTn id="20" dur="500"/>
+                                        <p:tgtEl>
+                                          <p:spTgt spid="9"/>
+                                        </p:tgtEl>
+                                        <p:attrNameLst>
+                                          <p:attrName>ppt_x</p:attrName>
+                                        </p:attrNameLst>
+                                      </p:cBhvr>
+                                      <p:tavLst>
+                                        <p:tav tm="0">
+                                          <p:val>
+                                            <p:strVal val="ppt_x"/>
+                                          </p:val>
+                                        </p:tav>
+                                        <p:tav tm="100000">
+                                          <p:val>
+                                            <p:strVal val="0-ppt_w/2"/>
+                                          </p:val>
+                                        </p:tav>
+                                      </p:tavLst>
+                                    </p:anim>
+                                    <p:anim calcmode="lin" valueType="num">
+                                      <p:cBhvr additive="base">
+                                        <p:cTn id="21" dur="500"/>
+                                        <p:tgtEl>
+                                          <p:spTgt spid="9"/>
+                                        </p:tgtEl>
+                                        <p:attrNameLst>
+                                          <p:attrName>ppt_y</p:attrName>
+                                        </p:attrNameLst>
+                                      </p:cBhvr>
+                                      <p:tavLst>
+                                        <p:tav tm="0">
+                                          <p:val>
+                                            <p:strVal val="ppt_y"/>
+                                          </p:val>
+                                        </p:tav>
+                                        <p:tav tm="100000">
+                                          <p:val>
+                                            <p:strVal val="ppt_y"/>
+                                          </p:val>
+                                        </p:tav>
+                                      </p:tavLst>
+                                    </p:anim>
+                                    <p:set>
+                                      <p:cBhvr>
+                                        <p:cTn id="22" dur="1" fill="hold">
+                                          <p:stCondLst>
+                                            <p:cond delay="499"/>
+                                          </p:stCondLst>
+                                        </p:cTn>
+                                        <p:tgtEl>
+                                          <p:spTgt spid="9"/>
+                                        </p:tgtEl>
+                                        <p:attrNameLst>
+                                          <p:attrName>style.visibility</p:attrName>
+                                        </p:attrNameLst>
+                                      </p:cBhvr>
+                                      <p:to>
+                                        <p:strVal val="hidden"/>
+                                      </p:to>
+                                    </p:set>
+                                  </p:childTnLst>
+                                </p:cTn>
+                              </p:par>
+                              <p:par>
+                                <p:cTn id="23" presetID="2" presetClass="exit" presetSubtype="4" fill="hold" nodeType="withEffect">
+                                  <p:stCondLst>
+                                    <p:cond delay="0"/>
+                                  </p:stCondLst>
+                                  <p:childTnLst>
+                                    <p:anim calcmode="lin" valueType="num">
+                                      <p:cBhvr additive="base">
+                                        <p:cTn id="24" dur="500"/>
+                                        <p:tgtEl>
+                                          <p:spTgt spid="2051"/>
+                                        </p:tgtEl>
+                                        <p:attrNameLst>
+                                          <p:attrName>ppt_x</p:attrName>
+                                        </p:attrNameLst>
+                                      </p:cBhvr>
+                                      <p:tavLst>
+                                        <p:tav tm="0">
+                                          <p:val>
+                                            <p:strVal val="ppt_x"/>
+                                          </p:val>
+                                        </p:tav>
+                                        <p:tav tm="100000">
+                                          <p:val>
+                                            <p:strVal val="ppt_x"/>
+                                          </p:val>
+                                        </p:tav>
+                                      </p:tavLst>
+                                    </p:anim>
+                                    <p:anim calcmode="lin" valueType="num">
+                                      <p:cBhvr additive="base">
+                                        <p:cTn id="25" dur="500"/>
+                                        <p:tgtEl>
+                                          <p:spTgt spid="2051"/>
+                                        </p:tgtEl>
+                                        <p:attrNameLst>
+                                          <p:attrName>ppt_y</p:attrName>
+                                        </p:attrNameLst>
+                                      </p:cBhvr>
+                                      <p:tavLst>
+                                        <p:tav tm="0">
+                                          <p:val>
+                                            <p:strVal val="ppt_y"/>
+                                          </p:val>
+                                        </p:tav>
+                                        <p:tav tm="100000">
+                                          <p:val>
+                                            <p:strVal val="1+ppt_h/2"/>
+                                          </p:val>
+                                        </p:tav>
+                                      </p:tavLst>
+                                    </p:anim>
+                                    <p:set>
+                                      <p:cBhvr>
+                                        <p:cTn id="26" dur="1" fill="hold">
+                                          <p:stCondLst>
+                                            <p:cond delay="499"/>
+                                          </p:stCondLst>
+                                        </p:cTn>
+                                        <p:tgtEl>
+                                          <p:spTgt spid="2051"/>
+                                        </p:tgtEl>
+                                        <p:attrNameLst>
+                                          <p:attrName>style.visibility</p:attrName>
+                                        </p:attrNameLst>
+                                      </p:cBhvr>
+                                      <p:to>
+                                        <p:strVal val="hidden"/>
+                                      </p:to>
+                                    </p:set>
+                                  </p:childTnLst>
+                                </p:cTn>
+                              </p:par>
+                              <p:par>
+                                <p:cTn id="27" presetID="2" presetClass="exit" presetSubtype="2" fill="hold" grpId="1" nodeType="withEffect">
+                                  <p:stCondLst>
+                                    <p:cond delay="0"/>
+                                  </p:stCondLst>
+                                  <p:childTnLst>
+                                    <p:anim calcmode="lin" valueType="num">
+                                      <p:cBhvr additive="base">
+                                        <p:cTn id="28" dur="500"/>
+                                        <p:tgtEl>
+                                          <p:spTgt spid="7"/>
+                                        </p:tgtEl>
+                                        <p:attrNameLst>
+                                          <p:attrName>ppt_x</p:attrName>
+                                        </p:attrNameLst>
+                                      </p:cBhvr>
+                                      <p:tavLst>
+                                        <p:tav tm="0">
+                                          <p:val>
+                                            <p:strVal val="ppt_x"/>
+                                          </p:val>
+                                        </p:tav>
+                                        <p:tav tm="100000">
+                                          <p:val>
+                                            <p:strVal val="1+ppt_w/2"/>
+                                          </p:val>
+                                        </p:tav>
+                                      </p:tavLst>
+                                    </p:anim>
+                                    <p:anim calcmode="lin" valueType="num">
+                                      <p:cBhvr additive="base">
+                                        <p:cTn id="29" dur="500"/>
+                                        <p:tgtEl>
+                                          <p:spTgt spid="7"/>
+                                        </p:tgtEl>
+                                        <p:attrNameLst>
+                                          <p:attrName>ppt_y</p:attrName>
+                                        </p:attrNameLst>
+                                      </p:cBhvr>
+                                      <p:tavLst>
+                                        <p:tav tm="0">
+                                          <p:val>
+                                            <p:strVal val="ppt_y"/>
+                                          </p:val>
+                                        </p:tav>
+                                        <p:tav tm="100000">
+                                          <p:val>
+                                            <p:strVal val="ppt_y"/>
+                                          </p:val>
+                                        </p:tav>
+                                      </p:tavLst>
+                                    </p:anim>
+                                    <p:set>
+                                      <p:cBhvr>
+                                        <p:cTn id="30" dur="1" fill="hold">
+                                          <p:stCondLst>
+                                            <p:cond delay="499"/>
+                                          </p:stCondLst>
+                                        </p:cTn>
+                                        <p:tgtEl>
+                                          <p:spTgt spid="7"/>
+                                        </p:tgtEl>
+                                        <p:attrNameLst>
+                                          <p:attrName>style.visibility</p:attrName>
+                                        </p:attrNameLst>
+                                      </p:cBhvr>
+                                      <p:to>
+                                        <p:strVal val="hidden"/>
+                                      </p:to>
+                                    </p:set>
+                                  </p:childTnLst>
+                                </p:cTn>
+                              </p:par>
+                            </p:childTnLst>
+                          </p:cTn>
+                        </p:par>
+                      </p:childTnLst>
+                    </p:cTn>
+                  </p:par>
+                  <p:par>
+                    <p:cTn id="31" fill="hold">
+                      <p:stCondLst>
+                        <p:cond delay="indefinite"/>
+                      </p:stCondLst>
+                      <p:childTnLst>
+                        <p:par>
+                          <p:cTn id="32" fill="hold">
+                            <p:stCondLst>
+                              <p:cond delay="0"/>
+                            </p:stCondLst>
+                            <p:childTnLst>
+                              <p:par>
+                                <p:cTn id="33" presetID="2" presetClass="entr" presetSubtype="8" fill="hold" grpId="0" nodeType="clickEffect">
+                                  <p:stCondLst>
+                                    <p:cond delay="0"/>
+                                  </p:stCondLst>
+                                  <p:childTnLst>
+                                    <p:set>
+                                      <p:cBhvr>
+                                        <p:cTn id="34" dur="1" fill="hold">
+                                          <p:stCondLst>
+                                            <p:cond delay="0"/>
+                                          </p:stCondLst>
+                                        </p:cTn>
+                                        <p:tgtEl>
+                                          <p:spTgt spid="10"/>
+                                        </p:tgtEl>
+                                        <p:attrNameLst>
+                                          <p:attrName>style.visibility</p:attrName>
+                                        </p:attrNameLst>
+                                      </p:cBhvr>
+                                      <p:to>
+                                        <p:strVal val="visible"/>
+                                      </p:to>
+                                    </p:set>
+                                    <p:anim calcmode="lin" valueType="num">
+                                      <p:cBhvr additive="base">
+                                        <p:cTn id="35" dur="500" fill="hold"/>
+                                        <p:tgtEl>
+                                          <p:spTgt spid="10"/>
+                                        </p:tgtEl>
+                                        <p:attrNameLst>
+                                          <p:attrName>ppt_x</p:attrName>
+                                        </p:attrNameLst>
+                                      </p:cBhvr>
+                                      <p:tavLst>
+                                        <p:tav tm="0">
+                                          <p:val>
+                                            <p:strVal val="0-#ppt_w/2"/>
+                                          </p:val>
+                                        </p:tav>
+                                        <p:tav tm="100000">
+                                          <p:val>
+                                            <p:strVal val="#ppt_x"/>
+                                          </p:val>
+                                        </p:tav>
+                                      </p:tavLst>
+                                    </p:anim>
+                                    <p:anim calcmode="lin" valueType="num">
+                                      <p:cBhvr additive="base">
+                                        <p:cTn id="36" dur="500" fill="hold"/>
+                                        <p:tgtEl>
+                                          <p:spTgt spid="10"/>
+                                        </p:tgtEl>
+                                        <p:attrNameLst>
+                                          <p:attrName>ppt_y</p:attrName>
+                                        </p:attrNameLst>
+                                      </p:cBhvr>
+                                      <p:tavLst>
+                                        <p:tav tm="0">
+                                          <p:val>
+                                            <p:strVal val="#ppt_y"/>
+                                          </p:val>
+                                        </p:tav>
+                                        <p:tav tm="100000">
+                                          <p:val>
+                                            <p:strVal val="#ppt_y"/>
+                                          </p:val>
+                                        </p:tav>
+                                      </p:tavLst>
+                                    </p:anim>
+                                  </p:childTnLst>
+                                </p:cTn>
+                              </p:par>
+                              <p:par>
+                                <p:cTn id="37" presetID="2" presetClass="entr" presetSubtype="4" fill="hold" nodeType="withEffect">
+                                  <p:stCondLst>
+                                    <p:cond delay="0"/>
+                                  </p:stCondLst>
+                                  <p:childTnLst>
+                                    <p:set>
+                                      <p:cBhvr>
+                                        <p:cTn id="38" dur="1" fill="hold">
+                                          <p:stCondLst>
+                                            <p:cond delay="0"/>
+                                          </p:stCondLst>
+                                        </p:cTn>
+                                        <p:tgtEl>
+                                          <p:spTgt spid="2052"/>
+                                        </p:tgtEl>
+                                        <p:attrNameLst>
+                                          <p:attrName>style.visibility</p:attrName>
+                                        </p:attrNameLst>
+                                      </p:cBhvr>
+                                      <p:to>
+                                        <p:strVal val="visible"/>
+                                      </p:to>
+                                    </p:set>
+                                    <p:anim calcmode="lin" valueType="num">
+                                      <p:cBhvr additive="base">
+                                        <p:cTn id="39" dur="500" fill="hold"/>
+                                        <p:tgtEl>
+                                          <p:spTgt spid="2052"/>
+                                        </p:tgtEl>
+                                        <p:attrNameLst>
+                                          <p:attrName>ppt_x</p:attrName>
+                                        </p:attrNameLst>
+                                      </p:cBhvr>
+                                      <p:tavLst>
+                                        <p:tav tm="0">
+                                          <p:val>
+                                            <p:strVal val="#ppt_x"/>
+                                          </p:val>
+                                        </p:tav>
+                                        <p:tav tm="100000">
+                                          <p:val>
+                                            <p:strVal val="#ppt_x"/>
+                                          </p:val>
+                                        </p:tav>
+                                      </p:tavLst>
+                                    </p:anim>
+                                    <p:anim calcmode="lin" valueType="num">
+                                      <p:cBhvr additive="base">
+                                        <p:cTn id="40" dur="500" fill="hold"/>
+                                        <p:tgtEl>
+                                          <p:spTgt spid="2052"/>
+                                        </p:tgtEl>
+                                        <p:attrNameLst>
+                                          <p:attrName>ppt_y</p:attrName>
+                                        </p:attrNameLst>
+                                      </p:cBhvr>
+                                      <p:tavLst>
+                                        <p:tav tm="0">
+                                          <p:val>
+                                            <p:strVal val="1+#ppt_h/2"/>
+                                          </p:val>
+                                        </p:tav>
+                                        <p:tav tm="100000">
+                                          <p:val>
+                                            <p:strVal val="#ppt_y"/>
+                                          </p:val>
+                                        </p:tav>
+                                      </p:tavLst>
+                                    </p:anim>
+                                  </p:childTnLst>
+                                </p:cTn>
+                              </p:par>
+                              <p:par>
+                                <p:cTn id="41" presetID="2" presetClass="entr" presetSubtype="2" fill="hold" grpId="0" nodeType="withEffect">
+                                  <p:stCondLst>
+                                    <p:cond delay="0"/>
+                                  </p:stCondLst>
+                                  <p:childTnLst>
+                                    <p:set>
+                                      <p:cBhvr>
+                                        <p:cTn id="42" dur="1" fill="hold">
+                                          <p:stCondLst>
+                                            <p:cond delay="0"/>
+                                          </p:stCondLst>
+                                        </p:cTn>
+                                        <p:tgtEl>
+                                          <p:spTgt spid="13"/>
+                                        </p:tgtEl>
+                                        <p:attrNameLst>
+                                          <p:attrName>style.visibility</p:attrName>
+                                        </p:attrNameLst>
+                                      </p:cBhvr>
+                                      <p:to>
+                                        <p:strVal val="visible"/>
+                                      </p:to>
+                                    </p:set>
+                                    <p:anim calcmode="lin" valueType="num">
+                                      <p:cBhvr additive="base">
+                                        <p:cTn id="43" dur="500" fill="hold"/>
+                                        <p:tgtEl>
+                                          <p:spTgt spid="13"/>
+                                        </p:tgtEl>
+                                        <p:attrNameLst>
+                                          <p:attrName>ppt_x</p:attrName>
+                                        </p:attrNameLst>
+                                      </p:cBhvr>
+                                      <p:tavLst>
+                                        <p:tav tm="0">
+                                          <p:val>
+                                            <p:strVal val="1+#ppt_w/2"/>
+                                          </p:val>
+                                        </p:tav>
+                                        <p:tav tm="100000">
+                                          <p:val>
+                                            <p:strVal val="#ppt_x"/>
+                                          </p:val>
+                                        </p:tav>
+                                      </p:tavLst>
+                                    </p:anim>
+                                    <p:anim calcmode="lin" valueType="num">
+                                      <p:cBhvr additive="base">
+                                        <p:cTn id="44" dur="500" fill="hold"/>
+                                        <p:tgtEl>
+                                          <p:spTgt spid="13"/>
+                                        </p:tgtEl>
+                                        <p:attrNameLst>
+                                          <p:attrName>ppt_y</p:attrName>
+                                        </p:attrNameLst>
+                                      </p:cBhvr>
+                                      <p:tavLst>
+                                        <p:tav tm="0">
+                                          <p:val>
+                                            <p:strVal val="#ppt_y"/>
+                                          </p:val>
+                                        </p:tav>
+                                        <p:tav tm="100000">
+                                          <p:val>
+                                            <p:strVal val="#ppt_y"/>
+                                          </p:val>
+                                        </p:tav>
+                                      </p:tavLst>
+                                    </p:anim>
+                                  </p:childTnLst>
+                                </p:cTn>
+                              </p:par>
+                            </p:childTnLst>
+                          </p:cTn>
+                        </p:par>
+                      </p:childTnLst>
+                    </p:cTn>
+                  </p:par>
+                  <p:par>
+                    <p:cTn id="45" fill="hold">
+                      <p:stCondLst>
+                        <p:cond delay="indefinite"/>
+                      </p:stCondLst>
+                      <p:childTnLst>
+                        <p:par>
+                          <p:cTn id="46" fill="hold">
+                            <p:stCondLst>
+                              <p:cond delay="0"/>
+                            </p:stCondLst>
+                            <p:childTnLst>
+                              <p:par>
+                                <p:cTn id="47" presetID="1" presetClass="exit" presetSubtype="0" fill="hold" nodeType="clickEffect">
+                                  <p:stCondLst>
+                                    <p:cond delay="0"/>
+                                  </p:stCondLst>
+                                  <p:childTnLst>
+                                    <p:set>
+                                      <p:cBhvr>
+                                        <p:cTn id="48" dur="1" fill="hold">
+                                          <p:stCondLst>
+                                            <p:cond delay="0"/>
+                                          </p:stCondLst>
+                                        </p:cTn>
+                                        <p:tgtEl>
+                                          <p:spTgt spid="2052"/>
+                                        </p:tgtEl>
+                                        <p:attrNameLst>
+                                          <p:attrName>style.visibility</p:attrName>
+                                        </p:attrNameLst>
+                                      </p:cBhvr>
+                                      <p:to>
+                                        <p:strVal val="hidden"/>
+                                      </p:to>
+                                    </p:set>
+                                  </p:childTnLst>
+                                </p:cTn>
+                              </p:par>
+                              <p:par>
+                                <p:cTn id="49" presetID="2" presetClass="exit" presetSubtype="2" fill="hold" grpId="1" nodeType="withEffect">
+                                  <p:stCondLst>
+                                    <p:cond delay="0"/>
+                                  </p:stCondLst>
+                                  <p:childTnLst>
+                                    <p:anim calcmode="lin" valueType="num">
+                                      <p:cBhvr additive="base">
+                                        <p:cTn id="50" dur="500"/>
+                                        <p:tgtEl>
+                                          <p:spTgt spid="13"/>
+                                        </p:tgtEl>
+                                        <p:attrNameLst>
+                                          <p:attrName>ppt_x</p:attrName>
+                                        </p:attrNameLst>
+                                      </p:cBhvr>
+                                      <p:tavLst>
+                                        <p:tav tm="0">
+                                          <p:val>
+                                            <p:strVal val="ppt_x"/>
+                                          </p:val>
+                                        </p:tav>
+                                        <p:tav tm="100000">
+                                          <p:val>
+                                            <p:strVal val="1+ppt_w/2"/>
+                                          </p:val>
+                                        </p:tav>
+                                      </p:tavLst>
+                                    </p:anim>
+                                    <p:anim calcmode="lin" valueType="num">
+                                      <p:cBhvr additive="base">
+                                        <p:cTn id="51" dur="500"/>
+                                        <p:tgtEl>
+                                          <p:spTgt spid="13"/>
+                                        </p:tgtEl>
+                                        <p:attrNameLst>
+                                          <p:attrName>ppt_y</p:attrName>
+                                        </p:attrNameLst>
+                                      </p:cBhvr>
+                                      <p:tavLst>
+                                        <p:tav tm="0">
+                                          <p:val>
+                                            <p:strVal val="ppt_y"/>
+                                          </p:val>
+                                        </p:tav>
+                                        <p:tav tm="100000">
+                                          <p:val>
+                                            <p:strVal val="ppt_y"/>
+                                          </p:val>
+                                        </p:tav>
+                                      </p:tavLst>
+                                    </p:anim>
+                                    <p:set>
+                                      <p:cBhvr>
+                                        <p:cTn id="52" dur="1" fill="hold">
+                                          <p:stCondLst>
+                                            <p:cond delay="499"/>
+                                          </p:stCondLst>
+                                        </p:cTn>
+                                        <p:tgtEl>
+                                          <p:spTgt spid="13"/>
+                                        </p:tgtEl>
+                                        <p:attrNameLst>
+                                          <p:attrName>style.visibility</p:attrName>
+                                        </p:attrNameLst>
+                                      </p:cBhvr>
+                                      <p:to>
+                                        <p:strVal val="hidden"/>
+                                      </p:to>
+                                    </p:set>
+                                  </p:childTnLst>
+                                </p:cTn>
+                              </p:par>
+                            </p:childTnLst>
+                          </p:cTn>
+                        </p:par>
+                        <p:par>
+                          <p:cTn id="53" fill="hold">
+                            <p:stCondLst>
+                              <p:cond delay="500"/>
+                            </p:stCondLst>
+                            <p:childTnLst>
+                              <p:par>
+                                <p:cTn id="54" presetID="2" presetClass="entr" presetSubtype="8" fill="hold" grpId="0" nodeType="afterEffect">
+                                  <p:stCondLst>
+                                    <p:cond delay="0"/>
+                                  </p:stCondLst>
+                                  <p:childTnLst>
+                                    <p:set>
+                                      <p:cBhvr>
+                                        <p:cTn id="55" dur="1" fill="hold">
+                                          <p:stCondLst>
+                                            <p:cond delay="0"/>
+                                          </p:stCondLst>
+                                        </p:cTn>
+                                        <p:tgtEl>
+                                          <p:spTgt spid="14"/>
+                                        </p:tgtEl>
+                                        <p:attrNameLst>
+                                          <p:attrName>style.visibility</p:attrName>
+                                        </p:attrNameLst>
+                                      </p:cBhvr>
+                                      <p:to>
+                                        <p:strVal val="visible"/>
+                                      </p:to>
+                                    </p:set>
+                                    <p:anim calcmode="lin" valueType="num">
+                                      <p:cBhvr additive="base">
+                                        <p:cTn id="56" dur="500" fill="hold"/>
+                                        <p:tgtEl>
+                                          <p:spTgt spid="14"/>
+                                        </p:tgtEl>
+                                        <p:attrNameLst>
+                                          <p:attrName>ppt_x</p:attrName>
+                                        </p:attrNameLst>
+                                      </p:cBhvr>
+                                      <p:tavLst>
+                                        <p:tav tm="0">
+                                          <p:val>
+                                            <p:strVal val="0-#ppt_w/2"/>
+                                          </p:val>
+                                        </p:tav>
+                                        <p:tav tm="100000">
+                                          <p:val>
+                                            <p:strVal val="#ppt_x"/>
+                                          </p:val>
+                                        </p:tav>
+                                      </p:tavLst>
+                                    </p:anim>
+                                    <p:anim calcmode="lin" valueType="num">
+                                      <p:cBhvr additive="base">
+                                        <p:cTn id="57" dur="500" fill="hold"/>
+                                        <p:tgtEl>
+                                          <p:spTgt spid="14"/>
+                                        </p:tgtEl>
+                                        <p:attrNameLst>
+                                          <p:attrName>ppt_y</p:attrName>
+                                        </p:attrNameLst>
+                                      </p:cBhvr>
+                                      <p:tavLst>
+                                        <p:tav tm="0">
+                                          <p:val>
+                                            <p:strVal val="#ppt_y"/>
+                                          </p:val>
+                                        </p:tav>
+                                        <p:tav tm="100000">
+                                          <p:val>
+                                            <p:strVal val="#ppt_y"/>
+                                          </p:val>
+                                        </p:tav>
+                                      </p:tavLst>
+                                    </p:anim>
+                                  </p:childTnLst>
+                                </p:cTn>
+                              </p:par>
+                              <p:par>
+                                <p:cTn id="58" presetID="2" presetClass="entr" presetSubtype="4" fill="hold" nodeType="withEffect">
+                                  <p:stCondLst>
+                                    <p:cond delay="0"/>
+                                  </p:stCondLst>
+                                  <p:childTnLst>
+                                    <p:set>
+                                      <p:cBhvr>
+                                        <p:cTn id="59" dur="1" fill="hold">
+                                          <p:stCondLst>
+                                            <p:cond delay="0"/>
+                                          </p:stCondLst>
+                                        </p:cTn>
+                                        <p:tgtEl>
+                                          <p:spTgt spid="2053"/>
+                                        </p:tgtEl>
+                                        <p:attrNameLst>
+                                          <p:attrName>style.visibility</p:attrName>
+                                        </p:attrNameLst>
+                                      </p:cBhvr>
+                                      <p:to>
+                                        <p:strVal val="visible"/>
+                                      </p:to>
+                                    </p:set>
+                                    <p:anim calcmode="lin" valueType="num">
+                                      <p:cBhvr additive="base">
+                                        <p:cTn id="60" dur="500" fill="hold"/>
+                                        <p:tgtEl>
+                                          <p:spTgt spid="2053"/>
+                                        </p:tgtEl>
+                                        <p:attrNameLst>
+                                          <p:attrName>ppt_x</p:attrName>
+                                        </p:attrNameLst>
+                                      </p:cBhvr>
+                                      <p:tavLst>
+                                        <p:tav tm="0">
+                                          <p:val>
+                                            <p:strVal val="#ppt_x"/>
+                                          </p:val>
+                                        </p:tav>
+                                        <p:tav tm="100000">
+                                          <p:val>
+                                            <p:strVal val="#ppt_x"/>
+                                          </p:val>
+                                        </p:tav>
+                                      </p:tavLst>
+                                    </p:anim>
+                                    <p:anim calcmode="lin" valueType="num">
+                                      <p:cBhvr additive="base">
+                                        <p:cTn id="61" dur="500" fill="hold"/>
+                                        <p:tgtEl>
+                                          <p:spTgt spid="2053"/>
+                                        </p:tgtEl>
+                                        <p:attrNameLst>
+                                          <p:attrName>ppt_y</p:attrName>
+                                        </p:attrNameLst>
+                                      </p:cBhvr>
+                                      <p:tavLst>
+                                        <p:tav tm="0">
+                                          <p:val>
+                                            <p:strVal val="1+#ppt_h/2"/>
+                                          </p:val>
+                                        </p:tav>
+                                        <p:tav tm="100000">
+                                          <p:val>
+                                            <p:strVal val="#ppt_y"/>
+                                          </p:val>
+                                        </p:tav>
+                                      </p:tavLst>
+                                    </p:anim>
+                                  </p:childTnLst>
+                                </p:cTn>
+                              </p:par>
+                            </p:childTnLst>
+                          </p:cTn>
+                        </p:par>
+                      </p:childTnLst>
+                    </p:cTn>
+                  </p:par>
+                  <p:par>
+                    <p:cTn id="62" fill="hold">
+                      <p:stCondLst>
+                        <p:cond delay="indefinite"/>
+                      </p:stCondLst>
+                      <p:childTnLst>
+                        <p:par>
+                          <p:cTn id="63" fill="hold">
+                            <p:stCondLst>
+                              <p:cond delay="0"/>
+                            </p:stCondLst>
+                            <p:childTnLst>
+                              <p:par>
+                                <p:cTn id="64" presetID="10" presetClass="entr" presetSubtype="0" fill="hold" grpId="0" nodeType="clickEffect">
+                                  <p:stCondLst>
+                                    <p:cond delay="0"/>
+                                  </p:stCondLst>
+                                  <p:childTnLst>
+                                    <p:set>
+                                      <p:cBhvr>
+                                        <p:cTn id="65" dur="1" fill="hold">
+                                          <p:stCondLst>
+                                            <p:cond delay="0"/>
+                                          </p:stCondLst>
+                                        </p:cTn>
+                                        <p:tgtEl>
+                                          <p:spTgt spid="16"/>
+                                        </p:tgtEl>
+                                        <p:attrNameLst>
+                                          <p:attrName>style.visibility</p:attrName>
+                                        </p:attrNameLst>
+                                      </p:cBhvr>
+                                      <p:to>
+                                        <p:strVal val="visible"/>
+                                      </p:to>
+                                    </p:set>
+                                    <p:animEffect transition="in" filter="fade">
+                                      <p:cBhvr>
+                                        <p:cTn id="66" dur="500"/>
+                                        <p:tgtEl>
+                                          <p:spTgt spid="16"/>
+                                        </p:tgtEl>
+                                      </p:cBhvr>
+                                    </p:animEffect>
+                                  </p:childTnLst>
+                                </p:cTn>
+                              </p:par>
+                            </p:childTnLst>
+                          </p:cTn>
+                        </p:par>
+                      </p:childTnLst>
+                    </p:cTn>
+                  </p:par>
+                  <p:par>
+                    <p:cTn id="67" fill="hold">
+                      <p:stCondLst>
+                        <p:cond delay="indefinite"/>
+                      </p:stCondLst>
+                      <p:childTnLst>
+                        <p:par>
+                          <p:cTn id="68" fill="hold">
+                            <p:stCondLst>
+                              <p:cond delay="0"/>
+                            </p:stCondLst>
+                            <p:childTnLst>
+                              <p:par>
+                                <p:cTn id="69" presetID="10" presetClass="entr" presetSubtype="0" fill="hold" grpId="0" nodeType="clickEffect">
+                                  <p:stCondLst>
+                                    <p:cond delay="0"/>
+                                  </p:stCondLst>
+                                  <p:childTnLst>
+                                    <p:set>
+                                      <p:cBhvr>
+                                        <p:cTn id="70" dur="1" fill="hold">
+                                          <p:stCondLst>
+                                            <p:cond delay="0"/>
+                                          </p:stCondLst>
+                                        </p:cTn>
+                                        <p:tgtEl>
+                                          <p:spTgt spid="17"/>
+                                        </p:tgtEl>
+                                        <p:attrNameLst>
+                                          <p:attrName>style.visibility</p:attrName>
+                                        </p:attrNameLst>
+                                      </p:cBhvr>
+                                      <p:to>
+                                        <p:strVal val="visible"/>
+                                      </p:to>
+                                    </p:set>
+                                    <p:animEffect transition="in" filter="fade">
+                                      <p:cBhvr>
+                                        <p:cTn id="71" dur="500"/>
+                                        <p:tgtEl>
+                                          <p:spTgt spid="17"/>
+                                        </p:tgtEl>
+                                      </p:cBhvr>
+                                    </p:animEffect>
+                                  </p:childTnLst>
+                                </p:cTn>
+                              </p:par>
+                            </p:childTnLst>
+                          </p:cTn>
+                        </p:par>
+                      </p:childTnLst>
+                    </p:cTn>
+                  </p:par>
+                  <p:par>
+                    <p:cTn id="72" fill="hold">
+                      <p:stCondLst>
+                        <p:cond delay="indefinite"/>
+                      </p:stCondLst>
+                      <p:childTnLst>
+                        <p:par>
+                          <p:cTn id="73" fill="hold">
+                            <p:stCondLst>
+                              <p:cond delay="0"/>
+                            </p:stCondLst>
+                            <p:childTnLst>
+                              <p:par>
+                                <p:cTn id="74" presetID="10" presetClass="entr" presetSubtype="0" fill="hold" grpId="0" nodeType="clickEffect">
+                                  <p:stCondLst>
+                                    <p:cond delay="0"/>
+                                  </p:stCondLst>
+                                  <p:childTnLst>
+                                    <p:set>
+                                      <p:cBhvr>
+                                        <p:cTn id="75" dur="1" fill="hold">
+                                          <p:stCondLst>
+                                            <p:cond delay="0"/>
+                                          </p:stCondLst>
+                                        </p:cTn>
+                                        <p:tgtEl>
+                                          <p:spTgt spid="18"/>
+                                        </p:tgtEl>
+                                        <p:attrNameLst>
+                                          <p:attrName>style.visibility</p:attrName>
+                                        </p:attrNameLst>
+                                      </p:cBhvr>
+                                      <p:to>
+                                        <p:strVal val="visible"/>
+                                      </p:to>
+                                    </p:set>
+                                    <p:animEffect transition="in" filter="fade">
+                                      <p:cBhvr>
+                                        <p:cTn id="76" dur="500"/>
+                                        <p:tgtEl>
+                                          <p:spTgt spid="18"/>
+                                        </p:tgtEl>
+                                      </p:cBhvr>
+                                    </p:animEffect>
+                                  </p:childTnLst>
+                                </p:cTn>
+                              </p:par>
+                            </p:childTnLst>
+                          </p:cTn>
+                        </p:par>
+                      </p:childTnLst>
+                    </p:cTn>
+                  </p:par>
+                  <p:par>
+                    <p:cTn id="77" fill="hold">
+                      <p:stCondLst>
+                        <p:cond delay="indefinite"/>
+                      </p:stCondLst>
+                      <p:childTnLst>
+                        <p:par>
+                          <p:cTn id="78" fill="hold">
+                            <p:stCondLst>
+                              <p:cond delay="0"/>
+                            </p:stCondLst>
+                            <p:childTnLst>
+                              <p:par>
+                                <p:cTn id="79" presetID="10" presetClass="entr" presetSubtype="0" fill="hold" grpId="0" nodeType="clickEffect">
+                                  <p:stCondLst>
+                                    <p:cond delay="0"/>
+                                  </p:stCondLst>
+                                  <p:childTnLst>
+                                    <p:set>
+                                      <p:cBhvr>
+                                        <p:cTn id="80" dur="1" fill="hold">
+                                          <p:stCondLst>
+                                            <p:cond delay="0"/>
+                                          </p:stCondLst>
+                                        </p:cTn>
+                                        <p:tgtEl>
+                                          <p:spTgt spid="19"/>
+                                        </p:tgtEl>
+                                        <p:attrNameLst>
+                                          <p:attrName>style.visibility</p:attrName>
+                                        </p:attrNameLst>
+                                      </p:cBhvr>
+                                      <p:to>
+                                        <p:strVal val="visible"/>
+                                      </p:to>
+                                    </p:set>
+                                    <p:animEffect transition="in" filter="fade">
+                                      <p:cBhvr>
+                                        <p:cTn id="81" dur="500"/>
+                                        <p:tgtEl>
+                                          <p:spTgt spid="19"/>
+                                        </p:tgtEl>
+                                      </p:cBhvr>
+                                    </p:animEffect>
+                                  </p:childTnLst>
+                                </p:cTn>
+                              </p:par>
+                            </p:childTnLst>
+                          </p:cTn>
+                        </p:par>
+                      </p:childTnLst>
+                    </p:cTn>
+                  </p:par>
+                  <p:par>
+                    <p:cTn id="82" fill="hold">
+                      <p:stCondLst>
+                        <p:cond delay="indefinite"/>
+                      </p:stCondLst>
+                      <p:childTnLst>
+                        <p:par>
+                          <p:cTn id="83" fill="hold">
+                            <p:stCondLst>
+                              <p:cond delay="0"/>
+                            </p:stCondLst>
+                            <p:childTnLst>
+                              <p:par>
+                                <p:cTn id="84" presetID="10" presetClass="entr" presetSubtype="0" fill="hold" grpId="0" nodeType="clickEffect">
+                                  <p:stCondLst>
+                                    <p:cond delay="0"/>
+                                  </p:stCondLst>
+                                  <p:childTnLst>
+                                    <p:set>
+                                      <p:cBhvr>
+                                        <p:cTn id="85" dur="1" fill="hold">
+                                          <p:stCondLst>
+                                            <p:cond delay="0"/>
+                                          </p:stCondLst>
+                                        </p:cTn>
+                                        <p:tgtEl>
+                                          <p:spTgt spid="20"/>
+                                        </p:tgtEl>
+                                        <p:attrNameLst>
+                                          <p:attrName>style.visibility</p:attrName>
+                                        </p:attrNameLst>
+                                      </p:cBhvr>
+                                      <p:to>
+                                        <p:strVal val="visible"/>
+                                      </p:to>
+                                    </p:set>
+                                    <p:animEffect transition="in" filter="fade">
+                                      <p:cBhvr>
+                                        <p:cTn id="86" dur="500"/>
+                                        <p:tgtEl>
+                                          <p:spTgt spid="20"/>
+                                        </p:tgtEl>
+                                      </p:cBhvr>
+                                    </p:animEffect>
+                                  </p:childTnLst>
+                                </p:cTn>
+                              </p:par>
+                            </p:childTnLst>
+                          </p:cTn>
+                        </p:par>
+                      </p:childTnLst>
+                    </p:cTn>
+                  </p:par>
+                  <p:par>
+                    <p:cTn id="87" fill="hold">
+                      <p:stCondLst>
+                        <p:cond delay="indefinite"/>
+                      </p:stCondLst>
+                      <p:childTnLst>
+                        <p:par>
+                          <p:cTn id="88" fill="hold">
+                            <p:stCondLst>
+                              <p:cond delay="0"/>
+                            </p:stCondLst>
+                            <p:childTnLst>
+                              <p:par>
+                                <p:cTn id="89" presetID="10" presetClass="entr" presetSubtype="0" fill="hold" grpId="0" nodeType="clickEffect">
+                                  <p:stCondLst>
+                                    <p:cond delay="0"/>
+                                  </p:stCondLst>
+                                  <p:childTnLst>
+                                    <p:set>
+                                      <p:cBhvr>
+                                        <p:cTn id="90" dur="1" fill="hold">
+                                          <p:stCondLst>
+                                            <p:cond delay="0"/>
+                                          </p:stCondLst>
+                                        </p:cTn>
+                                        <p:tgtEl>
+                                          <p:spTgt spid="21"/>
+                                        </p:tgtEl>
+                                        <p:attrNameLst>
+                                          <p:attrName>style.visibility</p:attrName>
+                                        </p:attrNameLst>
+                                      </p:cBhvr>
+                                      <p:to>
+                                        <p:strVal val="visible"/>
+                                      </p:to>
+                                    </p:set>
+                                    <p:animEffect transition="in" filter="fade">
+                                      <p:cBhvr>
+                                        <p:cTn id="91" dur="500"/>
+                                        <p:tgtEl>
+                                          <p:spTgt spid="21"/>
+                                        </p:tgtEl>
+                                      </p:cBhvr>
+                                    </p:animEffect>
+                                  </p:childTnLst>
+                                </p:cTn>
+                              </p:par>
+                            </p:childTnLst>
+                          </p:cTn>
+                        </p:par>
+                      </p:childTnLst>
+                    </p:cTn>
+                  </p:par>
+                  <p:par>
+                    <p:cTn id="92" fill="hold">
+                      <p:stCondLst>
+                        <p:cond delay="indefinite"/>
+                      </p:stCondLst>
+                      <p:childTnLst>
+                        <p:par>
+                          <p:cTn id="93" fill="hold">
+                            <p:stCondLst>
+                              <p:cond delay="0"/>
+                            </p:stCondLst>
+                            <p:childTnLst>
+                              <p:par>
+                                <p:cTn id="94" presetID="10" presetClass="entr" presetSubtype="0" fill="hold" grpId="0" nodeType="clickEffect">
+                                  <p:stCondLst>
+                                    <p:cond delay="0"/>
+                                  </p:stCondLst>
+                                  <p:childTnLst>
+                                    <p:set>
+                                      <p:cBhvr>
+                                        <p:cTn id="95" dur="1" fill="hold">
+                                          <p:stCondLst>
+                                            <p:cond delay="0"/>
+                                          </p:stCondLst>
+                                        </p:cTn>
+                                        <p:tgtEl>
+                                          <p:spTgt spid="22"/>
+                                        </p:tgtEl>
+                                        <p:attrNameLst>
+                                          <p:attrName>style.visibility</p:attrName>
+                                        </p:attrNameLst>
+                                      </p:cBhvr>
+                                      <p:to>
+                                        <p:strVal val="visible"/>
+                                      </p:to>
+                                    </p:set>
+                                    <p:animEffect transition="in" filter="fade">
+                                      <p:cBhvr>
+                                        <p:cTn id="96" dur="500"/>
+                                        <p:tgtEl>
+                                          <p:spTgt spid="22"/>
+                                        </p:tgtEl>
+                                      </p:cBhvr>
+                                    </p:animEffect>
+                                  </p:childTnLst>
+                                </p:cTn>
+                              </p:par>
+                            </p:childTnLst>
+                          </p:cTn>
+                        </p:par>
+                      </p:childTnLst>
+                    </p:cTn>
+                  </p:par>
+                  <p:par>
+                    <p:cTn id="97" fill="hold">
+                      <p:stCondLst>
+                        <p:cond delay="indefinite"/>
+                      </p:stCondLst>
+                      <p:childTnLst>
+                        <p:par>
+                          <p:cTn id="98" fill="hold">
+                            <p:stCondLst>
+                              <p:cond delay="0"/>
+                            </p:stCondLst>
+                            <p:childTnLst>
+                              <p:par>
+                                <p:cTn id="99" presetID="10" presetClass="entr" presetSubtype="0" fill="hold" grpId="0" nodeType="clickEffect">
+                                  <p:stCondLst>
+                                    <p:cond delay="0"/>
+                                  </p:stCondLst>
+                                  <p:childTnLst>
+                                    <p:set>
+                                      <p:cBhvr>
+                                        <p:cTn id="100" dur="1" fill="hold">
+                                          <p:stCondLst>
+                                            <p:cond delay="0"/>
+                                          </p:stCondLst>
+                                        </p:cTn>
+                                        <p:tgtEl>
+                                          <p:spTgt spid="23"/>
+                                        </p:tgtEl>
+                                        <p:attrNameLst>
+                                          <p:attrName>style.visibility</p:attrName>
+                                        </p:attrNameLst>
+                                      </p:cBhvr>
+                                      <p:to>
+                                        <p:strVal val="visible"/>
+                                      </p:to>
+                                    </p:set>
+                                    <p:animEffect transition="in" filter="fade">
+                                      <p:cBhvr>
+                                        <p:cTn id="101" dur="500"/>
+                                        <p:tgtEl>
+                                          <p:spTgt spid="23"/>
+                                        </p:tgtEl>
+                                      </p:cBhvr>
+                                    </p:animEffect>
+                                  </p:childTnLst>
+                                </p:cTn>
+                              </p:par>
+                            </p:childTnLst>
+                          </p:cTn>
+                        </p:par>
+                      </p:childTnLst>
+                    </p:cTn>
+                  </p:par>
+                  <p:par>
+                    <p:cTn id="102" fill="hold">
+                      <p:stCondLst>
+                        <p:cond delay="indefinite"/>
+                      </p:stCondLst>
+                      <p:childTnLst>
+                        <p:par>
+                          <p:cTn id="103" fill="hold">
+                            <p:stCondLst>
+                              <p:cond delay="0"/>
+                            </p:stCondLst>
+                            <p:childTnLst>
+                              <p:par>
+                                <p:cTn id="104" presetID="10" presetClass="entr" presetSubtype="0" fill="hold" grpId="0" nodeType="clickEffect">
+                                  <p:stCondLst>
+                                    <p:cond delay="0"/>
+                                  </p:stCondLst>
+                                  <p:childTnLst>
+                                    <p:set>
+                                      <p:cBhvr>
+                                        <p:cTn id="105" dur="1" fill="hold">
+                                          <p:stCondLst>
+                                            <p:cond delay="0"/>
+                                          </p:stCondLst>
+                                        </p:cTn>
+                                        <p:tgtEl>
+                                          <p:spTgt spid="24"/>
+                                        </p:tgtEl>
+                                        <p:attrNameLst>
+                                          <p:attrName>style.visibility</p:attrName>
+                                        </p:attrNameLst>
+                                      </p:cBhvr>
+                                      <p:to>
+                                        <p:strVal val="visible"/>
+                                      </p:to>
+                                    </p:set>
+                                    <p:animEffect transition="in" filter="fade">
+                                      <p:cBhvr>
+                                        <p:cTn id="106" dur="500"/>
+                                        <p:tgtEl>
+                                          <p:spTgt spid="24"/>
+                                        </p:tgtEl>
+                                      </p:cBhvr>
+                                    </p:animEffect>
+                                  </p:childTnLst>
+                                </p:cTn>
+                              </p:par>
+                            </p:childTnLst>
+                          </p:cTn>
+                        </p:par>
+                      </p:childTnLst>
+                    </p:cTn>
+                  </p:par>
+                  <p:par>
+                    <p:cTn id="107" fill="hold">
+                      <p:stCondLst>
+                        <p:cond delay="indefinite"/>
+                      </p:stCondLst>
+                      <p:childTnLst>
+                        <p:par>
+                          <p:cTn id="108" fill="hold">
+                            <p:stCondLst>
+                              <p:cond delay="0"/>
+                            </p:stCondLst>
+                            <p:childTnLst>
+                              <p:par>
+                                <p:cTn id="109" presetID="2" presetClass="exit" presetSubtype="8" fill="hold" grpId="1" nodeType="clickEffect">
+                                  <p:stCondLst>
+                                    <p:cond delay="0"/>
+                                  </p:stCondLst>
+                                  <p:childTnLst>
+                                    <p:anim calcmode="lin" valueType="num">
+                                      <p:cBhvr additive="base">
+                                        <p:cTn id="110" dur="500"/>
+                                        <p:tgtEl>
+                                          <p:spTgt spid="10"/>
+                                        </p:tgtEl>
+                                        <p:attrNameLst>
+                                          <p:attrName>ppt_x</p:attrName>
+                                        </p:attrNameLst>
+                                      </p:cBhvr>
+                                      <p:tavLst>
+                                        <p:tav tm="0">
+                                          <p:val>
+                                            <p:strVal val="ppt_x"/>
+                                          </p:val>
+                                        </p:tav>
+                                        <p:tav tm="100000">
+                                          <p:val>
+                                            <p:strVal val="0-ppt_w/2"/>
+                                          </p:val>
+                                        </p:tav>
+                                      </p:tavLst>
+                                    </p:anim>
+                                    <p:anim calcmode="lin" valueType="num">
+                                      <p:cBhvr additive="base">
+                                        <p:cTn id="111" dur="500"/>
+                                        <p:tgtEl>
+                                          <p:spTgt spid="10"/>
+                                        </p:tgtEl>
+                                        <p:attrNameLst>
+                                          <p:attrName>ppt_y</p:attrName>
+                                        </p:attrNameLst>
+                                      </p:cBhvr>
+                                      <p:tavLst>
+                                        <p:tav tm="0">
+                                          <p:val>
+                                            <p:strVal val="ppt_y"/>
+                                          </p:val>
+                                        </p:tav>
+                                        <p:tav tm="100000">
+                                          <p:val>
+                                            <p:strVal val="ppt_y"/>
+                                          </p:val>
+                                        </p:tav>
+                                      </p:tavLst>
+                                    </p:anim>
+                                    <p:set>
+                                      <p:cBhvr>
+                                        <p:cTn id="112" dur="1" fill="hold">
+                                          <p:stCondLst>
+                                            <p:cond delay="499"/>
+                                          </p:stCondLst>
+                                        </p:cTn>
+                                        <p:tgtEl>
+                                          <p:spTgt spid="10"/>
+                                        </p:tgtEl>
+                                        <p:attrNameLst>
+                                          <p:attrName>style.visibility</p:attrName>
+                                        </p:attrNameLst>
+                                      </p:cBhvr>
+                                      <p:to>
+                                        <p:strVal val="hidden"/>
+                                      </p:to>
+                                    </p:set>
+                                  </p:childTnLst>
+                                </p:cTn>
+                              </p:par>
+                              <p:par>
+                                <p:cTn id="113" presetID="2" presetClass="exit" presetSubtype="8" fill="hold" grpId="1" nodeType="withEffect">
+                                  <p:stCondLst>
+                                    <p:cond delay="0"/>
+                                  </p:stCondLst>
+                                  <p:childTnLst>
+                                    <p:anim calcmode="lin" valueType="num">
+                                      <p:cBhvr additive="base">
+                                        <p:cTn id="114" dur="500"/>
+                                        <p:tgtEl>
+                                          <p:spTgt spid="14"/>
+                                        </p:tgtEl>
+                                        <p:attrNameLst>
+                                          <p:attrName>ppt_x</p:attrName>
+                                        </p:attrNameLst>
+                                      </p:cBhvr>
+                                      <p:tavLst>
+                                        <p:tav tm="0">
+                                          <p:val>
+                                            <p:strVal val="ppt_x"/>
+                                          </p:val>
+                                        </p:tav>
+                                        <p:tav tm="100000">
+                                          <p:val>
+                                            <p:strVal val="0-ppt_w/2"/>
+                                          </p:val>
+                                        </p:tav>
+                                      </p:tavLst>
+                                    </p:anim>
+                                    <p:anim calcmode="lin" valueType="num">
+                                      <p:cBhvr additive="base">
+                                        <p:cTn id="115" dur="500"/>
+                                        <p:tgtEl>
+                                          <p:spTgt spid="14"/>
+                                        </p:tgtEl>
+                                        <p:attrNameLst>
+                                          <p:attrName>ppt_y</p:attrName>
+                                        </p:attrNameLst>
+                                      </p:cBhvr>
+                                      <p:tavLst>
+                                        <p:tav tm="0">
+                                          <p:val>
+                                            <p:strVal val="ppt_y"/>
+                                          </p:val>
+                                        </p:tav>
+                                        <p:tav tm="100000">
+                                          <p:val>
+                                            <p:strVal val="ppt_y"/>
+                                          </p:val>
+                                        </p:tav>
+                                      </p:tavLst>
+                                    </p:anim>
+                                    <p:set>
+                                      <p:cBhvr>
+                                        <p:cTn id="116" dur="1" fill="hold">
+                                          <p:stCondLst>
+                                            <p:cond delay="499"/>
+                                          </p:stCondLst>
+                                        </p:cTn>
+                                        <p:tgtEl>
+                                          <p:spTgt spid="14"/>
+                                        </p:tgtEl>
+                                        <p:attrNameLst>
+                                          <p:attrName>style.visibility</p:attrName>
+                                        </p:attrNameLst>
+                                      </p:cBhvr>
+                                      <p:to>
+                                        <p:strVal val="hidden"/>
+                                      </p:to>
+                                    </p:set>
+                                  </p:childTnLst>
+                                </p:cTn>
+                              </p:par>
+                              <p:par>
+                                <p:cTn id="117" presetID="2" presetClass="exit" presetSubtype="4" fill="hold" nodeType="withEffect">
+                                  <p:stCondLst>
+                                    <p:cond delay="0"/>
+                                  </p:stCondLst>
+                                  <p:childTnLst>
+                                    <p:anim calcmode="lin" valueType="num">
+                                      <p:cBhvr additive="base">
+                                        <p:cTn id="118" dur="500"/>
+                                        <p:tgtEl>
+                                          <p:spTgt spid="2053"/>
+                                        </p:tgtEl>
+                                        <p:attrNameLst>
+                                          <p:attrName>ppt_x</p:attrName>
+                                        </p:attrNameLst>
+                                      </p:cBhvr>
+                                      <p:tavLst>
+                                        <p:tav tm="0">
+                                          <p:val>
+                                            <p:strVal val="ppt_x"/>
+                                          </p:val>
+                                        </p:tav>
+                                        <p:tav tm="100000">
+                                          <p:val>
+                                            <p:strVal val="ppt_x"/>
+                                          </p:val>
+                                        </p:tav>
+                                      </p:tavLst>
+                                    </p:anim>
+                                    <p:anim calcmode="lin" valueType="num">
+                                      <p:cBhvr additive="base">
+                                        <p:cTn id="119" dur="500"/>
+                                        <p:tgtEl>
+                                          <p:spTgt spid="2053"/>
+                                        </p:tgtEl>
+                                        <p:attrNameLst>
+                                          <p:attrName>ppt_y</p:attrName>
+                                        </p:attrNameLst>
+                                      </p:cBhvr>
+                                      <p:tavLst>
+                                        <p:tav tm="0">
+                                          <p:val>
+                                            <p:strVal val="ppt_y"/>
+                                          </p:val>
+                                        </p:tav>
+                                        <p:tav tm="100000">
+                                          <p:val>
+                                            <p:strVal val="1+ppt_h/2"/>
+                                          </p:val>
+                                        </p:tav>
+                                      </p:tavLst>
+                                    </p:anim>
+                                    <p:set>
+                                      <p:cBhvr>
+                                        <p:cTn id="120" dur="1" fill="hold">
+                                          <p:stCondLst>
+                                            <p:cond delay="499"/>
+                                          </p:stCondLst>
+                                        </p:cTn>
+                                        <p:tgtEl>
+                                          <p:spTgt spid="2053"/>
+                                        </p:tgtEl>
+                                        <p:attrNameLst>
+                                          <p:attrName>style.visibility</p:attrName>
+                                        </p:attrNameLst>
+                                      </p:cBhvr>
+                                      <p:to>
+                                        <p:strVal val="hidden"/>
+                                      </p:to>
+                                    </p:set>
+                                  </p:childTnLst>
+                                </p:cTn>
+                              </p:par>
+                              <p:par>
+                                <p:cTn id="121" presetID="1" presetClass="exit" presetSubtype="0" fill="hold" grpId="1" nodeType="withEffect">
+                                  <p:stCondLst>
+                                    <p:cond delay="0"/>
+                                  </p:stCondLst>
+                                  <p:childTnLst>
+                                    <p:set>
+                                      <p:cBhvr>
+                                        <p:cTn id="122" dur="1" fill="hold">
+                                          <p:stCondLst>
+                                            <p:cond delay="0"/>
+                                          </p:stCondLst>
+                                        </p:cTn>
+                                        <p:tgtEl>
+                                          <p:spTgt spid="18"/>
+                                        </p:tgtEl>
+                                        <p:attrNameLst>
+                                          <p:attrName>style.visibility</p:attrName>
+                                        </p:attrNameLst>
+                                      </p:cBhvr>
+                                      <p:to>
+                                        <p:strVal val="hidden"/>
+                                      </p:to>
+                                    </p:set>
+                                  </p:childTnLst>
+                                </p:cTn>
+                              </p:par>
+                              <p:par>
+                                <p:cTn id="123" presetID="1" presetClass="exit" presetSubtype="0" fill="hold" grpId="1" nodeType="withEffect">
+                                  <p:stCondLst>
+                                    <p:cond delay="0"/>
+                                  </p:stCondLst>
+                                  <p:childTnLst>
+                                    <p:set>
+                                      <p:cBhvr>
+                                        <p:cTn id="124" dur="1" fill="hold">
+                                          <p:stCondLst>
+                                            <p:cond delay="0"/>
+                                          </p:stCondLst>
+                                        </p:cTn>
+                                        <p:tgtEl>
+                                          <p:spTgt spid="17"/>
+                                        </p:tgtEl>
+                                        <p:attrNameLst>
+                                          <p:attrName>style.visibility</p:attrName>
+                                        </p:attrNameLst>
+                                      </p:cBhvr>
+                                      <p:to>
+                                        <p:strVal val="hidden"/>
+                                      </p:to>
+                                    </p:set>
+                                  </p:childTnLst>
+                                </p:cTn>
+                              </p:par>
+                              <p:par>
+                                <p:cTn id="125" presetID="1" presetClass="exit" presetSubtype="0" fill="hold" grpId="1" nodeType="withEffect">
+                                  <p:stCondLst>
+                                    <p:cond delay="0"/>
+                                  </p:stCondLst>
+                                  <p:childTnLst>
+                                    <p:set>
+                                      <p:cBhvr>
+                                        <p:cTn id="126" dur="1" fill="hold">
+                                          <p:stCondLst>
+                                            <p:cond delay="0"/>
+                                          </p:stCondLst>
+                                        </p:cTn>
+                                        <p:tgtEl>
+                                          <p:spTgt spid="16"/>
+                                        </p:tgtEl>
+                                        <p:attrNameLst>
+                                          <p:attrName>style.visibility</p:attrName>
+                                        </p:attrNameLst>
+                                      </p:cBhvr>
+                                      <p:to>
+                                        <p:strVal val="hidden"/>
+                                      </p:to>
+                                    </p:set>
+                                  </p:childTnLst>
+                                </p:cTn>
+                              </p:par>
+                              <p:par>
+                                <p:cTn id="127" presetID="1" presetClass="exit" presetSubtype="0" fill="hold" grpId="1" nodeType="withEffect">
+                                  <p:stCondLst>
+                                    <p:cond delay="0"/>
+                                  </p:stCondLst>
+                                  <p:childTnLst>
+                                    <p:set>
+                                      <p:cBhvr>
+                                        <p:cTn id="128" dur="1" fill="hold">
+                                          <p:stCondLst>
+                                            <p:cond delay="0"/>
+                                          </p:stCondLst>
+                                        </p:cTn>
+                                        <p:tgtEl>
+                                          <p:spTgt spid="20"/>
+                                        </p:tgtEl>
+                                        <p:attrNameLst>
+                                          <p:attrName>style.visibility</p:attrName>
+                                        </p:attrNameLst>
+                                      </p:cBhvr>
+                                      <p:to>
+                                        <p:strVal val="hidden"/>
+                                      </p:to>
+                                    </p:set>
+                                  </p:childTnLst>
+                                </p:cTn>
+                              </p:par>
+                              <p:par>
+                                <p:cTn id="129" presetID="1" presetClass="exit" presetSubtype="0" fill="hold" grpId="1" nodeType="withEffect">
+                                  <p:stCondLst>
+                                    <p:cond delay="0"/>
+                                  </p:stCondLst>
+                                  <p:childTnLst>
+                                    <p:set>
+                                      <p:cBhvr>
+                                        <p:cTn id="130" dur="1" fill="hold">
+                                          <p:stCondLst>
+                                            <p:cond delay="0"/>
+                                          </p:stCondLst>
+                                        </p:cTn>
+                                        <p:tgtEl>
+                                          <p:spTgt spid="19"/>
+                                        </p:tgtEl>
+                                        <p:attrNameLst>
+                                          <p:attrName>style.visibility</p:attrName>
+                                        </p:attrNameLst>
+                                      </p:cBhvr>
+                                      <p:to>
+                                        <p:strVal val="hidden"/>
+                                      </p:to>
+                                    </p:set>
+                                  </p:childTnLst>
+                                </p:cTn>
+                              </p:par>
+                              <p:par>
+                                <p:cTn id="131" presetID="1" presetClass="exit" presetSubtype="0" fill="hold" grpId="1" nodeType="withEffect">
+                                  <p:stCondLst>
+                                    <p:cond delay="0"/>
+                                  </p:stCondLst>
+                                  <p:childTnLst>
+                                    <p:set>
+                                      <p:cBhvr>
+                                        <p:cTn id="132" dur="1" fill="hold">
+                                          <p:stCondLst>
+                                            <p:cond delay="0"/>
+                                          </p:stCondLst>
+                                        </p:cTn>
+                                        <p:tgtEl>
+                                          <p:spTgt spid="21"/>
+                                        </p:tgtEl>
+                                        <p:attrNameLst>
+                                          <p:attrName>style.visibility</p:attrName>
+                                        </p:attrNameLst>
+                                      </p:cBhvr>
+                                      <p:to>
+                                        <p:strVal val="hidden"/>
+                                      </p:to>
+                                    </p:set>
+                                  </p:childTnLst>
+                                </p:cTn>
+                              </p:par>
+                              <p:par>
+                                <p:cTn id="133" presetID="1" presetClass="exit" presetSubtype="0" fill="hold" grpId="1" nodeType="withEffect">
+                                  <p:stCondLst>
+                                    <p:cond delay="0"/>
+                                  </p:stCondLst>
+                                  <p:childTnLst>
+                                    <p:set>
+                                      <p:cBhvr>
+                                        <p:cTn id="134" dur="1" fill="hold">
+                                          <p:stCondLst>
+                                            <p:cond delay="0"/>
+                                          </p:stCondLst>
+                                        </p:cTn>
+                                        <p:tgtEl>
+                                          <p:spTgt spid="23"/>
+                                        </p:tgtEl>
+                                        <p:attrNameLst>
+                                          <p:attrName>style.visibility</p:attrName>
+                                        </p:attrNameLst>
+                                      </p:cBhvr>
+                                      <p:to>
+                                        <p:strVal val="hidden"/>
+                                      </p:to>
+                                    </p:set>
+                                  </p:childTnLst>
+                                </p:cTn>
+                              </p:par>
+                              <p:par>
+                                <p:cTn id="135" presetID="1" presetClass="exit" presetSubtype="0" fill="hold" grpId="1" nodeType="withEffect">
+                                  <p:stCondLst>
+                                    <p:cond delay="0"/>
+                                  </p:stCondLst>
+                                  <p:childTnLst>
+                                    <p:set>
+                                      <p:cBhvr>
+                                        <p:cTn id="136" dur="1" fill="hold">
+                                          <p:stCondLst>
+                                            <p:cond delay="0"/>
+                                          </p:stCondLst>
+                                        </p:cTn>
+                                        <p:tgtEl>
+                                          <p:spTgt spid="22"/>
+                                        </p:tgtEl>
+                                        <p:attrNameLst>
+                                          <p:attrName>style.visibility</p:attrName>
+                                        </p:attrNameLst>
+                                      </p:cBhvr>
+                                      <p:to>
+                                        <p:strVal val="hidden"/>
+                                      </p:to>
+                                    </p:set>
+                                  </p:childTnLst>
+                                </p:cTn>
+                              </p:par>
+                              <p:par>
+                                <p:cTn id="137" presetID="1" presetClass="exit" presetSubtype="0" fill="hold" grpId="1" nodeType="withEffect">
+                                  <p:stCondLst>
+                                    <p:cond delay="0"/>
+                                  </p:stCondLst>
+                                  <p:childTnLst>
+                                    <p:set>
+                                      <p:cBhvr>
+                                        <p:cTn id="138" dur="1" fill="hold">
+                                          <p:stCondLst>
+                                            <p:cond delay="0"/>
+                                          </p:stCondLst>
+                                        </p:cTn>
+                                        <p:tgtEl>
+                                          <p:spTgt spid="24"/>
+                                        </p:tgtEl>
+                                        <p:attrNameLst>
+                                          <p:attrName>style.visibility</p:attrName>
+                                        </p:attrNameLst>
+                                      </p:cBhvr>
+                                      <p:to>
+                                        <p:strVal val="hidden"/>
+                                      </p:to>
+                                    </p:set>
+                                  </p:childTnLst>
+                                </p:cTn>
+                              </p:par>
+                            </p:childTnLst>
+                          </p:cTn>
+                        </p:par>
+                      </p:childTnLst>
+                    </p:cTn>
+                  </p:par>
+                </p:childTnLst>
+              </p:cTn>
+              <p:prevCondLst>
+                <p:cond evt="onPrev" delay="0">
+                  <p:tgtEl>
+                    <p:sldTgt/>
+                  </p:tgtEl>
+                </p:cond>
+              </p:prevCondLst>
+              <p:nextCondLst>
+                <p:cond evt="onNext" delay="0">
+                  <p:tgtEl>
+                    <p:sldTgt/>
+                  </p:tgtEl>
+                </p:cond>
+              </p:nextCondLst>
+            </p:seq>
+          </p:childTnLst>
+        </p:cTn>
+      </p:par>
+    </p:tnLst>
+    <p:bldLst>
+      <p:bldP spid="9" grpId="0"/>
+      <p:bldP spid="9" grpId="2"/>
+      <p:bldP spid="7" grpId="0" animBg="1"/>
+      <p:bldP spid="7" grpId="1" animBg="1"/>
+      <p:bldP spid="10" grpId="0"/>
+      <p:bldP spid="10" grpId="1"/>
+      <p:bldP spid="13" grpId="0" animBg="1"/>
+      <p:bldP spid="13" grpId="1" animBg="1"/>
+      <p:bldP spid="14" grpId="0"/>
+      <p:bldP spid="14" grpId="1"/>
+      <p:bldP spid="16" grpId="0"/>
+      <p:bldP spid="16" grpId="1"/>
+      <p:bldP spid="17" grpId="0"/>
+      <p:bldP spid="17" grpId="1"/>
+      <p:bldP spid="18" grpId="0"/>
+      <p:bldP spid="18" grpId="1"/>
+      <p:bldP spid="19" grpId="0"/>
+      <p:bldP spid="19" grpId="1"/>
+      <p:bldP spid="20" grpId="0"/>
+      <p:bldP spid="20" grpId="1"/>
+      <p:bldP spid="21" grpId="0"/>
+      <p:bldP spid="21" grpId="1"/>
+      <p:bldP spid="22" grpId="0"/>
+      <p:bldP spid="22" grpId="1"/>
+      <p:bldP spid="23" grpId="0"/>
+      <p:bldP spid="23" grpId="1"/>
+      <p:bldP spid="24" grpId="0"/>
+      <p:bldP spid="24" grpId="1"/>
+    </p:bldLst>
+  </p:timing>
 </p:sld>
 </file>
 
@@ -3388,7 +8370,7 @@
           <a:blip r:embed="rId2">
             <a:extLst>
               <a:ext uri="{28A0092B-C50C-407E-A947-70E740481C1C}">
-                <a14:useLocalDpi xmlns:a14="http://schemas.microsoft.com/office/drawing/2010/main" val="0"/>
+                <a14:useLocalDpi xmlns:a14="http://schemas.microsoft.com/office/drawing/2010/main" xmlns="" val="0"/>
               </a:ext>
             </a:extLst>
           </a:blip>
@@ -3406,16 +8388,716 @@
           </a:prstGeom>
         </p:spPr>
       </p:pic>
+      <p:sp>
+        <p:nvSpPr>
+          <p:cNvPr id="6" name="TextBox 5"/>
+          <p:cNvSpPr txBox="1"/>
+          <p:nvPr/>
+        </p:nvSpPr>
+        <p:spPr>
+          <a:xfrm>
+            <a:off x="2486025" y="723900"/>
+            <a:ext cx="4191000" cy="646331"/>
+          </a:xfrm>
+          <a:prstGeom prst="rect">
+            <a:avLst/>
+          </a:prstGeom>
+          <a:noFill/>
+        </p:spPr>
+        <p:txBody>
+          <a:bodyPr wrap="square" rtlCol="0">
+            <a:spAutoFit/>
+          </a:bodyPr>
+          <a:lstStyle/>
+          <a:p>
+            <a:r>
+              <a:rPr lang="zh-CN" altLang="en-US" sz="3600" dirty="0" smtClean="0"/>
+              <a:t>流程实现</a:t>
+            </a:r>
+            <a:endParaRPr lang="en-US" altLang="zh-CN" sz="3600" dirty="0" smtClean="0"/>
+          </a:p>
+        </p:txBody>
+      </p:sp>
+      <p:pic>
+        <p:nvPicPr>
+          <p:cNvPr id="3074" name="Picture 2" descr="D:\chaiyu\MyStudyProject\ppt图片\大流程图.bmp"/>
+          <p:cNvPicPr>
+            <a:picLocks noChangeAspect="1" noChangeArrowheads="1"/>
+          </p:cNvPicPr>
+          <p:nvPr/>
+        </p:nvPicPr>
+        <p:blipFill>
+          <a:blip r:embed="rId3"/>
+          <a:srcRect/>
+          <a:stretch>
+            <a:fillRect/>
+          </a:stretch>
+        </p:blipFill>
+        <p:spPr bwMode="auto">
+          <a:xfrm>
+            <a:off x="3057525" y="1456378"/>
+            <a:ext cx="5657850" cy="5044435"/>
+          </a:xfrm>
+          <a:prstGeom prst="rect">
+            <a:avLst/>
+          </a:prstGeom>
+          <a:noFill/>
+        </p:spPr>
+      </p:pic>
+      <p:sp>
+        <p:nvSpPr>
+          <p:cNvPr id="12" name="圆角矩形 11"/>
+          <p:cNvSpPr/>
+          <p:nvPr/>
+        </p:nvSpPr>
+        <p:spPr>
+          <a:xfrm>
+            <a:off x="5372100" y="3409950"/>
+            <a:ext cx="2257425" cy="2343150"/>
+          </a:xfrm>
+          <a:prstGeom prst="roundRect">
+            <a:avLst/>
+          </a:prstGeom>
+          <a:noFill/>
+          <a:ln w="50800">
+            <a:solidFill>
+              <a:srgbClr val="0070C0"/>
+            </a:solidFill>
+          </a:ln>
+        </p:spPr>
+        <p:style>
+          <a:lnRef idx="2">
+            <a:schemeClr val="accent1">
+              <a:shade val="50000"/>
+            </a:schemeClr>
+          </a:lnRef>
+          <a:fillRef idx="1">
+            <a:schemeClr val="accent1"/>
+          </a:fillRef>
+          <a:effectRef idx="0">
+            <a:schemeClr val="accent1"/>
+          </a:effectRef>
+          <a:fontRef idx="minor">
+            <a:schemeClr val="lt1"/>
+          </a:fontRef>
+        </p:style>
+        <p:txBody>
+          <a:bodyPr rtlCol="0" anchor="ctr"/>
+          <a:lstStyle/>
+          <a:p>
+            <a:pPr algn="ctr"/>
+            <a:endParaRPr lang="zh-CN" altLang="en-US"/>
+          </a:p>
+        </p:txBody>
+      </p:sp>
+      <p:sp>
+        <p:nvSpPr>
+          <p:cNvPr id="13" name="圆角矩形 12"/>
+          <p:cNvSpPr/>
+          <p:nvPr/>
+        </p:nvSpPr>
+        <p:spPr>
+          <a:xfrm>
+            <a:off x="3105150" y="3333750"/>
+            <a:ext cx="2143125" cy="2505075"/>
+          </a:xfrm>
+          <a:prstGeom prst="roundRect">
+            <a:avLst/>
+          </a:prstGeom>
+          <a:noFill/>
+          <a:ln w="44450">
+            <a:solidFill>
+              <a:srgbClr val="0070C0"/>
+            </a:solidFill>
+          </a:ln>
+        </p:spPr>
+        <p:style>
+          <a:lnRef idx="2">
+            <a:schemeClr val="accent1">
+              <a:shade val="50000"/>
+            </a:schemeClr>
+          </a:lnRef>
+          <a:fillRef idx="1">
+            <a:schemeClr val="accent1"/>
+          </a:fillRef>
+          <a:effectRef idx="0">
+            <a:schemeClr val="accent1"/>
+          </a:effectRef>
+          <a:fontRef idx="minor">
+            <a:schemeClr val="lt1"/>
+          </a:fontRef>
+        </p:style>
+        <p:txBody>
+          <a:bodyPr rtlCol="0" anchor="ctr"/>
+          <a:lstStyle/>
+          <a:p>
+            <a:pPr algn="ctr"/>
+            <a:endParaRPr lang="zh-CN" altLang="en-US"/>
+          </a:p>
+        </p:txBody>
+      </p:sp>
+      <p:cxnSp>
+        <p:nvCxnSpPr>
+          <p:cNvPr id="15" name="直接箭头连接符 14"/>
+          <p:cNvCxnSpPr/>
+          <p:nvPr/>
+        </p:nvCxnSpPr>
+        <p:spPr>
+          <a:xfrm>
+            <a:off x="2667000" y="2895600"/>
+            <a:ext cx="2638425" cy="419100"/>
+          </a:xfrm>
+          <a:prstGeom prst="straightConnector1">
+            <a:avLst/>
+          </a:prstGeom>
+          <a:ln w="44450">
+            <a:solidFill>
+              <a:srgbClr val="0070C0"/>
+            </a:solidFill>
+            <a:tailEnd type="arrow"/>
+          </a:ln>
+        </p:spPr>
+        <p:style>
+          <a:lnRef idx="1">
+            <a:schemeClr val="accent1"/>
+          </a:lnRef>
+          <a:fillRef idx="0">
+            <a:schemeClr val="accent1"/>
+          </a:fillRef>
+          <a:effectRef idx="0">
+            <a:schemeClr val="accent1"/>
+          </a:effectRef>
+          <a:fontRef idx="minor">
+            <a:schemeClr val="tx1"/>
+          </a:fontRef>
+        </p:style>
+      </p:cxnSp>
+      <p:sp>
+        <p:nvSpPr>
+          <p:cNvPr id="16" name="圆角矩形 15"/>
+          <p:cNvSpPr/>
+          <p:nvPr/>
+        </p:nvSpPr>
+        <p:spPr>
+          <a:xfrm>
+            <a:off x="790575" y="1895475"/>
+            <a:ext cx="1885950" cy="1304925"/>
+          </a:xfrm>
+          <a:prstGeom prst="roundRect">
+            <a:avLst/>
+          </a:prstGeom>
+        </p:spPr>
+        <p:style>
+          <a:lnRef idx="2">
+            <a:schemeClr val="accent1">
+              <a:shade val="50000"/>
+            </a:schemeClr>
+          </a:lnRef>
+          <a:fillRef idx="1">
+            <a:schemeClr val="accent1"/>
+          </a:fillRef>
+          <a:effectRef idx="0">
+            <a:schemeClr val="accent1"/>
+          </a:effectRef>
+          <a:fontRef idx="minor">
+            <a:schemeClr val="lt1"/>
+          </a:fontRef>
+        </p:style>
+        <p:txBody>
+          <a:bodyPr rtlCol="0" anchor="ctr"/>
+          <a:lstStyle/>
+          <a:p>
+            <a:r>
+              <a:rPr lang="zh-CN" altLang="en-US" sz="1000" dirty="0" smtClean="0"/>
+              <a:t>普通的方法不能够使得单词掉落的同时等待用户键盘的输入</a:t>
+            </a:r>
+            <a:r>
+              <a:rPr lang="en-US" altLang="zh-CN" sz="1000" dirty="0" smtClean="0"/>
+              <a:t>,</a:t>
+            </a:r>
+            <a:r>
+              <a:rPr lang="zh-CN" altLang="en-US" sz="1000" dirty="0" smtClean="0"/>
+              <a:t>此时使用多线程并行的方法来实现</a:t>
+            </a:r>
+            <a:r>
+              <a:rPr lang="en-US" altLang="zh-CN" sz="1000" dirty="0" smtClean="0"/>
+              <a:t>.</a:t>
+            </a:r>
+            <a:endParaRPr lang="zh-CN" altLang="en-US" sz="1000" dirty="0"/>
+          </a:p>
+        </p:txBody>
+      </p:sp>
     </p:spTree>
     <p:extLst>
       <p:ext uri="{BB962C8B-B14F-4D97-AF65-F5344CB8AC3E}">
-        <p14:creationId xmlns:p14="http://schemas.microsoft.com/office/powerpoint/2010/main" val="1300464209"/>
+        <p14:creationId xmlns:p14="http://schemas.microsoft.com/office/powerpoint/2010/main" xmlns="" val="1300464209"/>
       </p:ext>
     </p:extLst>
   </p:cSld>
   <p:clrMapOvr>
     <a:masterClrMapping/>
   </p:clrMapOvr>
+  <p:timing>
+    <p:tnLst>
+      <p:par>
+        <p:cTn id="1" dur="indefinite" restart="never" nodeType="tmRoot">
+          <p:childTnLst>
+            <p:seq concurrent="1" nextAc="seek">
+              <p:cTn id="2" dur="indefinite" nodeType="mainSeq">
+                <p:childTnLst>
+                  <p:par>
+                    <p:cTn id="3" fill="hold">
+                      <p:stCondLst>
+                        <p:cond delay="indefinite"/>
+                      </p:stCondLst>
+                      <p:childTnLst>
+                        <p:par>
+                          <p:cTn id="4" fill="hold">
+                            <p:stCondLst>
+                              <p:cond delay="0"/>
+                            </p:stCondLst>
+                            <p:childTnLst>
+                              <p:par>
+                                <p:cTn id="5" presetID="10" presetClass="entr" presetSubtype="0" fill="hold" nodeType="clickEffect">
+                                  <p:stCondLst>
+                                    <p:cond delay="0"/>
+                                  </p:stCondLst>
+                                  <p:childTnLst>
+                                    <p:set>
+                                      <p:cBhvr>
+                                        <p:cTn id="6" dur="1" fill="hold">
+                                          <p:stCondLst>
+                                            <p:cond delay="0"/>
+                                          </p:stCondLst>
+                                        </p:cTn>
+                                        <p:tgtEl>
+                                          <p:spTgt spid="3074"/>
+                                        </p:tgtEl>
+                                        <p:attrNameLst>
+                                          <p:attrName>style.visibility</p:attrName>
+                                        </p:attrNameLst>
+                                      </p:cBhvr>
+                                      <p:to>
+                                        <p:strVal val="visible"/>
+                                      </p:to>
+                                    </p:set>
+                                    <p:animEffect transition="in" filter="fade">
+                                      <p:cBhvr>
+                                        <p:cTn id="7" dur="1000"/>
+                                        <p:tgtEl>
+                                          <p:spTgt spid="3074"/>
+                                        </p:tgtEl>
+                                      </p:cBhvr>
+                                    </p:animEffect>
+                                  </p:childTnLst>
+                                </p:cTn>
+                              </p:par>
+                            </p:childTnLst>
+                          </p:cTn>
+                        </p:par>
+                      </p:childTnLst>
+                    </p:cTn>
+                  </p:par>
+                  <p:par>
+                    <p:cTn id="8" fill="hold">
+                      <p:stCondLst>
+                        <p:cond delay="indefinite"/>
+                      </p:stCondLst>
+                      <p:childTnLst>
+                        <p:par>
+                          <p:cTn id="9" fill="hold">
+                            <p:stCondLst>
+                              <p:cond delay="0"/>
+                            </p:stCondLst>
+                            <p:childTnLst>
+                              <p:par>
+                                <p:cTn id="10" presetID="10" presetClass="entr" presetSubtype="0" fill="hold" nodeType="clickEffect">
+                                  <p:stCondLst>
+                                    <p:cond delay="0"/>
+                                  </p:stCondLst>
+                                  <p:childTnLst>
+                                    <p:set>
+                                      <p:cBhvr>
+                                        <p:cTn id="11" dur="1" fill="hold">
+                                          <p:stCondLst>
+                                            <p:cond delay="0"/>
+                                          </p:stCondLst>
+                                        </p:cTn>
+                                        <p:tgtEl>
+                                          <p:spTgt spid="15"/>
+                                        </p:tgtEl>
+                                        <p:attrNameLst>
+                                          <p:attrName>style.visibility</p:attrName>
+                                        </p:attrNameLst>
+                                      </p:cBhvr>
+                                      <p:to>
+                                        <p:strVal val="visible"/>
+                                      </p:to>
+                                    </p:set>
+                                    <p:animEffect transition="in" filter="fade">
+                                      <p:cBhvr>
+                                        <p:cTn id="12" dur="1000"/>
+                                        <p:tgtEl>
+                                          <p:spTgt spid="15"/>
+                                        </p:tgtEl>
+                                      </p:cBhvr>
+                                    </p:animEffect>
+                                  </p:childTnLst>
+                                </p:cTn>
+                              </p:par>
+                            </p:childTnLst>
+                          </p:cTn>
+                        </p:par>
+                      </p:childTnLst>
+                    </p:cTn>
+                  </p:par>
+                  <p:par>
+                    <p:cTn id="13" fill="hold">
+                      <p:stCondLst>
+                        <p:cond delay="indefinite"/>
+                      </p:stCondLst>
+                      <p:childTnLst>
+                        <p:par>
+                          <p:cTn id="14" fill="hold">
+                            <p:stCondLst>
+                              <p:cond delay="0"/>
+                            </p:stCondLst>
+                            <p:childTnLst>
+                              <p:par>
+                                <p:cTn id="15" presetID="10" presetClass="entr" presetSubtype="0" fill="hold" grpId="0" nodeType="clickEffect">
+                                  <p:stCondLst>
+                                    <p:cond delay="0"/>
+                                  </p:stCondLst>
+                                  <p:childTnLst>
+                                    <p:set>
+                                      <p:cBhvr>
+                                        <p:cTn id="16" dur="1" fill="hold">
+                                          <p:stCondLst>
+                                            <p:cond delay="0"/>
+                                          </p:stCondLst>
+                                        </p:cTn>
+                                        <p:tgtEl>
+                                          <p:spTgt spid="16"/>
+                                        </p:tgtEl>
+                                        <p:attrNameLst>
+                                          <p:attrName>style.visibility</p:attrName>
+                                        </p:attrNameLst>
+                                      </p:cBhvr>
+                                      <p:to>
+                                        <p:strVal val="visible"/>
+                                      </p:to>
+                                    </p:set>
+                                    <p:animEffect transition="in" filter="fade">
+                                      <p:cBhvr>
+                                        <p:cTn id="17" dur="1000"/>
+                                        <p:tgtEl>
+                                          <p:spTgt spid="16"/>
+                                        </p:tgtEl>
+                                      </p:cBhvr>
+                                    </p:animEffect>
+                                  </p:childTnLst>
+                                </p:cTn>
+                              </p:par>
+                            </p:childTnLst>
+                          </p:cTn>
+                        </p:par>
+                      </p:childTnLst>
+                    </p:cTn>
+                  </p:par>
+                  <p:par>
+                    <p:cTn id="18" fill="hold">
+                      <p:stCondLst>
+                        <p:cond delay="indefinite"/>
+                      </p:stCondLst>
+                      <p:childTnLst>
+                        <p:par>
+                          <p:cTn id="19" fill="hold">
+                            <p:stCondLst>
+                              <p:cond delay="0"/>
+                            </p:stCondLst>
+                            <p:childTnLst>
+                              <p:par>
+                                <p:cTn id="20" presetID="10" presetClass="entr" presetSubtype="0" fill="hold" grpId="0" nodeType="clickEffect">
+                                  <p:stCondLst>
+                                    <p:cond delay="0"/>
+                                  </p:stCondLst>
+                                  <p:childTnLst>
+                                    <p:set>
+                                      <p:cBhvr>
+                                        <p:cTn id="21" dur="1" fill="hold">
+                                          <p:stCondLst>
+                                            <p:cond delay="0"/>
+                                          </p:stCondLst>
+                                        </p:cTn>
+                                        <p:tgtEl>
+                                          <p:spTgt spid="12"/>
+                                        </p:tgtEl>
+                                        <p:attrNameLst>
+                                          <p:attrName>style.visibility</p:attrName>
+                                        </p:attrNameLst>
+                                      </p:cBhvr>
+                                      <p:to>
+                                        <p:strVal val="visible"/>
+                                      </p:to>
+                                    </p:set>
+                                    <p:animEffect transition="in" filter="fade">
+                                      <p:cBhvr>
+                                        <p:cTn id="22" dur="1000"/>
+                                        <p:tgtEl>
+                                          <p:spTgt spid="12"/>
+                                        </p:tgtEl>
+                                      </p:cBhvr>
+                                    </p:animEffect>
+                                  </p:childTnLst>
+                                </p:cTn>
+                              </p:par>
+                            </p:childTnLst>
+                          </p:cTn>
+                        </p:par>
+                      </p:childTnLst>
+                    </p:cTn>
+                  </p:par>
+                  <p:par>
+                    <p:cTn id="23" fill="hold">
+                      <p:stCondLst>
+                        <p:cond delay="indefinite"/>
+                      </p:stCondLst>
+                      <p:childTnLst>
+                        <p:par>
+                          <p:cTn id="24" fill="hold">
+                            <p:stCondLst>
+                              <p:cond delay="0"/>
+                            </p:stCondLst>
+                            <p:childTnLst>
+                              <p:par>
+                                <p:cTn id="25" presetID="10" presetClass="exit" presetSubtype="0" fill="hold" grpId="1" nodeType="clickEffect">
+                                  <p:stCondLst>
+                                    <p:cond delay="0"/>
+                                  </p:stCondLst>
+                                  <p:childTnLst>
+                                    <p:animEffect transition="out" filter="fade">
+                                      <p:cBhvr>
+                                        <p:cTn id="26" dur="2000"/>
+                                        <p:tgtEl>
+                                          <p:spTgt spid="12"/>
+                                        </p:tgtEl>
+                                      </p:cBhvr>
+                                    </p:animEffect>
+                                    <p:set>
+                                      <p:cBhvr>
+                                        <p:cTn id="27" dur="1" fill="hold">
+                                          <p:stCondLst>
+                                            <p:cond delay="1999"/>
+                                          </p:stCondLst>
+                                        </p:cTn>
+                                        <p:tgtEl>
+                                          <p:spTgt spid="12"/>
+                                        </p:tgtEl>
+                                        <p:attrNameLst>
+                                          <p:attrName>style.visibility</p:attrName>
+                                        </p:attrNameLst>
+                                      </p:cBhvr>
+                                      <p:to>
+                                        <p:strVal val="hidden"/>
+                                      </p:to>
+                                    </p:set>
+                                  </p:childTnLst>
+                                </p:cTn>
+                              </p:par>
+                              <p:par>
+                                <p:cTn id="28" presetID="10" presetClass="entr" presetSubtype="0" fill="hold" grpId="0" nodeType="withEffect">
+                                  <p:stCondLst>
+                                    <p:cond delay="0"/>
+                                  </p:stCondLst>
+                                  <p:childTnLst>
+                                    <p:set>
+                                      <p:cBhvr>
+                                        <p:cTn id="29" dur="1" fill="hold">
+                                          <p:stCondLst>
+                                            <p:cond delay="0"/>
+                                          </p:stCondLst>
+                                        </p:cTn>
+                                        <p:tgtEl>
+                                          <p:spTgt spid="13"/>
+                                        </p:tgtEl>
+                                        <p:attrNameLst>
+                                          <p:attrName>style.visibility</p:attrName>
+                                        </p:attrNameLst>
+                                      </p:cBhvr>
+                                      <p:to>
+                                        <p:strVal val="visible"/>
+                                      </p:to>
+                                    </p:set>
+                                    <p:animEffect transition="in" filter="fade">
+                                      <p:cBhvr>
+                                        <p:cTn id="30" dur="1000"/>
+                                        <p:tgtEl>
+                                          <p:spTgt spid="13"/>
+                                        </p:tgtEl>
+                                      </p:cBhvr>
+                                    </p:animEffect>
+                                  </p:childTnLst>
+                                </p:cTn>
+                              </p:par>
+                            </p:childTnLst>
+                          </p:cTn>
+                        </p:par>
+                      </p:childTnLst>
+                    </p:cTn>
+                  </p:par>
+                  <p:par>
+                    <p:cTn id="31" fill="hold">
+                      <p:stCondLst>
+                        <p:cond delay="indefinite"/>
+                      </p:stCondLst>
+                      <p:childTnLst>
+                        <p:par>
+                          <p:cTn id="32" fill="hold">
+                            <p:stCondLst>
+                              <p:cond delay="0"/>
+                            </p:stCondLst>
+                            <p:childTnLst>
+                              <p:par>
+                                <p:cTn id="33" presetID="10" presetClass="exit" presetSubtype="0" fill="hold" grpId="1" nodeType="clickEffect">
+                                  <p:stCondLst>
+                                    <p:cond delay="0"/>
+                                  </p:stCondLst>
+                                  <p:childTnLst>
+                                    <p:animEffect transition="out" filter="fade">
+                                      <p:cBhvr>
+                                        <p:cTn id="34" dur="1000"/>
+                                        <p:tgtEl>
+                                          <p:spTgt spid="13"/>
+                                        </p:tgtEl>
+                                      </p:cBhvr>
+                                    </p:animEffect>
+                                    <p:set>
+                                      <p:cBhvr>
+                                        <p:cTn id="35" dur="1" fill="hold">
+                                          <p:stCondLst>
+                                            <p:cond delay="999"/>
+                                          </p:stCondLst>
+                                        </p:cTn>
+                                        <p:tgtEl>
+                                          <p:spTgt spid="13"/>
+                                        </p:tgtEl>
+                                        <p:attrNameLst>
+                                          <p:attrName>style.visibility</p:attrName>
+                                        </p:attrNameLst>
+                                      </p:cBhvr>
+                                      <p:to>
+                                        <p:strVal val="hidden"/>
+                                      </p:to>
+                                    </p:set>
+                                  </p:childTnLst>
+                                </p:cTn>
+                              </p:par>
+                              <p:par>
+                                <p:cTn id="36" presetID="10" presetClass="exit" presetSubtype="0" fill="hold" nodeType="withEffect">
+                                  <p:stCondLst>
+                                    <p:cond delay="0"/>
+                                  </p:stCondLst>
+                                  <p:childTnLst>
+                                    <p:animEffect transition="out" filter="fade">
+                                      <p:cBhvr>
+                                        <p:cTn id="37" dur="2000"/>
+                                        <p:tgtEl>
+                                          <p:spTgt spid="15"/>
+                                        </p:tgtEl>
+                                      </p:cBhvr>
+                                    </p:animEffect>
+                                    <p:set>
+                                      <p:cBhvr>
+                                        <p:cTn id="38" dur="1" fill="hold">
+                                          <p:stCondLst>
+                                            <p:cond delay="1999"/>
+                                          </p:stCondLst>
+                                        </p:cTn>
+                                        <p:tgtEl>
+                                          <p:spTgt spid="15"/>
+                                        </p:tgtEl>
+                                        <p:attrNameLst>
+                                          <p:attrName>style.visibility</p:attrName>
+                                        </p:attrNameLst>
+                                      </p:cBhvr>
+                                      <p:to>
+                                        <p:strVal val="hidden"/>
+                                      </p:to>
+                                    </p:set>
+                                  </p:childTnLst>
+                                </p:cTn>
+                              </p:par>
+                              <p:par>
+                                <p:cTn id="39" presetID="10" presetClass="exit" presetSubtype="0" fill="hold" grpId="1" nodeType="withEffect">
+                                  <p:stCondLst>
+                                    <p:cond delay="0"/>
+                                  </p:stCondLst>
+                                  <p:childTnLst>
+                                    <p:animEffect transition="out" filter="fade">
+                                      <p:cBhvr>
+                                        <p:cTn id="40" dur="1000"/>
+                                        <p:tgtEl>
+                                          <p:spTgt spid="16"/>
+                                        </p:tgtEl>
+                                      </p:cBhvr>
+                                    </p:animEffect>
+                                    <p:set>
+                                      <p:cBhvr>
+                                        <p:cTn id="41" dur="1" fill="hold">
+                                          <p:stCondLst>
+                                            <p:cond delay="999"/>
+                                          </p:stCondLst>
+                                        </p:cTn>
+                                        <p:tgtEl>
+                                          <p:spTgt spid="16"/>
+                                        </p:tgtEl>
+                                        <p:attrNameLst>
+                                          <p:attrName>style.visibility</p:attrName>
+                                        </p:attrNameLst>
+                                      </p:cBhvr>
+                                      <p:to>
+                                        <p:strVal val="hidden"/>
+                                      </p:to>
+                                    </p:set>
+                                  </p:childTnLst>
+                                </p:cTn>
+                              </p:par>
+                            </p:childTnLst>
+                          </p:cTn>
+                        </p:par>
+                      </p:childTnLst>
+                    </p:cTn>
+                  </p:par>
+                </p:childTnLst>
+              </p:cTn>
+              <p:prevCondLst>
+                <p:cond evt="onPrev" delay="0">
+                  <p:tgtEl>
+                    <p:sldTgt/>
+                  </p:tgtEl>
+                </p:cond>
+              </p:prevCondLst>
+              <p:nextCondLst>
+                <p:cond evt="onNext" delay="0">
+                  <p:tgtEl>
+                    <p:sldTgt/>
+                  </p:tgtEl>
+                </p:cond>
+              </p:nextCondLst>
+            </p:seq>
+          </p:childTnLst>
+        </p:cTn>
+      </p:par>
+    </p:tnLst>
+    <p:bldLst>
+      <p:bldP spid="12" grpId="0" animBg="1"/>
+      <p:bldP spid="12" grpId="1" animBg="1"/>
+      <p:bldP spid="13" grpId="0" animBg="1"/>
+      <p:bldP spid="13" grpId="1" animBg="1"/>
+      <p:bldP spid="16" grpId="0" animBg="1"/>
+      <p:bldP spid="16" grpId="1" animBg="1"/>
+    </p:bldLst>
+  </p:timing>
 </p:sld>
 </file>
 
@@ -3459,7 +9141,7 @@
           <a:blip r:embed="rId2">
             <a:extLst>
               <a:ext uri="{28A0092B-C50C-407E-A947-70E740481C1C}">
-                <a14:useLocalDpi xmlns:a14="http://schemas.microsoft.com/office/drawing/2010/main" val="0"/>
+                <a14:useLocalDpi xmlns:a14="http://schemas.microsoft.com/office/drawing/2010/main" xmlns="" val="0"/>
               </a:ext>
             </a:extLst>
           </a:blip>
@@ -3477,16 +9159,53 @@
           </a:prstGeom>
         </p:spPr>
       </p:pic>
+      <p:sp>
+        <p:nvSpPr>
+          <p:cNvPr id="8" name="TextBox 7"/>
+          <p:cNvSpPr txBox="1"/>
+          <p:nvPr/>
+        </p:nvSpPr>
+        <p:spPr>
+          <a:xfrm>
+            <a:off x="2486025" y="723900"/>
+            <a:ext cx="4191000" cy="646331"/>
+          </a:xfrm>
+          <a:prstGeom prst="rect">
+            <a:avLst/>
+          </a:prstGeom>
+          <a:noFill/>
+        </p:spPr>
+        <p:txBody>
+          <a:bodyPr wrap="square" rtlCol="0">
+            <a:spAutoFit/>
+          </a:bodyPr>
+          <a:lstStyle/>
+          <a:p>
+            <a:r>
+              <a:rPr lang="zh-CN" altLang="en-US" sz="3600" dirty="0" smtClean="0"/>
+              <a:t>函数介绍</a:t>
+            </a:r>
+            <a:endParaRPr lang="en-US" altLang="zh-CN" sz="3600" dirty="0" smtClean="0"/>
+          </a:p>
+        </p:txBody>
+      </p:sp>
     </p:spTree>
     <p:extLst>
       <p:ext uri="{BB962C8B-B14F-4D97-AF65-F5344CB8AC3E}">
-        <p14:creationId xmlns:p14="http://schemas.microsoft.com/office/powerpoint/2010/main" val="3867096939"/>
+        <p14:creationId xmlns:p14="http://schemas.microsoft.com/office/powerpoint/2010/main" xmlns="" val="3867096939"/>
       </p:ext>
     </p:extLst>
   </p:cSld>
   <p:clrMapOvr>
     <a:masterClrMapping/>
   </p:clrMapOvr>
+  <p:timing>
+    <p:tnLst>
+      <p:par>
+        <p:cTn id="1" dur="indefinite" restart="never" nodeType="tmRoot"/>
+      </p:par>
+    </p:tnLst>
+  </p:timing>
 </p:sld>
 </file>
 
@@ -3530,7 +9249,7 @@
           <a:blip r:embed="rId2">
             <a:extLst>
               <a:ext uri="{28A0092B-C50C-407E-A947-70E740481C1C}">
-                <a14:useLocalDpi xmlns:a14="http://schemas.microsoft.com/office/drawing/2010/main" val="0"/>
+                <a14:useLocalDpi xmlns:a14="http://schemas.microsoft.com/office/drawing/2010/main" xmlns="" val="0"/>
               </a:ext>
             </a:extLst>
           </a:blip>
@@ -3548,16 +9267,53 @@
           </a:prstGeom>
         </p:spPr>
       </p:pic>
+      <p:sp>
+        <p:nvSpPr>
+          <p:cNvPr id="6" name="TextBox 5"/>
+          <p:cNvSpPr txBox="1"/>
+          <p:nvPr/>
+        </p:nvSpPr>
+        <p:spPr>
+          <a:xfrm>
+            <a:off x="2486025" y="723900"/>
+            <a:ext cx="4191000" cy="646331"/>
+          </a:xfrm>
+          <a:prstGeom prst="rect">
+            <a:avLst/>
+          </a:prstGeom>
+          <a:noFill/>
+        </p:spPr>
+        <p:txBody>
+          <a:bodyPr wrap="square" rtlCol="0">
+            <a:spAutoFit/>
+          </a:bodyPr>
+          <a:lstStyle/>
+          <a:p>
+            <a:r>
+              <a:rPr lang="zh-CN" altLang="en-US" sz="3600" dirty="0" smtClean="0"/>
+              <a:t>问题简述</a:t>
+            </a:r>
+            <a:endParaRPr lang="en-US" altLang="zh-CN" sz="3600" dirty="0" smtClean="0"/>
+          </a:p>
+        </p:txBody>
+      </p:sp>
     </p:spTree>
     <p:extLst>
       <p:ext uri="{BB962C8B-B14F-4D97-AF65-F5344CB8AC3E}">
-        <p14:creationId xmlns:p14="http://schemas.microsoft.com/office/powerpoint/2010/main" val="3607553883"/>
+        <p14:creationId xmlns:p14="http://schemas.microsoft.com/office/powerpoint/2010/main" xmlns="" val="3607553883"/>
       </p:ext>
     </p:extLst>
   </p:cSld>
   <p:clrMapOvr>
     <a:masterClrMapping/>
   </p:clrMapOvr>
+  <p:timing>
+    <p:tnLst>
+      <p:par>
+        <p:cTn id="1" dur="indefinite" restart="never" nodeType="tmRoot"/>
+      </p:par>
+    </p:tnLst>
+  </p:timing>
 </p:sld>
 </file>
 
@@ -3601,7 +9357,7 @@
           <a:blip r:embed="rId2">
             <a:extLst>
               <a:ext uri="{28A0092B-C50C-407E-A947-70E740481C1C}">
-                <a14:useLocalDpi xmlns:a14="http://schemas.microsoft.com/office/drawing/2010/main" val="0"/>
+                <a14:useLocalDpi xmlns:a14="http://schemas.microsoft.com/office/drawing/2010/main" xmlns="" val="0"/>
               </a:ext>
             </a:extLst>
           </a:blip>
@@ -3619,16 +9375,53 @@
           </a:prstGeom>
         </p:spPr>
       </p:pic>
+      <p:sp>
+        <p:nvSpPr>
+          <p:cNvPr id="5" name="TextBox 4"/>
+          <p:cNvSpPr txBox="1"/>
+          <p:nvPr/>
+        </p:nvSpPr>
+        <p:spPr>
+          <a:xfrm>
+            <a:off x="2486025" y="723900"/>
+            <a:ext cx="4191000" cy="646331"/>
+          </a:xfrm>
+          <a:prstGeom prst="rect">
+            <a:avLst/>
+          </a:prstGeom>
+          <a:noFill/>
+        </p:spPr>
+        <p:txBody>
+          <a:bodyPr wrap="square" rtlCol="0">
+            <a:spAutoFit/>
+          </a:bodyPr>
+          <a:lstStyle/>
+          <a:p>
+            <a:r>
+              <a:rPr lang="zh-CN" altLang="en-US" sz="3600" dirty="0" smtClean="0"/>
+              <a:t>解决方案</a:t>
+            </a:r>
+            <a:endParaRPr lang="en-US" altLang="zh-CN" sz="3600" dirty="0" smtClean="0"/>
+          </a:p>
+        </p:txBody>
+      </p:sp>
     </p:spTree>
     <p:extLst>
       <p:ext uri="{BB962C8B-B14F-4D97-AF65-F5344CB8AC3E}">
-        <p14:creationId xmlns:p14="http://schemas.microsoft.com/office/powerpoint/2010/main" val="3104299286"/>
+        <p14:creationId xmlns:p14="http://schemas.microsoft.com/office/powerpoint/2010/main" xmlns="" val="3104299286"/>
       </p:ext>
     </p:extLst>
   </p:cSld>
   <p:clrMapOvr>
     <a:masterClrMapping/>
   </p:clrMapOvr>
+  <p:timing>
+    <p:tnLst>
+      <p:par>
+        <p:cTn id="1" dur="indefinite" restart="never" nodeType="tmRoot"/>
+      </p:par>
+    </p:tnLst>
+  </p:timing>
 </p:sld>
 </file>
 
@@ -3672,7 +9465,7 @@
           <a:blip r:embed="rId2">
             <a:extLst>
               <a:ext uri="{28A0092B-C50C-407E-A947-70E740481C1C}">
-                <a14:useLocalDpi xmlns:a14="http://schemas.microsoft.com/office/drawing/2010/main" val="0"/>
+                <a14:useLocalDpi xmlns:a14="http://schemas.microsoft.com/office/drawing/2010/main" xmlns="" val="0"/>
               </a:ext>
             </a:extLst>
           </a:blip>
@@ -3690,16 +9483,53 @@
           </a:prstGeom>
         </p:spPr>
       </p:pic>
+      <p:sp>
+        <p:nvSpPr>
+          <p:cNvPr id="3" name="TextBox 2"/>
+          <p:cNvSpPr txBox="1"/>
+          <p:nvPr/>
+        </p:nvSpPr>
+        <p:spPr>
+          <a:xfrm>
+            <a:off x="2486025" y="723900"/>
+            <a:ext cx="4191000" cy="646331"/>
+          </a:xfrm>
+          <a:prstGeom prst="rect">
+            <a:avLst/>
+          </a:prstGeom>
+          <a:noFill/>
+        </p:spPr>
+        <p:txBody>
+          <a:bodyPr wrap="square" rtlCol="0">
+            <a:spAutoFit/>
+          </a:bodyPr>
+          <a:lstStyle/>
+          <a:p>
+            <a:r>
+              <a:rPr lang="zh-CN" altLang="en-US" sz="3600" dirty="0" smtClean="0"/>
+              <a:t>功能扩展</a:t>
+            </a:r>
+            <a:endParaRPr lang="en-US" altLang="zh-CN" sz="3600" dirty="0" smtClean="0"/>
+          </a:p>
+        </p:txBody>
+      </p:sp>
     </p:spTree>
     <p:extLst>
       <p:ext uri="{BB962C8B-B14F-4D97-AF65-F5344CB8AC3E}">
-        <p14:creationId xmlns:p14="http://schemas.microsoft.com/office/powerpoint/2010/main" val="582948142"/>
+        <p14:creationId xmlns:p14="http://schemas.microsoft.com/office/powerpoint/2010/main" xmlns="" val="582948142"/>
       </p:ext>
     </p:extLst>
   </p:cSld>
   <p:clrMapOvr>
     <a:masterClrMapping/>
   </p:clrMapOvr>
+  <p:timing>
+    <p:tnLst>
+      <p:par>
+        <p:cTn id="1" dur="indefinite" restart="never" nodeType="tmRoot"/>
+      </p:par>
+    </p:tnLst>
+  </p:timing>
 </p:sld>
 </file>
 
@@ -3743,7 +9573,7 @@
           <a:blip r:embed="rId2">
             <a:extLst>
               <a:ext uri="{28A0092B-C50C-407E-A947-70E740481C1C}">
-                <a14:useLocalDpi xmlns:a14="http://schemas.microsoft.com/office/drawing/2010/main" val="0"/>
+                <a14:useLocalDpi xmlns:a14="http://schemas.microsoft.com/office/drawing/2010/main" xmlns="" val="0"/>
               </a:ext>
             </a:extLst>
           </a:blip>
@@ -3761,16 +9591,53 @@
           </a:prstGeom>
         </p:spPr>
       </p:pic>
+      <p:sp>
+        <p:nvSpPr>
+          <p:cNvPr id="3" name="TextBox 2"/>
+          <p:cNvSpPr txBox="1"/>
+          <p:nvPr/>
+        </p:nvSpPr>
+        <p:spPr>
+          <a:xfrm>
+            <a:off x="2486025" y="723900"/>
+            <a:ext cx="4191000" cy="646331"/>
+          </a:xfrm>
+          <a:prstGeom prst="rect">
+            <a:avLst/>
+          </a:prstGeom>
+          <a:noFill/>
+        </p:spPr>
+        <p:txBody>
+          <a:bodyPr wrap="square" rtlCol="0">
+            <a:spAutoFit/>
+          </a:bodyPr>
+          <a:lstStyle/>
+          <a:p>
+            <a:r>
+              <a:rPr lang="zh-CN" altLang="en-US" sz="3600" dirty="0" smtClean="0"/>
+              <a:t>项目收获</a:t>
+            </a:r>
+            <a:endParaRPr lang="en-US" altLang="zh-CN" sz="3600" dirty="0" smtClean="0"/>
+          </a:p>
+        </p:txBody>
+      </p:sp>
     </p:spTree>
     <p:extLst>
       <p:ext uri="{BB962C8B-B14F-4D97-AF65-F5344CB8AC3E}">
-        <p14:creationId xmlns:p14="http://schemas.microsoft.com/office/powerpoint/2010/main" val="3765624363"/>
+        <p14:creationId xmlns:p14="http://schemas.microsoft.com/office/powerpoint/2010/main" xmlns="" val="3765624363"/>
       </p:ext>
     </p:extLst>
   </p:cSld>
   <p:clrMapOvr>
     <a:masterClrMapping/>
   </p:clrMapOvr>
+  <p:timing>
+    <p:tnLst>
+      <p:par>
+        <p:cTn id="1" dur="indefinite" restart="never" nodeType="tmRoot"/>
+      </p:par>
+    </p:tnLst>
+  </p:timing>
 </p:sld>
 </file>
 
@@ -3817,7 +9684,7 @@
     </a:clrScheme>
     <a:fontScheme name="Office">
       <a:majorFont>
-        <a:latin typeface="Calibri Light" panose="020F0302020204030204"/>
+        <a:latin typeface="Calibri Light"/>
         <a:ea typeface=""/>
         <a:cs typeface=""/>
         <a:font script="Jpan" typeface="ＭＳ Ｐゴシック"/>
@@ -3852,7 +9719,7 @@
         <a:font script="Geor" typeface="Sylfaen"/>
       </a:majorFont>
       <a:minorFont>
-        <a:latin typeface="Calibri" panose="020F0502020204030204"/>
+        <a:latin typeface="Calibri"/>
         <a:ea typeface=""/>
         <a:cs typeface=""/>
         <a:font script="Jpan" typeface="ＭＳ Ｐゴシック"/>
@@ -4029,7 +9896,7 @@
   <a:extraClrSchemeLst/>
   <a:extLst>
     <a:ext uri="{05A4C25C-085E-4340-85A3-A5531E510DB2}">
-      <thm15:themeFamily xmlns:thm15="http://schemas.microsoft.com/office/thememl/2012/main" name="Office Theme" id="{62F939B6-93AF-4DB8-9C6B-D6C7DFDC589F}" vid="{4A3C46E8-61CC-4603-A589-7422A47A8E4A}"/>
+      <thm15:themeFamily xmlns:thm15="http://schemas.microsoft.com/office/thememl/2012/main" xmlns="" name="Office Theme" id="{62F939B6-93AF-4DB8-9C6B-D6C7DFDC589F}" vid="{4A3C46E8-61CC-4603-A589-7422A47A8E4A}"/>
     </a:ext>
   </a:extLst>
 </a:theme>

--- a/演示文稿1.pptx
+++ b/演示文稿1.pptx
@@ -300,7 +300,7 @@
     </p:spTree>
     <p:extLst>
       <p:ext uri="{BB962C8B-B14F-4D97-AF65-F5344CB8AC3E}">
-        <p14:creationId xmlns:p14="http://schemas.microsoft.com/office/powerpoint/2010/main" xmlns="" val="3520789796"/>
+        <p14:creationId xmlns="" xmlns:p14="http://schemas.microsoft.com/office/powerpoint/2010/main" val="3520789796"/>
       </p:ext>
     </p:extLst>
   </p:cSld>
@@ -472,7 +472,7 @@
     </p:spTree>
     <p:extLst>
       <p:ext uri="{BB962C8B-B14F-4D97-AF65-F5344CB8AC3E}">
-        <p14:creationId xmlns:p14="http://schemas.microsoft.com/office/powerpoint/2010/main" xmlns="" val="2247429032"/>
+        <p14:creationId xmlns="" xmlns:p14="http://schemas.microsoft.com/office/powerpoint/2010/main" val="2247429032"/>
       </p:ext>
     </p:extLst>
   </p:cSld>
@@ -654,7 +654,7 @@
     </p:spTree>
     <p:extLst>
       <p:ext uri="{BB962C8B-B14F-4D97-AF65-F5344CB8AC3E}">
-        <p14:creationId xmlns:p14="http://schemas.microsoft.com/office/powerpoint/2010/main" xmlns="" val="3639564044"/>
+        <p14:creationId xmlns="" xmlns:p14="http://schemas.microsoft.com/office/powerpoint/2010/main" val="3639564044"/>
       </p:ext>
     </p:extLst>
   </p:cSld>
@@ -826,7 +826,7 @@
     </p:spTree>
     <p:extLst>
       <p:ext uri="{BB962C8B-B14F-4D97-AF65-F5344CB8AC3E}">
-        <p14:creationId xmlns:p14="http://schemas.microsoft.com/office/powerpoint/2010/main" xmlns="" val="1425107319"/>
+        <p14:creationId xmlns="" xmlns:p14="http://schemas.microsoft.com/office/powerpoint/2010/main" val="1425107319"/>
       </p:ext>
     </p:extLst>
   </p:cSld>
@@ -1074,7 +1074,7 @@
     </p:spTree>
     <p:extLst>
       <p:ext uri="{BB962C8B-B14F-4D97-AF65-F5344CB8AC3E}">
-        <p14:creationId xmlns:p14="http://schemas.microsoft.com/office/powerpoint/2010/main" xmlns="" val="19894908"/>
+        <p14:creationId xmlns="" xmlns:p14="http://schemas.microsoft.com/office/powerpoint/2010/main" val="19894908"/>
       </p:ext>
     </p:extLst>
   </p:cSld>
@@ -1308,7 +1308,7 @@
     </p:spTree>
     <p:extLst>
       <p:ext uri="{BB962C8B-B14F-4D97-AF65-F5344CB8AC3E}">
-        <p14:creationId xmlns:p14="http://schemas.microsoft.com/office/powerpoint/2010/main" xmlns="" val="198632400"/>
+        <p14:creationId xmlns="" xmlns:p14="http://schemas.microsoft.com/office/powerpoint/2010/main" val="198632400"/>
       </p:ext>
     </p:extLst>
   </p:cSld>
@@ -1677,7 +1677,7 @@
     </p:spTree>
     <p:extLst>
       <p:ext uri="{BB962C8B-B14F-4D97-AF65-F5344CB8AC3E}">
-        <p14:creationId xmlns:p14="http://schemas.microsoft.com/office/powerpoint/2010/main" xmlns="" val="748232851"/>
+        <p14:creationId xmlns="" xmlns:p14="http://schemas.microsoft.com/office/powerpoint/2010/main" val="748232851"/>
       </p:ext>
     </p:extLst>
   </p:cSld>
@@ -1797,7 +1797,7 @@
     </p:spTree>
     <p:extLst>
       <p:ext uri="{BB962C8B-B14F-4D97-AF65-F5344CB8AC3E}">
-        <p14:creationId xmlns:p14="http://schemas.microsoft.com/office/powerpoint/2010/main" xmlns="" val="1762628761"/>
+        <p14:creationId xmlns="" xmlns:p14="http://schemas.microsoft.com/office/powerpoint/2010/main" val="1762628761"/>
       </p:ext>
     </p:extLst>
   </p:cSld>
@@ -1894,7 +1894,7 @@
     </p:spTree>
     <p:extLst>
       <p:ext uri="{BB962C8B-B14F-4D97-AF65-F5344CB8AC3E}">
-        <p14:creationId xmlns:p14="http://schemas.microsoft.com/office/powerpoint/2010/main" xmlns="" val="2577149495"/>
+        <p14:creationId xmlns="" xmlns:p14="http://schemas.microsoft.com/office/powerpoint/2010/main" val="2577149495"/>
       </p:ext>
     </p:extLst>
   </p:cSld>
@@ -2173,7 +2173,7 @@
     </p:spTree>
     <p:extLst>
       <p:ext uri="{BB962C8B-B14F-4D97-AF65-F5344CB8AC3E}">
-        <p14:creationId xmlns:p14="http://schemas.microsoft.com/office/powerpoint/2010/main" xmlns="" val="2968106356"/>
+        <p14:creationId xmlns="" xmlns:p14="http://schemas.microsoft.com/office/powerpoint/2010/main" val="2968106356"/>
       </p:ext>
     </p:extLst>
   </p:cSld>
@@ -2428,7 +2428,7 @@
     </p:spTree>
     <p:extLst>
       <p:ext uri="{BB962C8B-B14F-4D97-AF65-F5344CB8AC3E}">
-        <p14:creationId xmlns:p14="http://schemas.microsoft.com/office/powerpoint/2010/main" xmlns="" val="1613032852"/>
+        <p14:creationId xmlns="" xmlns:p14="http://schemas.microsoft.com/office/powerpoint/2010/main" val="1613032852"/>
       </p:ext>
     </p:extLst>
   </p:cSld>
@@ -2679,7 +2679,7 @@
     </p:spTree>
     <p:extLst>
       <p:ext uri="{BB962C8B-B14F-4D97-AF65-F5344CB8AC3E}">
-        <p14:creationId xmlns:p14="http://schemas.microsoft.com/office/powerpoint/2010/main" xmlns="" val="3760445306"/>
+        <p14:creationId xmlns="" xmlns:p14="http://schemas.microsoft.com/office/powerpoint/2010/main" val="3760445306"/>
       </p:ext>
     </p:extLst>
   </p:cSld>
@@ -3179,7 +3179,7 @@
     </p:spTree>
     <p:extLst>
       <p:ext uri="{BB962C8B-B14F-4D97-AF65-F5344CB8AC3E}">
-        <p14:creationId xmlns:p14="http://schemas.microsoft.com/office/powerpoint/2010/main" xmlns="" val="2763567643"/>
+        <p14:creationId xmlns="" xmlns:p14="http://schemas.microsoft.com/office/powerpoint/2010/main" val="2763567643"/>
       </p:ext>
     </p:extLst>
   </p:cSld>
@@ -3227,7 +3227,7 @@
     </p:spTree>
     <p:extLst>
       <p:ext uri="{BB962C8B-B14F-4D97-AF65-F5344CB8AC3E}">
-        <p14:creationId xmlns:p14="http://schemas.microsoft.com/office/powerpoint/2010/main" xmlns="" val="1873029179"/>
+        <p14:creationId xmlns="" xmlns:p14="http://schemas.microsoft.com/office/powerpoint/2010/main" val="1873029179"/>
       </p:ext>
     </p:extLst>
   </p:cSld>
@@ -3274,10 +3274,10 @@
           <p:nvPr/>
         </p:nvPicPr>
         <p:blipFill>
-          <a:blip r:embed="rId2">
+          <a:blip r:embed="rId2" cstate="print">
             <a:extLst>
               <a:ext uri="{28A0092B-C50C-407E-A947-70E740481C1C}">
-                <a14:useLocalDpi xmlns:a14="http://schemas.microsoft.com/office/drawing/2010/main" xmlns="" val="0"/>
+                <a14:useLocalDpi xmlns="" xmlns:a14="http://schemas.microsoft.com/office/drawing/2010/main" val="0"/>
               </a:ext>
             </a:extLst>
           </a:blip>
@@ -3304,7 +3304,7 @@
           <p:nvPr/>
         </p:nvPicPr>
         <p:blipFill>
-          <a:blip r:embed="rId3"/>
+          <a:blip r:embed="rId3" cstate="print"/>
           <a:srcRect/>
           <a:stretch>
             <a:fillRect/>
@@ -3351,70 +3351,6 @@
           </a:p>
         </p:txBody>
       </p:sp>
-      <p:sp>
-        <p:nvSpPr>
-          <p:cNvPr id="6" name="TextBox 5"/>
-          <p:cNvSpPr txBox="1"/>
-          <p:nvPr/>
-        </p:nvSpPr>
-        <p:spPr>
-          <a:xfrm>
-            <a:off x="2181226" y="2257425"/>
-            <a:ext cx="1333500" cy="369332"/>
-          </a:xfrm>
-          <a:prstGeom prst="rect">
-            <a:avLst/>
-          </a:prstGeom>
-          <a:noFill/>
-        </p:spPr>
-        <p:txBody>
-          <a:bodyPr wrap="square" rtlCol="0">
-            <a:spAutoFit/>
-          </a:bodyPr>
-          <a:lstStyle/>
-          <a:p>
-            <a:r>
-              <a:rPr lang="zh-CN" altLang="en-US" dirty="0" smtClean="0"/>
-              <a:t>打字游戏是</a:t>
-            </a:r>
-            <a:endParaRPr lang="zh-CN" altLang="en-US" dirty="0"/>
-          </a:p>
-        </p:txBody>
-      </p:sp>
-      <p:sp>
-        <p:nvSpPr>
-          <p:cNvPr id="8" name="TextBox 7"/>
-          <p:cNvSpPr txBox="1"/>
-          <p:nvPr/>
-        </p:nvSpPr>
-        <p:spPr>
-          <a:xfrm>
-            <a:off x="3324225" y="2257425"/>
-            <a:ext cx="723900" cy="369332"/>
-          </a:xfrm>
-          <a:prstGeom prst="rect">
-            <a:avLst/>
-          </a:prstGeom>
-          <a:noFill/>
-        </p:spPr>
-        <p:txBody>
-          <a:bodyPr wrap="square" rtlCol="0">
-            <a:spAutoFit/>
-          </a:bodyPr>
-          <a:lstStyle/>
-          <a:p>
-            <a:r>
-              <a:rPr lang="zh-CN" altLang="en-US" dirty="0" smtClean="0"/>
-              <a:t>什么</a:t>
-            </a:r>
-            <a:r>
-              <a:rPr lang="en-US" altLang="zh-CN" dirty="0" smtClean="0"/>
-              <a:t>?</a:t>
-            </a:r>
-            <a:endParaRPr lang="zh-CN" altLang="en-US" dirty="0"/>
-          </a:p>
-        </p:txBody>
-      </p:sp>
       <p:pic>
         <p:nvPicPr>
           <p:cNvPr id="1027" name="Picture 3" descr="D:\chaiyu\MyStudyProject\ppt图片\helloworld下落.bmp"/>
@@ -3424,7 +3360,7 @@
           <p:nvPr/>
         </p:nvPicPr>
         <p:blipFill>
-          <a:blip r:embed="rId4"/>
+          <a:blip r:embed="rId4" cstate="print"/>
           <a:srcRect/>
           <a:stretch>
             <a:fillRect/>
@@ -3450,7 +3386,7 @@
           <p:nvPr/>
         </p:nvPicPr>
         <p:blipFill>
-          <a:blip r:embed="rId5"/>
+          <a:blip r:embed="rId5" cstate="print"/>
           <a:srcRect/>
           <a:stretch>
             <a:fillRect/>
@@ -3830,7 +3766,7 @@
     </p:spTree>
     <p:extLst>
       <p:ext uri="{BB962C8B-B14F-4D97-AF65-F5344CB8AC3E}">
-        <p14:creationId xmlns:p14="http://schemas.microsoft.com/office/powerpoint/2010/main" xmlns="" val="2417441425"/>
+        <p14:creationId xmlns="" xmlns:p14="http://schemas.microsoft.com/office/powerpoint/2010/main" val="2417441425"/>
       </p:ext>
     </p:extLst>
   </p:cSld>
@@ -3858,97 +3794,14 @@
                             </p:stCondLst>
                             <p:childTnLst>
                               <p:par>
-                                <p:cTn id="5" presetID="10" presetClass="exit" presetSubtype="0" fill="hold" grpId="0" nodeType="clickEffect">
-                                  <p:stCondLst>
-                                    <p:cond delay="0"/>
-                                  </p:stCondLst>
-                                  <p:childTnLst>
-                                    <p:animEffect transition="out" filter="fade">
-                                      <p:cBhvr>
-                                        <p:cTn id="6" dur="500"/>
-                                        <p:tgtEl>
-                                          <p:spTgt spid="8"/>
-                                        </p:tgtEl>
-                                      </p:cBhvr>
-                                    </p:animEffect>
-                                    <p:set>
-                                      <p:cBhvr>
-                                        <p:cTn id="7" dur="1" fill="hold">
-                                          <p:stCondLst>
-                                            <p:cond delay="499"/>
-                                          </p:stCondLst>
-                                        </p:cTn>
-                                        <p:tgtEl>
-                                          <p:spTgt spid="8"/>
-                                        </p:tgtEl>
-                                        <p:attrNameLst>
-                                          <p:attrName>style.visibility</p:attrName>
-                                        </p:attrNameLst>
-                                      </p:cBhvr>
-                                      <p:to>
-                                        <p:strVal val="hidden"/>
-                                      </p:to>
-                                    </p:set>
-                                  </p:childTnLst>
-                                </p:cTn>
-                              </p:par>
-                            </p:childTnLst>
-                          </p:cTn>
-                        </p:par>
-                        <p:par>
-                          <p:cTn id="8" fill="hold">
-                            <p:stCondLst>
-                              <p:cond delay="500"/>
-                            </p:stCondLst>
-                            <p:childTnLst>
-                              <p:par>
-                                <p:cTn id="9" presetID="0" presetClass="path" presetSubtype="0" accel="50000" decel="50000" fill="hold" grpId="0" nodeType="afterEffect">
-                                  <p:stCondLst>
-                                    <p:cond delay="0"/>
-                                  </p:stCondLst>
-                                  <p:childTnLst>
-                                    <p:animMotion origin="layout" path="M -3.75E-6 -4.81481E-6 L -3.75E-6 -0.07639 " pathEditMode="relative" ptsTypes="AA">
-                                      <p:cBhvr>
-                                        <p:cTn id="10" dur="1000" fill="hold"/>
-                                        <p:tgtEl>
-                                          <p:spTgt spid="6"/>
-                                        </p:tgtEl>
-                                        <p:attrNameLst>
-                                          <p:attrName>ppt_x</p:attrName>
-                                          <p:attrName>ppt_y</p:attrName>
-                                        </p:attrNameLst>
-                                      </p:cBhvr>
-                                    </p:animMotion>
-                                  </p:childTnLst>
-                                </p:cTn>
-                              </p:par>
-                            </p:childTnLst>
-                          </p:cTn>
-                        </p:par>
-                      </p:childTnLst>
-                    </p:cTn>
-                  </p:par>
-                  <p:par>
-                    <p:cTn id="11" fill="hold">
-                      <p:stCondLst>
-                        <p:cond delay="indefinite"/>
-                      </p:stCondLst>
-                      <p:childTnLst>
-                        <p:par>
-                          <p:cTn id="12" fill="hold">
-                            <p:stCondLst>
-                              <p:cond delay="0"/>
-                            </p:stCondLst>
-                            <p:childTnLst>
-                              <p:par>
-                                <p:cTn id="13" presetID="2" presetClass="entr" presetSubtype="8" fill="hold" nodeType="clickEffect">
+                                <p:cTn id="5" presetID="2" presetClass="entr" presetSubtype="8" fill="hold" nodeType="clickEffect">
                                   <p:stCondLst>
                                     <p:cond delay="0"/>
                                   </p:stCondLst>
                                   <p:childTnLst>
                                     <p:set>
                                       <p:cBhvr>
-                                        <p:cTn id="14" dur="1" fill="hold">
+                                        <p:cTn id="6" dur="1" fill="hold">
                                           <p:stCondLst>
                                             <p:cond delay="0"/>
                                           </p:stCondLst>
@@ -3966,7 +3819,7 @@
                                     </p:set>
                                     <p:anim calcmode="lin" valueType="num">
                                       <p:cBhvr additive="base">
-                                        <p:cTn id="15" dur="1000" fill="hold"/>
+                                        <p:cTn id="7" dur="1000" fill="hold"/>
                                         <p:tgtEl>
                                           <p:spTgt spid="1026"/>
                                         </p:tgtEl>
@@ -3989,7 +3842,7 @@
                                     </p:anim>
                                     <p:anim calcmode="lin" valueType="num">
                                       <p:cBhvr additive="base">
-                                        <p:cTn id="16" dur="1000" fill="hold"/>
+                                        <p:cTn id="8" dur="1000" fill="hold"/>
                                         <p:tgtEl>
                                           <p:spTgt spid="1026"/>
                                         </p:tgtEl>
@@ -4017,20 +3870,20 @@
                           </p:cTn>
                         </p:par>
                         <p:par>
-                          <p:cTn id="17" fill="hold">
+                          <p:cTn id="9" fill="hold">
                             <p:stCondLst>
                               <p:cond delay="1000"/>
                             </p:stCondLst>
                             <p:childTnLst>
                               <p:par>
-                                <p:cTn id="18" presetID="10" presetClass="entr" presetSubtype="0" fill="hold" nodeType="afterEffect">
+                                <p:cTn id="10" presetID="10" presetClass="entr" presetSubtype="0" fill="hold" nodeType="afterEffect">
                                   <p:stCondLst>
                                     <p:cond delay="0"/>
                                   </p:stCondLst>
                                   <p:childTnLst>
                                     <p:set>
                                       <p:cBhvr>
-                                        <p:cTn id="19" dur="1" fill="hold">
+                                        <p:cTn id="11" dur="1" fill="hold">
                                           <p:stCondLst>
                                             <p:cond delay="0"/>
                                           </p:stCondLst>
@@ -4048,7 +3901,7 @@
                                     </p:set>
                                     <p:animEffect transition="in" filter="fade">
                                       <p:cBhvr>
-                                        <p:cTn id="20" dur="500"/>
+                                        <p:cTn id="12" dur="500"/>
                                         <p:tgtEl>
                                           <p:spTgt spid="1027"/>
                                         </p:tgtEl>
@@ -4061,20 +3914,20 @@
                           </p:cTn>
                         </p:par>
                         <p:par>
-                          <p:cTn id="21" fill="hold">
+                          <p:cTn id="13" fill="hold">
                             <p:stCondLst>
                               <p:cond delay="1500"/>
                             </p:stCondLst>
                             <p:childTnLst>
                               <p:par>
-                                <p:cTn id="22" presetID="0" presetClass="path" presetSubtype="0" accel="50000" decel="50000" fill="hold" nodeType="afterEffect">
+                                <p:cTn id="14" presetID="0" presetClass="path" presetSubtype="0" accel="50000" decel="50000" fill="hold" nodeType="afterEffect">
                                   <p:stCondLst>
                                     <p:cond delay="300"/>
                                   </p:stCondLst>
                                   <p:childTnLst>
                                     <p:animMotion origin="layout" path="M -3.75E-6 2.22222E-6 L -3.75E-6 0.03611 " pathEditMode="relative" rAng="0" ptsTypes="AA">
                                       <p:cBhvr>
-                                        <p:cTn id="23" dur="500" fill="hold"/>
+                                        <p:cTn id="15" dur="500" fill="hold"/>
                                         <p:tgtEl>
                                           <p:spTgt spid="1027"/>
                                         </p:tgtEl>
@@ -4092,20 +3945,20 @@
                           </p:cTn>
                         </p:par>
                         <p:par>
-                          <p:cTn id="24" fill="hold">
+                          <p:cTn id="16" fill="hold">
                             <p:stCondLst>
                               <p:cond delay="2300"/>
                             </p:stCondLst>
                             <p:childTnLst>
                               <p:par>
-                                <p:cTn id="25" presetID="0" presetClass="path" presetSubtype="0" accel="50000" decel="50000" fill="hold" nodeType="afterEffect">
+                                <p:cTn id="17" presetID="0" presetClass="path" presetSubtype="0" accel="50000" decel="50000" fill="hold" nodeType="afterEffect">
                                   <p:stCondLst>
                                     <p:cond delay="300"/>
                                   </p:stCondLst>
                                   <p:childTnLst>
                                     <p:animMotion origin="layout" path="M -3.75E-6 0.03611 L -3.75E-6 0.06528 " pathEditMode="relative" rAng="0" ptsTypes="AA">
                                       <p:cBhvr>
-                                        <p:cTn id="26" dur="500" fill="hold"/>
+                                        <p:cTn id="18" dur="500" fill="hold"/>
                                         <p:tgtEl>
                                           <p:spTgt spid="1027"/>
                                         </p:tgtEl>
@@ -4123,20 +3976,20 @@
                           </p:cTn>
                         </p:par>
                         <p:par>
-                          <p:cTn id="27" fill="hold">
+                          <p:cTn id="19" fill="hold">
                             <p:stCondLst>
                               <p:cond delay="3100"/>
                             </p:stCondLst>
                             <p:childTnLst>
                               <p:par>
-                                <p:cTn id="28" presetID="0" presetClass="path" presetSubtype="0" accel="50000" decel="50000" fill="hold" nodeType="afterEffect">
+                                <p:cTn id="20" presetID="0" presetClass="path" presetSubtype="0" accel="50000" decel="50000" fill="hold" nodeType="afterEffect">
                                   <p:stCondLst>
                                     <p:cond delay="300"/>
                                   </p:stCondLst>
                                   <p:childTnLst>
                                     <p:animMotion origin="layout" path="M 1.25E-6 0.06527 L 1.25E-6 0.09583 " pathEditMode="relative" rAng="0" ptsTypes="AA">
                                       <p:cBhvr>
-                                        <p:cTn id="29" dur="500" fill="hold"/>
+                                        <p:cTn id="21" dur="500" fill="hold"/>
                                         <p:tgtEl>
                                           <p:spTgt spid="1027"/>
                                         </p:tgtEl>
@@ -4154,20 +4007,20 @@
                           </p:cTn>
                         </p:par>
                         <p:par>
-                          <p:cTn id="30" fill="hold">
+                          <p:cTn id="22" fill="hold">
                             <p:stCondLst>
                               <p:cond delay="3900"/>
                             </p:stCondLst>
                             <p:childTnLst>
                               <p:par>
-                                <p:cTn id="31" presetID="0" presetClass="path" presetSubtype="0" accel="50000" decel="50000" fill="hold" nodeType="afterEffect">
+                                <p:cTn id="23" presetID="0" presetClass="path" presetSubtype="0" accel="50000" decel="50000" fill="hold" nodeType="afterEffect">
                                   <p:stCondLst>
                                     <p:cond delay="300"/>
                                   </p:stCondLst>
                                   <p:childTnLst>
                                     <p:animMotion origin="layout" path="M 5.55112E-17 0.09583 L 5.55112E-17 0.12638 " pathEditMode="relative" rAng="0" ptsTypes="AA">
                                       <p:cBhvr>
-                                        <p:cTn id="32" dur="500" fill="hold"/>
+                                        <p:cTn id="24" dur="500" fill="hold"/>
                                         <p:tgtEl>
                                           <p:spTgt spid="1027"/>
                                         </p:tgtEl>
@@ -4185,20 +4038,20 @@
                           </p:cTn>
                         </p:par>
                         <p:par>
-                          <p:cTn id="33" fill="hold">
+                          <p:cTn id="25" fill="hold">
                             <p:stCondLst>
                               <p:cond delay="4700"/>
                             </p:stCondLst>
                             <p:childTnLst>
                               <p:par>
-                                <p:cTn id="34" presetID="1" presetClass="entr" presetSubtype="0" fill="hold" nodeType="afterEffect">
+                                <p:cTn id="26" presetID="1" presetClass="entr" presetSubtype="0" fill="hold" nodeType="afterEffect">
                                   <p:stCondLst>
                                     <p:cond delay="0"/>
                                   </p:stCondLst>
                                   <p:childTnLst>
                                     <p:set>
                                       <p:cBhvr>
-                                        <p:cTn id="35" dur="1" fill="hold">
+                                        <p:cTn id="27" dur="1" fill="hold">
                                           <p:stCondLst>
                                             <p:cond delay="0"/>
                                           </p:stCondLst>
@@ -4221,20 +4074,20 @@
                           </p:cTn>
                         </p:par>
                         <p:par>
-                          <p:cTn id="36" fill="hold">
+                          <p:cTn id="28" fill="hold">
                             <p:stCondLst>
                               <p:cond delay="4700"/>
                             </p:stCondLst>
                             <p:childTnLst>
                               <p:par>
-                                <p:cTn id="37" presetID="0" presetClass="path" presetSubtype="0" accel="50000" decel="50000" fill="hold" nodeType="afterEffect">
+                                <p:cTn id="29" presetID="0" presetClass="path" presetSubtype="0" accel="50000" decel="50000" fill="hold" nodeType="afterEffect">
                                   <p:stCondLst>
                                     <p:cond delay="300"/>
                                   </p:stCondLst>
                                   <p:childTnLst>
                                     <p:animMotion origin="layout" path="M 1.25E-6 0.12639 L 0.00078 0.15417 " pathEditMode="relative" rAng="0" ptsTypes="AA">
                                       <p:cBhvr>
-                                        <p:cTn id="38" dur="500" fill="hold"/>
+                                        <p:cTn id="30" dur="500" fill="hold"/>
                                         <p:tgtEl>
                                           <p:spTgt spid="1027"/>
                                         </p:tgtEl>
@@ -4252,20 +4105,20 @@
                           </p:cTn>
                         </p:par>
                         <p:par>
-                          <p:cTn id="39" fill="hold">
+                          <p:cTn id="31" fill="hold">
                             <p:stCondLst>
                               <p:cond delay="5500"/>
                             </p:stCondLst>
                             <p:childTnLst>
                               <p:par>
-                                <p:cTn id="40" presetID="0" presetClass="path" presetSubtype="0" accel="50000" decel="50000" fill="hold" nodeType="afterEffect">
+                                <p:cTn id="32" presetID="0" presetClass="path" presetSubtype="0" accel="50000" decel="50000" fill="hold" nodeType="afterEffect">
                                   <p:stCondLst>
                                     <p:cond delay="300"/>
                                   </p:stCondLst>
                                   <p:childTnLst>
                                     <p:animMotion origin="layout" path="M 0.00078 0.15417 L 0.00078 0.18334 " pathEditMode="relative" rAng="0" ptsTypes="AA">
                                       <p:cBhvr>
-                                        <p:cTn id="41" dur="500" fill="hold"/>
+                                        <p:cTn id="33" dur="500" fill="hold"/>
                                         <p:tgtEl>
                                           <p:spTgt spid="1027"/>
                                         </p:tgtEl>
@@ -4283,20 +4136,20 @@
                           </p:cTn>
                         </p:par>
                         <p:par>
-                          <p:cTn id="42" fill="hold">
+                          <p:cTn id="34" fill="hold">
                             <p:stCondLst>
                               <p:cond delay="6300"/>
                             </p:stCondLst>
                             <p:childTnLst>
                               <p:par>
-                                <p:cTn id="43" presetID="0" presetClass="path" presetSubtype="0" accel="50000" decel="50000" fill="hold" nodeType="afterEffect">
+                                <p:cTn id="35" presetID="0" presetClass="path" presetSubtype="0" accel="50000" decel="50000" fill="hold" nodeType="afterEffect">
                                   <p:stCondLst>
                                     <p:cond delay="300"/>
                                   </p:stCondLst>
                                   <p:childTnLst>
                                     <p:animMotion origin="layout" path="M 0.00078 0.18333 L 0.00078 0.21389 " pathEditMode="relative" rAng="0" ptsTypes="AA">
                                       <p:cBhvr>
-                                        <p:cTn id="44" dur="500" fill="hold"/>
+                                        <p:cTn id="36" dur="500" fill="hold"/>
                                         <p:tgtEl>
                                           <p:spTgt spid="1027"/>
                                         </p:tgtEl>
@@ -4314,20 +4167,20 @@
                           </p:cTn>
                         </p:par>
                         <p:par>
-                          <p:cTn id="45" fill="hold">
+                          <p:cTn id="37" fill="hold">
                             <p:stCondLst>
                               <p:cond delay="7100"/>
                             </p:stCondLst>
                             <p:childTnLst>
                               <p:par>
-                                <p:cTn id="46" presetID="0" presetClass="path" presetSubtype="0" accel="50000" decel="50000" fill="hold" nodeType="afterEffect">
+                                <p:cTn id="38" presetID="0" presetClass="path" presetSubtype="0" accel="50000" decel="50000" fill="hold" nodeType="afterEffect">
                                   <p:stCondLst>
                                     <p:cond delay="300"/>
                                   </p:stCondLst>
                                   <p:childTnLst>
                                     <p:animMotion origin="layout" path="M 0.00078 0.21389 L 0.00078 0.24584 " pathEditMode="relative" rAng="0" ptsTypes="AA">
                                       <p:cBhvr>
-                                        <p:cTn id="47" dur="500" fill="hold"/>
+                                        <p:cTn id="39" dur="500" fill="hold"/>
                                         <p:tgtEl>
                                           <p:spTgt spid="1027"/>
                                         </p:tgtEl>
@@ -4345,20 +4198,20 @@
                           </p:cTn>
                         </p:par>
                         <p:par>
-                          <p:cTn id="48" fill="hold">
+                          <p:cTn id="40" fill="hold">
                             <p:stCondLst>
                               <p:cond delay="7900"/>
                             </p:stCondLst>
                             <p:childTnLst>
                               <p:par>
-                                <p:cTn id="49" presetID="1" presetClass="entr" presetSubtype="0" fill="hold" grpId="0" nodeType="afterEffect">
+                                <p:cTn id="41" presetID="1" presetClass="entr" presetSubtype="0" fill="hold" grpId="0" nodeType="afterEffect">
                                   <p:stCondLst>
                                     <p:cond delay="0"/>
                                   </p:stCondLst>
                                   <p:childTnLst>
                                     <p:set>
                                       <p:cBhvr>
-                                        <p:cTn id="50" dur="1" fill="hold">
+                                        <p:cTn id="42" dur="1" fill="hold">
                                           <p:stCondLst>
                                             <p:cond delay="0"/>
                                           </p:stCondLst>
@@ -4381,20 +4234,20 @@
                           </p:cTn>
                         </p:par>
                         <p:par>
-                          <p:cTn id="51" fill="hold">
+                          <p:cTn id="43" fill="hold">
                             <p:stCondLst>
                               <p:cond delay="7900"/>
                             </p:stCondLst>
                             <p:childTnLst>
                               <p:par>
-                                <p:cTn id="52" presetID="1" presetClass="entr" presetSubtype="0" fill="hold" grpId="0" nodeType="afterEffect">
+                                <p:cTn id="44" presetID="1" presetClass="entr" presetSubtype="0" fill="hold" grpId="0" nodeType="afterEffect">
                                   <p:stCondLst>
                                     <p:cond delay="200"/>
                                   </p:stCondLst>
                                   <p:childTnLst>
                                     <p:set>
                                       <p:cBhvr>
-                                        <p:cTn id="53" dur="1" fill="hold">
+                                        <p:cTn id="45" dur="1" fill="hold">
                                           <p:stCondLst>
                                             <p:cond delay="0"/>
                                           </p:stCondLst>
@@ -4417,20 +4270,20 @@
                           </p:cTn>
                         </p:par>
                         <p:par>
-                          <p:cTn id="54" fill="hold">
+                          <p:cTn id="46" fill="hold">
                             <p:stCondLst>
                               <p:cond delay="8100"/>
                             </p:stCondLst>
                             <p:childTnLst>
                               <p:par>
-                                <p:cTn id="55" presetID="1" presetClass="entr" presetSubtype="0" fill="hold" grpId="0" nodeType="afterEffect">
+                                <p:cTn id="47" presetID="1" presetClass="entr" presetSubtype="0" fill="hold" grpId="0" nodeType="afterEffect">
                                   <p:stCondLst>
                                     <p:cond delay="200"/>
                                   </p:stCondLst>
                                   <p:childTnLst>
                                     <p:set>
                                       <p:cBhvr>
-                                        <p:cTn id="56" dur="1" fill="hold">
+                                        <p:cTn id="48" dur="1" fill="hold">
                                           <p:stCondLst>
                                             <p:cond delay="0"/>
                                           </p:stCondLst>
@@ -4453,20 +4306,20 @@
                           </p:cTn>
                         </p:par>
                         <p:par>
-                          <p:cTn id="57" fill="hold">
+                          <p:cTn id="49" fill="hold">
                             <p:stCondLst>
                               <p:cond delay="8300"/>
                             </p:stCondLst>
                             <p:childTnLst>
                               <p:par>
-                                <p:cTn id="58" presetID="1" presetClass="entr" presetSubtype="0" fill="hold" grpId="0" nodeType="afterEffect">
+                                <p:cTn id="50" presetID="1" presetClass="entr" presetSubtype="0" fill="hold" grpId="0" nodeType="afterEffect">
                                   <p:stCondLst>
                                     <p:cond delay="200"/>
                                   </p:stCondLst>
                                   <p:childTnLst>
                                     <p:set>
                                       <p:cBhvr>
-                                        <p:cTn id="59" dur="1" fill="hold">
+                                        <p:cTn id="51" dur="1" fill="hold">
                                           <p:stCondLst>
                                             <p:cond delay="0"/>
                                           </p:stCondLst>
@@ -4489,20 +4342,20 @@
                           </p:cTn>
                         </p:par>
                         <p:par>
-                          <p:cTn id="60" fill="hold">
+                          <p:cTn id="52" fill="hold">
                             <p:stCondLst>
                               <p:cond delay="8500"/>
                             </p:stCondLst>
                             <p:childTnLst>
                               <p:par>
-                                <p:cTn id="61" presetID="1" presetClass="entr" presetSubtype="0" fill="hold" grpId="0" nodeType="afterEffect">
+                                <p:cTn id="53" presetID="1" presetClass="entr" presetSubtype="0" fill="hold" grpId="0" nodeType="afterEffect">
                                   <p:stCondLst>
                                     <p:cond delay="200"/>
                                   </p:stCondLst>
                                   <p:childTnLst>
                                     <p:set>
                                       <p:cBhvr>
-                                        <p:cTn id="62" dur="1" fill="hold">
+                                        <p:cTn id="54" dur="1" fill="hold">
                                           <p:stCondLst>
                                             <p:cond delay="0"/>
                                           </p:stCondLst>
@@ -4525,20 +4378,20 @@
                           </p:cTn>
                         </p:par>
                         <p:par>
-                          <p:cTn id="63" fill="hold">
+                          <p:cTn id="55" fill="hold">
                             <p:stCondLst>
                               <p:cond delay="8700"/>
                             </p:stCondLst>
                             <p:childTnLst>
                               <p:par>
-                                <p:cTn id="64" presetID="1" presetClass="entr" presetSubtype="0" fill="hold" grpId="0" nodeType="afterEffect">
+                                <p:cTn id="56" presetID="1" presetClass="entr" presetSubtype="0" fill="hold" grpId="0" nodeType="afterEffect">
                                   <p:stCondLst>
                                     <p:cond delay="200"/>
                                   </p:stCondLst>
                                   <p:childTnLst>
                                     <p:set>
                                       <p:cBhvr>
-                                        <p:cTn id="65" dur="1" fill="hold">
+                                        <p:cTn id="57" dur="1" fill="hold">
                                           <p:stCondLst>
                                             <p:cond delay="0"/>
                                           </p:stCondLst>
@@ -4561,20 +4414,20 @@
                           </p:cTn>
                         </p:par>
                         <p:par>
-                          <p:cTn id="66" fill="hold">
+                          <p:cTn id="58" fill="hold">
                             <p:stCondLst>
                               <p:cond delay="8900"/>
                             </p:stCondLst>
                             <p:childTnLst>
                               <p:par>
-                                <p:cTn id="67" presetID="1" presetClass="entr" presetSubtype="0" fill="hold" grpId="0" nodeType="afterEffect">
+                                <p:cTn id="59" presetID="1" presetClass="entr" presetSubtype="0" fill="hold" grpId="0" nodeType="afterEffect">
                                   <p:stCondLst>
                                     <p:cond delay="200"/>
                                   </p:stCondLst>
                                   <p:childTnLst>
                                     <p:set>
                                       <p:cBhvr>
-                                        <p:cTn id="68" dur="1" fill="hold">
+                                        <p:cTn id="60" dur="1" fill="hold">
                                           <p:stCondLst>
                                             <p:cond delay="0"/>
                                           </p:stCondLst>
@@ -4597,20 +4450,20 @@
                           </p:cTn>
                         </p:par>
                         <p:par>
-                          <p:cTn id="69" fill="hold">
+                          <p:cTn id="61" fill="hold">
                             <p:stCondLst>
                               <p:cond delay="9100"/>
                             </p:stCondLst>
                             <p:childTnLst>
                               <p:par>
-                                <p:cTn id="70" presetID="1" presetClass="entr" presetSubtype="0" fill="hold" grpId="0" nodeType="afterEffect">
+                                <p:cTn id="62" presetID="1" presetClass="entr" presetSubtype="0" fill="hold" grpId="0" nodeType="afterEffect">
                                   <p:stCondLst>
                                     <p:cond delay="200"/>
                                   </p:stCondLst>
                                   <p:childTnLst>
                                     <p:set>
                                       <p:cBhvr>
-                                        <p:cTn id="71" dur="1" fill="hold">
+                                        <p:cTn id="63" dur="1" fill="hold">
                                           <p:stCondLst>
                                             <p:cond delay="0"/>
                                           </p:stCondLst>
@@ -4633,20 +4486,20 @@
                           </p:cTn>
                         </p:par>
                         <p:par>
-                          <p:cTn id="72" fill="hold">
+                          <p:cTn id="64" fill="hold">
                             <p:stCondLst>
                               <p:cond delay="9300"/>
                             </p:stCondLst>
                             <p:childTnLst>
                               <p:par>
-                                <p:cTn id="73" presetID="1" presetClass="entr" presetSubtype="0" fill="hold" grpId="0" nodeType="afterEffect">
+                                <p:cTn id="65" presetID="1" presetClass="entr" presetSubtype="0" fill="hold" grpId="0" nodeType="afterEffect">
                                   <p:stCondLst>
                                     <p:cond delay="200"/>
                                   </p:stCondLst>
                                   <p:childTnLst>
                                     <p:set>
                                       <p:cBhvr>
-                                        <p:cTn id="74" dur="1" fill="hold">
+                                        <p:cTn id="66" dur="1" fill="hold">
                                           <p:stCondLst>
                                             <p:cond delay="0"/>
                                           </p:stCondLst>
@@ -4669,20 +4522,20 @@
                           </p:cTn>
                         </p:par>
                         <p:par>
-                          <p:cTn id="75" fill="hold">
+                          <p:cTn id="67" fill="hold">
                             <p:stCondLst>
                               <p:cond delay="9500"/>
                             </p:stCondLst>
                             <p:childTnLst>
                               <p:par>
-                                <p:cTn id="76" presetID="1" presetClass="entr" presetSubtype="0" fill="hold" grpId="0" nodeType="afterEffect">
+                                <p:cTn id="68" presetID="1" presetClass="entr" presetSubtype="0" fill="hold" grpId="0" nodeType="afterEffect">
                                   <p:stCondLst>
                                     <p:cond delay="200"/>
                                   </p:stCondLst>
                                   <p:childTnLst>
                                     <p:set>
                                       <p:cBhvr>
-                                        <p:cTn id="77" dur="1" fill="hold">
+                                        <p:cTn id="69" dur="1" fill="hold">
                                           <p:stCondLst>
                                             <p:cond delay="0"/>
                                           </p:stCondLst>
@@ -4705,20 +4558,20 @@
                           </p:cTn>
                         </p:par>
                         <p:par>
-                          <p:cTn id="78" fill="hold">
+                          <p:cTn id="70" fill="hold">
                             <p:stCondLst>
                               <p:cond delay="9700"/>
                             </p:stCondLst>
                             <p:childTnLst>
                               <p:par>
-                                <p:cTn id="79" presetID="1" presetClass="exit" presetSubtype="0" fill="hold" grpId="1" nodeType="afterEffect">
+                                <p:cTn id="71" presetID="1" presetClass="exit" presetSubtype="0" fill="hold" nodeType="afterEffect">
                                   <p:stCondLst>
                                     <p:cond delay="300"/>
                                   </p:stCondLst>
                                   <p:childTnLst>
                                     <p:set>
                                       <p:cBhvr>
-                                        <p:cTn id="80" dur="1" fill="hold">
+                                        <p:cTn id="72" dur="1" fill="hold">
                                           <p:stCondLst>
                                             <p:cond delay="0"/>
                                           </p:stCondLst>
@@ -4738,14 +4591,14 @@
                                 </p:cTn>
                               </p:par>
                               <p:par>
-                                <p:cTn id="81" presetID="1" presetClass="exit" presetSubtype="0" fill="hold" grpId="1" nodeType="withEffect">
+                                <p:cTn id="73" presetID="1" presetClass="exit" presetSubtype="0" fill="hold" nodeType="withEffect">
                                   <p:stCondLst>
                                     <p:cond delay="200"/>
                                   </p:stCondLst>
                                   <p:childTnLst>
                                     <p:set>
                                       <p:cBhvr>
-                                        <p:cTn id="82" dur="1" fill="hold">
+                                        <p:cTn id="74" dur="1" fill="hold">
                                           <p:stCondLst>
                                             <p:cond delay="0"/>
                                           </p:stCondLst>
@@ -4765,14 +4618,14 @@
                                 </p:cTn>
                               </p:par>
                               <p:par>
-                                <p:cTn id="83" presetID="1" presetClass="exit" presetSubtype="0" fill="hold" grpId="1" nodeType="withEffect">
+                                <p:cTn id="75" presetID="1" presetClass="exit" presetSubtype="0" fill="hold" nodeType="withEffect">
                                   <p:stCondLst>
                                     <p:cond delay="200"/>
                                   </p:stCondLst>
                                   <p:childTnLst>
                                     <p:set>
                                       <p:cBhvr>
-                                        <p:cTn id="84" dur="1" fill="hold">
+                                        <p:cTn id="76" dur="1" fill="hold">
                                           <p:stCondLst>
                                             <p:cond delay="0"/>
                                           </p:stCondLst>
@@ -4792,14 +4645,14 @@
                                 </p:cTn>
                               </p:par>
                               <p:par>
-                                <p:cTn id="85" presetID="1" presetClass="exit" presetSubtype="0" fill="hold" grpId="1" nodeType="withEffect">
+                                <p:cTn id="77" presetID="1" presetClass="exit" presetSubtype="0" fill="hold" nodeType="withEffect">
                                   <p:stCondLst>
                                     <p:cond delay="200"/>
                                   </p:stCondLst>
                                   <p:childTnLst>
                                     <p:set>
                                       <p:cBhvr>
-                                        <p:cTn id="86" dur="1" fill="hold">
+                                        <p:cTn id="78" dur="1" fill="hold">
                                           <p:stCondLst>
                                             <p:cond delay="0"/>
                                           </p:stCondLst>
@@ -4819,14 +4672,14 @@
                                 </p:cTn>
                               </p:par>
                               <p:par>
-                                <p:cTn id="87" presetID="1" presetClass="exit" presetSubtype="0" fill="hold" grpId="1" nodeType="withEffect">
+                                <p:cTn id="79" presetID="1" presetClass="exit" presetSubtype="0" fill="hold" nodeType="withEffect">
                                   <p:stCondLst>
                                     <p:cond delay="200"/>
                                   </p:stCondLst>
                                   <p:childTnLst>
                                     <p:set>
                                       <p:cBhvr>
-                                        <p:cTn id="88" dur="1" fill="hold">
+                                        <p:cTn id="80" dur="1" fill="hold">
                                           <p:stCondLst>
                                             <p:cond delay="0"/>
                                           </p:stCondLst>
@@ -4846,14 +4699,14 @@
                                 </p:cTn>
                               </p:par>
                               <p:par>
-                                <p:cTn id="89" presetID="1" presetClass="exit" presetSubtype="0" fill="hold" grpId="1" nodeType="withEffect">
+                                <p:cTn id="81" presetID="1" presetClass="exit" presetSubtype="0" fill="hold" nodeType="withEffect">
                                   <p:stCondLst>
                                     <p:cond delay="200"/>
                                   </p:stCondLst>
                                   <p:childTnLst>
                                     <p:set>
                                       <p:cBhvr>
-                                        <p:cTn id="90" dur="1" fill="hold">
+                                        <p:cTn id="82" dur="1" fill="hold">
                                           <p:stCondLst>
                                             <p:cond delay="0"/>
                                           </p:stCondLst>
@@ -4873,14 +4726,14 @@
                                 </p:cTn>
                               </p:par>
                               <p:par>
-                                <p:cTn id="91" presetID="1" presetClass="exit" presetSubtype="0" fill="hold" grpId="1" nodeType="withEffect">
+                                <p:cTn id="83" presetID="1" presetClass="exit" presetSubtype="0" fill="hold" nodeType="withEffect">
                                   <p:stCondLst>
                                     <p:cond delay="200"/>
                                   </p:stCondLst>
                                   <p:childTnLst>
                                     <p:set>
                                       <p:cBhvr>
-                                        <p:cTn id="92" dur="1" fill="hold">
+                                        <p:cTn id="84" dur="1" fill="hold">
                                           <p:stCondLst>
                                             <p:cond delay="0"/>
                                           </p:stCondLst>
@@ -4900,14 +4753,14 @@
                                 </p:cTn>
                               </p:par>
                               <p:par>
-                                <p:cTn id="93" presetID="1" presetClass="exit" presetSubtype="0" fill="hold" grpId="1" nodeType="withEffect">
+                                <p:cTn id="85" presetID="1" presetClass="exit" presetSubtype="0" fill="hold" nodeType="withEffect">
                                   <p:stCondLst>
                                     <p:cond delay="200"/>
                                   </p:stCondLst>
                                   <p:childTnLst>
                                     <p:set>
                                       <p:cBhvr>
-                                        <p:cTn id="94" dur="1" fill="hold">
+                                        <p:cTn id="86" dur="1" fill="hold">
                                           <p:stCondLst>
                                             <p:cond delay="0"/>
                                           </p:stCondLst>
@@ -4927,14 +4780,14 @@
                                 </p:cTn>
                               </p:par>
                               <p:par>
-                                <p:cTn id="95" presetID="1" presetClass="exit" presetSubtype="0" fill="hold" grpId="1" nodeType="withEffect">
+                                <p:cTn id="87" presetID="1" presetClass="exit" presetSubtype="0" fill="hold" nodeType="withEffect">
                                   <p:stCondLst>
                                     <p:cond delay="200"/>
                                   </p:stCondLst>
                                   <p:childTnLst>
                                     <p:set>
                                       <p:cBhvr>
-                                        <p:cTn id="96" dur="1" fill="hold">
+                                        <p:cTn id="88" dur="1" fill="hold">
                                           <p:stCondLst>
                                             <p:cond delay="0"/>
                                           </p:stCondLst>
@@ -4954,14 +4807,14 @@
                                 </p:cTn>
                               </p:par>
                               <p:par>
-                                <p:cTn id="97" presetID="1" presetClass="exit" presetSubtype="0" fill="hold" grpId="1" nodeType="withEffect">
+                                <p:cTn id="89" presetID="1" presetClass="exit" presetSubtype="0" fill="hold" nodeType="withEffect">
                                   <p:stCondLst>
                                     <p:cond delay="200"/>
                                   </p:stCondLst>
                                   <p:childTnLst>
                                     <p:set>
                                       <p:cBhvr>
-                                        <p:cTn id="98" dur="1" fill="hold">
+                                        <p:cTn id="90" dur="1" fill="hold">
                                           <p:stCondLst>
                                             <p:cond delay="0"/>
                                           </p:stCondLst>
@@ -4984,26 +4837,61 @@
                           </p:cTn>
                         </p:par>
                         <p:par>
-                          <p:cTn id="99" fill="hold">
+                          <p:cTn id="91" fill="hold">
                             <p:stCondLst>
                               <p:cond delay="10000"/>
                             </p:stCondLst>
                             <p:childTnLst>
                               <p:par>
-                                <p:cTn id="100" presetID="1" presetClass="exit" presetSubtype="0" fill="hold" nodeType="afterEffect">
+                                <p:cTn id="92" presetID="1" presetClass="exit" presetSubtype="0" fill="hold" nodeType="afterEffect">
                                   <p:stCondLst>
                                     <p:cond delay="500"/>
                                   </p:stCondLst>
                                   <p:childTnLst>
                                     <p:set>
                                       <p:cBhvr>
-                                        <p:cTn id="101" dur="1" fill="hold">
+                                        <p:cTn id="93" dur="1" fill="hold">
                                           <p:stCondLst>
                                             <p:cond delay="0"/>
                                           </p:stCondLst>
                                         </p:cTn>
                                         <p:tgtEl>
                                           <p:spTgt spid="1027"/>
+                                        </p:tgtEl>
+                                        <p:attrNameLst>
+                                          <p:attrName>style.visibility</p:attrName>
+                                        </p:attrNameLst>
+                                      </p:cBhvr>
+                                      <p:to>
+                                        <p:strVal val="hidden"/>
+                                      </p:to>
+                                    </p:set>
+                                  </p:childTnLst>
+                                </p:cTn>
+                              </p:par>
+                              <p:par>
+                                <p:cTn id="94" presetID="10" presetClass="exit" presetSubtype="0" fill="hold" nodeType="withEffect">
+                                  <p:stCondLst>
+                                    <p:cond delay="500"/>
+                                  </p:stCondLst>
+                                  <p:childTnLst>
+                                    <p:animEffect transition="out" filter="fade">
+                                      <p:cBhvr>
+                                        <p:cTn id="95" dur="500"/>
+                                        <p:tgtEl>
+                                          <p:spTgt spid="1029"/>
+                                        </p:tgtEl>
+                                      </p:cBhvr>
+                                    </p:animEffect>
+                                    <p:set>
+                                      <p:cBhvr>
+                                        <p:cTn id="96" dur="1" fill="hold">
+                                          <p:stCondLst>
+                                            <p:cond delay="499"/>
+                                          </p:stCondLst>
+                                        </p:cTn>
+                                        <p:tgtEl>
+                                          <p:spTgt spid="1029"/>
                                         </p:tgtEl>
                                         <p:attrNameLst>
                                           <p:attrName>style.visibility</p:attrName>
@@ -5044,8 +4932,6 @@
       </p:par>
     </p:tnLst>
     <p:bldLst>
-      <p:bldP spid="6" grpId="0"/>
-      <p:bldP spid="8" grpId="0"/>
       <p:bldP spid="11" grpId="0"/>
       <p:bldP spid="12" grpId="0"/>
       <p:bldP spid="13" grpId="0"/>
@@ -5098,10 +4984,10 @@
           <p:nvPr/>
         </p:nvPicPr>
         <p:blipFill>
-          <a:blip r:embed="rId2">
+          <a:blip r:embed="rId2" cstate="print">
             <a:extLst>
               <a:ext uri="{28A0092B-C50C-407E-A947-70E740481C1C}">
-                <a14:useLocalDpi xmlns:a14="http://schemas.microsoft.com/office/drawing/2010/main" xmlns="" val="0"/>
+                <a14:useLocalDpi xmlns="" xmlns:a14="http://schemas.microsoft.com/office/drawing/2010/main" val="0"/>
               </a:ext>
             </a:extLst>
           </a:blip>
@@ -5158,7 +5044,7 @@
           <p:nvPr/>
         </p:nvPicPr>
         <p:blipFill>
-          <a:blip r:embed="rId3"/>
+          <a:blip r:embed="rId3" cstate="print"/>
           <a:srcRect/>
           <a:stretch>
             <a:fillRect/>
@@ -5566,29 +5452,6 @@
               </a:rPr>
               <a:t>.</a:t>
             </a:r>
-            <a:endParaRPr lang="en-US" altLang="zh-CN" sz="1200" dirty="0" smtClean="0">
-              <a:ln w="12700">
-                <a:solidFill>
-                  <a:schemeClr val="tx2">
-                    <a:satMod val="155000"/>
-                  </a:schemeClr>
-                </a:solidFill>
-                <a:prstDash val="solid"/>
-              </a:ln>
-              <a:solidFill>
-                <a:schemeClr val="bg2">
-                  <a:tint val="85000"/>
-                  <a:satMod val="155000"/>
-                </a:schemeClr>
-              </a:solidFill>
-              <a:effectLst>
-                <a:outerShdw blurRad="41275" dist="20320" dir="1800000" algn="tl" rotWithShape="0">
-                  <a:srgbClr val="000000">
-                    <a:alpha val="40000"/>
-                  </a:srgbClr>
-                </a:outerShdw>
-              </a:effectLst>
-            </a:endParaRPr>
           </a:p>
         </p:txBody>
       </p:sp>
@@ -5635,7 +5498,7 @@
           <p:nvPr/>
         </p:nvPicPr>
         <p:blipFill>
-          <a:blip r:embed="rId4"/>
+          <a:blip r:embed="rId4" cstate="print"/>
           <a:srcRect/>
           <a:stretch>
             <a:fillRect/>
@@ -5948,29 +5811,6 @@
               </a:rPr>
               <a:t>.</a:t>
             </a:r>
-            <a:endParaRPr lang="en-US" altLang="zh-CN" sz="1200" dirty="0" smtClean="0">
-              <a:ln w="12700">
-                <a:solidFill>
-                  <a:schemeClr val="tx2">
-                    <a:satMod val="155000"/>
-                  </a:schemeClr>
-                </a:solidFill>
-                <a:prstDash val="solid"/>
-              </a:ln>
-              <a:solidFill>
-                <a:schemeClr val="bg2">
-                  <a:tint val="85000"/>
-                  <a:satMod val="155000"/>
-                </a:schemeClr>
-              </a:solidFill>
-              <a:effectLst>
-                <a:outerShdw blurRad="41275" dist="20320" dir="1800000" algn="tl" rotWithShape="0">
-                  <a:srgbClr val="000000">
-                    <a:alpha val="40000"/>
-                  </a:srgbClr>
-                </a:outerShdw>
-              </a:effectLst>
-            </a:endParaRPr>
           </a:p>
         </p:txBody>
       </p:sp>
@@ -6013,7 +5853,7 @@
           <p:nvPr/>
         </p:nvPicPr>
         <p:blipFill>
-          <a:blip r:embed="rId5"/>
+          <a:blip r:embed="rId5" cstate="print"/>
           <a:srcRect/>
           <a:stretch>
             <a:fillRect/>
@@ -6316,10 +6156,70 @@
           </a:p>
         </p:txBody>
       </p:sp>
+      <p:sp>
+        <p:nvSpPr>
+          <p:cNvPr id="25" name="TextBox 24"/>
+          <p:cNvSpPr txBox="1"/>
+          <p:nvPr/>
+        </p:nvSpPr>
+        <p:spPr>
+          <a:xfrm>
+            <a:off x="4876800" y="4629150"/>
+            <a:ext cx="952500" cy="246221"/>
+          </a:xfrm>
+          <a:prstGeom prst="rect">
+            <a:avLst/>
+          </a:prstGeom>
+          <a:noFill/>
+        </p:spPr>
+        <p:txBody>
+          <a:bodyPr wrap="square" rtlCol="0">
+            <a:spAutoFit/>
+          </a:bodyPr>
+          <a:lstStyle/>
+          <a:p>
+            <a:r>
+              <a:rPr lang="zh-CN" altLang="en-US" sz="1000" dirty="0" smtClean="0"/>
+              <a:t>单词下落函数</a:t>
+            </a:r>
+            <a:endParaRPr lang="zh-CN" altLang="en-US" sz="1000" dirty="0"/>
+          </a:p>
+        </p:txBody>
+      </p:sp>
+      <p:sp>
+        <p:nvSpPr>
+          <p:cNvPr id="26" name="TextBox 25"/>
+          <p:cNvSpPr txBox="1"/>
+          <p:nvPr/>
+        </p:nvSpPr>
+        <p:spPr>
+          <a:xfrm>
+            <a:off x="4991100" y="4781550"/>
+            <a:ext cx="952500" cy="246221"/>
+          </a:xfrm>
+          <a:prstGeom prst="rect">
+            <a:avLst/>
+          </a:prstGeom>
+          <a:noFill/>
+        </p:spPr>
+        <p:txBody>
+          <a:bodyPr wrap="square" rtlCol="0">
+            <a:spAutoFit/>
+          </a:bodyPr>
+          <a:lstStyle/>
+          <a:p>
+            <a:r>
+              <a:rPr lang="zh-CN" altLang="en-US" sz="1000" dirty="0" smtClean="0"/>
+              <a:t>单词消失函数</a:t>
+            </a:r>
+            <a:endParaRPr lang="zh-CN" altLang="en-US" sz="1000" dirty="0"/>
+          </a:p>
+        </p:txBody>
+      </p:sp>
     </p:spTree>
     <p:extLst>
       <p:ext uri="{BB962C8B-B14F-4D97-AF65-F5344CB8AC3E}">
-        <p14:creationId xmlns:p14="http://schemas.microsoft.com/office/powerpoint/2010/main" xmlns="" val="3394418747"/>
+        <p14:creationId xmlns="" xmlns:p14="http://schemas.microsoft.com/office/powerpoint/2010/main" val="3394418747"/>
       </p:ext>
     </p:extLst>
   </p:cSld>
@@ -7808,14 +7708,120 @@
                             </p:stCondLst>
                             <p:childTnLst>
                               <p:par>
-                                <p:cTn id="109" presetID="2" presetClass="exit" presetSubtype="8" fill="hold" grpId="1" nodeType="clickEffect">
+                                <p:cTn id="109" presetID="10" presetClass="entr" presetSubtype="0" fill="hold" grpId="2" nodeType="clickEffect">
+                                  <p:stCondLst>
+                                    <p:cond delay="0"/>
+                                  </p:stCondLst>
+                                  <p:childTnLst>
+                                    <p:set>
+                                      <p:cBhvr>
+                                        <p:cTn id="110" dur="1" fill="hold">
+                                          <p:stCondLst>
+                                            <p:cond delay="0"/>
+                                          </p:stCondLst>
+                                        </p:cTn>
+                                        <p:tgtEl>
+                                          <p:spTgt spid="25"/>
+                                        </p:tgtEl>
+                                        <p:attrNameLst>
+                                          <p:attrName>style.visibility</p:attrName>
+                                        </p:attrNameLst>
+                                      </p:cBhvr>
+                                      <p:to>
+                                        <p:strVal val="visible"/>
+                                      </p:to>
+                                    </p:set>
+                                    <p:animEffect transition="in" filter="fade">
+                                      <p:cBhvr>
+                                        <p:cTn id="111" dur="500"/>
+                                        <p:tgtEl>
+                                          <p:spTgt spid="25"/>
+                                        </p:tgtEl>
+                                      </p:cBhvr>
+                                    </p:animEffect>
+                                  </p:childTnLst>
+                                </p:cTn>
+                              </p:par>
+                            </p:childTnLst>
+                          </p:cTn>
+                        </p:par>
+                      </p:childTnLst>
+                    </p:cTn>
+                  </p:par>
+                  <p:par>
+                    <p:cTn id="112" fill="hold">
+                      <p:stCondLst>
+                        <p:cond delay="indefinite"/>
+                      </p:stCondLst>
+                      <p:childTnLst>
+                        <p:par>
+                          <p:cTn id="113" fill="hold">
+                            <p:stCondLst>
+                              <p:cond delay="0"/>
+                            </p:stCondLst>
+                            <p:childTnLst>
+                              <p:par>
+                                <p:cTn id="114" presetID="10" presetClass="entr" presetSubtype="0" fill="hold" grpId="2" nodeType="clickEffect">
+                                  <p:stCondLst>
+                                    <p:cond delay="0"/>
+                                  </p:stCondLst>
+                                  <p:childTnLst>
+                                    <p:set>
+                                      <p:cBhvr>
+                                        <p:cTn id="115" dur="1" fill="hold">
+                                          <p:stCondLst>
+                                            <p:cond delay="0"/>
+                                          </p:stCondLst>
+                                        </p:cTn>
+                                        <p:tgtEl>
+                                          <p:spTgt spid="26"/>
+                                        </p:tgtEl>
+                                        <p:attrNameLst>
+                                          <p:attrName>style.visibility</p:attrName>
+                                        </p:attrNameLst>
+                                      </p:cBhvr>
+                                      <p:to>
+                                        <p:strVal val="visible"/>
+                                      </p:to>
+                                    </p:set>
+                                    <p:animEffect transition="in" filter="fade">
+                                      <p:cBhvr>
+                                        <p:cTn id="116" dur="500"/>
+                                        <p:tgtEl>
+                                          <p:spTgt spid="26"/>
+                                        </p:tgtEl>
+                                      </p:cBhvr>
+                                    </p:animEffect>
+                                  </p:childTnLst>
+                                </p:cTn>
+                              </p:par>
+                            </p:childTnLst>
+                          </p:cTn>
+                        </p:par>
+                      </p:childTnLst>
+                    </p:cTn>
+                  </p:par>
+                  <p:par>
+                    <p:cTn id="117" fill="hold">
+                      <p:stCondLst>
+                        <p:cond delay="indefinite"/>
+                      </p:stCondLst>
+                      <p:childTnLst>
+                        <p:par>
+                          <p:cTn id="118" fill="hold">
+                            <p:stCondLst>
+                              <p:cond delay="0"/>
+                            </p:stCondLst>
+                            <p:childTnLst>
+                              <p:par>
+                                <p:cTn id="119" presetID="2" presetClass="exit" presetSubtype="8" fill="hold" grpId="1" nodeType="clickEffect">
                                   <p:stCondLst>
                                     <p:cond delay="0"/>
                                   </p:stCondLst>
                                   <p:childTnLst>
                                     <p:anim calcmode="lin" valueType="num">
                                       <p:cBhvr additive="base">
-                                        <p:cTn id="110" dur="500"/>
+                                        <p:cTn id="120" dur="500"/>
                                         <p:tgtEl>
                                           <p:spTgt spid="10"/>
                                         </p:tgtEl>
@@ -7838,7 +7844,7 @@
                                     </p:anim>
                                     <p:anim calcmode="lin" valueType="num">
                                       <p:cBhvr additive="base">
-                                        <p:cTn id="111" dur="500"/>
+                                        <p:cTn id="121" dur="500"/>
                                         <p:tgtEl>
                                           <p:spTgt spid="10"/>
                                         </p:tgtEl>
@@ -7861,7 +7867,7 @@
                                     </p:anim>
                                     <p:set>
                                       <p:cBhvr>
-                                        <p:cTn id="112" dur="1" fill="hold">
+                                        <p:cTn id="122" dur="1" fill="hold">
                                           <p:stCondLst>
                                             <p:cond delay="499"/>
                                           </p:stCondLst>
@@ -7881,14 +7887,14 @@
                                 </p:cTn>
                               </p:par>
                               <p:par>
-                                <p:cTn id="113" presetID="2" presetClass="exit" presetSubtype="8" fill="hold" grpId="1" nodeType="withEffect">
+                                <p:cTn id="123" presetID="2" presetClass="exit" presetSubtype="8" fill="hold" grpId="1" nodeType="withEffect">
                                   <p:stCondLst>
                                     <p:cond delay="0"/>
                                   </p:stCondLst>
                                   <p:childTnLst>
                                     <p:anim calcmode="lin" valueType="num">
                                       <p:cBhvr additive="base">
-                                        <p:cTn id="114" dur="500"/>
+                                        <p:cTn id="124" dur="500"/>
                                         <p:tgtEl>
                                           <p:spTgt spid="14"/>
                                         </p:tgtEl>
@@ -7911,7 +7917,7 @@
                                     </p:anim>
                                     <p:anim calcmode="lin" valueType="num">
                                       <p:cBhvr additive="base">
-                                        <p:cTn id="115" dur="500"/>
+                                        <p:cTn id="125" dur="500"/>
                                         <p:tgtEl>
                                           <p:spTgt spid="14"/>
                                         </p:tgtEl>
@@ -7934,7 +7940,7 @@
                                     </p:anim>
                                     <p:set>
                                       <p:cBhvr>
-                                        <p:cTn id="116" dur="1" fill="hold">
+                                        <p:cTn id="126" dur="1" fill="hold">
                                           <p:stCondLst>
                                             <p:cond delay="499"/>
                                           </p:stCondLst>
@@ -7954,14 +7960,14 @@
                                 </p:cTn>
                               </p:par>
                               <p:par>
-                                <p:cTn id="117" presetID="2" presetClass="exit" presetSubtype="4" fill="hold" nodeType="withEffect">
+                                <p:cTn id="127" presetID="2" presetClass="exit" presetSubtype="4" fill="hold" nodeType="withEffect">
                                   <p:stCondLst>
                                     <p:cond delay="0"/>
                                   </p:stCondLst>
                                   <p:childTnLst>
                                     <p:anim calcmode="lin" valueType="num">
                                       <p:cBhvr additive="base">
-                                        <p:cTn id="118" dur="500"/>
+                                        <p:cTn id="128" dur="500"/>
                                         <p:tgtEl>
                                           <p:spTgt spid="2053"/>
                                         </p:tgtEl>
@@ -7984,7 +7990,7 @@
                                     </p:anim>
                                     <p:anim calcmode="lin" valueType="num">
                                       <p:cBhvr additive="base">
-                                        <p:cTn id="119" dur="500"/>
+                                        <p:cTn id="129" dur="500"/>
                                         <p:tgtEl>
                                           <p:spTgt spid="2053"/>
                                         </p:tgtEl>
@@ -8007,148 +8013,13 @@
                                     </p:anim>
                                     <p:set>
                                       <p:cBhvr>
-                                        <p:cTn id="120" dur="1" fill="hold">
+                                        <p:cTn id="130" dur="1" fill="hold">
                                           <p:stCondLst>
                                             <p:cond delay="499"/>
                                           </p:stCondLst>
                                         </p:cTn>
                                         <p:tgtEl>
                                           <p:spTgt spid="2053"/>
-                                        </p:tgtEl>
-                                        <p:attrNameLst>
-                                          <p:attrName>style.visibility</p:attrName>
-                                        </p:attrNameLst>
-                                      </p:cBhvr>
-                                      <p:to>
-                                        <p:strVal val="hidden"/>
-                                      </p:to>
-                                    </p:set>
-                                  </p:childTnLst>
-                                </p:cTn>
-                              </p:par>
-                              <p:par>
-                                <p:cTn id="121" presetID="1" presetClass="exit" presetSubtype="0" fill="hold" grpId="1" nodeType="withEffect">
-                                  <p:stCondLst>
-                                    <p:cond delay="0"/>
-                                  </p:stCondLst>
-                                  <p:childTnLst>
-                                    <p:set>
-                                      <p:cBhvr>
-                                        <p:cTn id="122" dur="1" fill="hold">
-                                          <p:stCondLst>
-                                            <p:cond delay="0"/>
-                                          </p:stCondLst>
-                                        </p:cTn>
-                                        <p:tgtEl>
-                                          <p:spTgt spid="18"/>
-                                        </p:tgtEl>
-                                        <p:attrNameLst>
-                                          <p:attrName>style.visibility</p:attrName>
-                                        </p:attrNameLst>
-                                      </p:cBhvr>
-                                      <p:to>
-                                        <p:strVal val="hidden"/>
-                                      </p:to>
-                                    </p:set>
-                                  </p:childTnLst>
-                                </p:cTn>
-                              </p:par>
-                              <p:par>
-                                <p:cTn id="123" presetID="1" presetClass="exit" presetSubtype="0" fill="hold" grpId="1" nodeType="withEffect">
-                                  <p:stCondLst>
-                                    <p:cond delay="0"/>
-                                  </p:stCondLst>
-                                  <p:childTnLst>
-                                    <p:set>
-                                      <p:cBhvr>
-                                        <p:cTn id="124" dur="1" fill="hold">
-                                          <p:stCondLst>
-                                            <p:cond delay="0"/>
-                                          </p:stCondLst>
-                                        </p:cTn>
-                                        <p:tgtEl>
-                                          <p:spTgt spid="17"/>
-                                        </p:tgtEl>
-                                        <p:attrNameLst>
-                                          <p:attrName>style.visibility</p:attrName>
-                                        </p:attrNameLst>
-                                      </p:cBhvr>
-                                      <p:to>
-                                        <p:strVal val="hidden"/>
-                                      </p:to>
-                                    </p:set>
-                                  </p:childTnLst>
-                                </p:cTn>
-                              </p:par>
-                              <p:par>
-                                <p:cTn id="125" presetID="1" presetClass="exit" presetSubtype="0" fill="hold" grpId="1" nodeType="withEffect">
-                                  <p:stCondLst>
-                                    <p:cond delay="0"/>
-                                  </p:stCondLst>
-                                  <p:childTnLst>
-                                    <p:set>
-                                      <p:cBhvr>
-                                        <p:cTn id="126" dur="1" fill="hold">
-                                          <p:stCondLst>
-                                            <p:cond delay="0"/>
-                                          </p:stCondLst>
-                                        </p:cTn>
-                                        <p:tgtEl>
-                                          <p:spTgt spid="16"/>
-                                        </p:tgtEl>
-                                        <p:attrNameLst>
-                                          <p:attrName>style.visibility</p:attrName>
-                                        </p:attrNameLst>
-                                      </p:cBhvr>
-                                      <p:to>
-                                        <p:strVal val="hidden"/>
-                                      </p:to>
-                                    </p:set>
-                                  </p:childTnLst>
-                                </p:cTn>
-                              </p:par>
-                              <p:par>
-                                <p:cTn id="127" presetID="1" presetClass="exit" presetSubtype="0" fill="hold" grpId="1" nodeType="withEffect">
-                                  <p:stCondLst>
-                                    <p:cond delay="0"/>
-                                  </p:stCondLst>
-                                  <p:childTnLst>
-                                    <p:set>
-                                      <p:cBhvr>
-                                        <p:cTn id="128" dur="1" fill="hold">
-                                          <p:stCondLst>
-                                            <p:cond delay="0"/>
-                                          </p:stCondLst>
-                                        </p:cTn>
-                                        <p:tgtEl>
-                                          <p:spTgt spid="20"/>
-                                        </p:tgtEl>
-                                        <p:attrNameLst>
-                                          <p:attrName>style.visibility</p:attrName>
-                                        </p:attrNameLst>
-                                      </p:cBhvr>
-                                      <p:to>
-                                        <p:strVal val="hidden"/>
-                                      </p:to>
-                                    </p:set>
-                                  </p:childTnLst>
-                                </p:cTn>
-                              </p:par>
-                              <p:par>
-                                <p:cTn id="129" presetID="1" presetClass="exit" presetSubtype="0" fill="hold" grpId="1" nodeType="withEffect">
-                                  <p:stCondLst>
-                                    <p:cond delay="0"/>
-                                  </p:stCondLst>
-                                  <p:childTnLst>
-                                    <p:set>
-                                      <p:cBhvr>
-                                        <p:cTn id="130" dur="1" fill="hold">
-                                          <p:stCondLst>
-                                            <p:cond delay="0"/>
-                                          </p:stCondLst>
-                                        </p:cTn>
-                                        <p:tgtEl>
-                                          <p:spTgt spid="19"/>
                                         </p:tgtEl>
                                         <p:attrNameLst>
                                           <p:attrName>style.visibility</p:attrName>
@@ -8175,7 +8046,7 @@
                                           </p:stCondLst>
                                         </p:cTn>
                                         <p:tgtEl>
-                                          <p:spTgt spid="21"/>
+                                          <p:spTgt spid="18"/>
                                         </p:tgtEl>
                                         <p:attrNameLst>
                                           <p:attrName>style.visibility</p:attrName>
@@ -8202,7 +8073,7 @@
                                           </p:stCondLst>
                                         </p:cTn>
                                         <p:tgtEl>
-                                          <p:spTgt spid="23"/>
+                                          <p:spTgt spid="17"/>
                                         </p:tgtEl>
                                         <p:attrNameLst>
                                           <p:attrName>style.visibility</p:attrName>
@@ -8229,7 +8100,7 @@
                                           </p:stCondLst>
                                         </p:cTn>
                                         <p:tgtEl>
-                                          <p:spTgt spid="22"/>
+                                          <p:spTgt spid="16"/>
                                         </p:tgtEl>
                                         <p:attrNameLst>
                                           <p:attrName>style.visibility</p:attrName>
@@ -8256,7 +8127,196 @@
                                           </p:stCondLst>
                                         </p:cTn>
                                         <p:tgtEl>
+                                          <p:spTgt spid="20"/>
+                                        </p:tgtEl>
+                                        <p:attrNameLst>
+                                          <p:attrName>style.visibility</p:attrName>
+                                        </p:attrNameLst>
+                                      </p:cBhvr>
+                                      <p:to>
+                                        <p:strVal val="hidden"/>
+                                      </p:to>
+                                    </p:set>
+                                  </p:childTnLst>
+                                </p:cTn>
+                              </p:par>
+                              <p:par>
+                                <p:cTn id="139" presetID="1" presetClass="exit" presetSubtype="0" fill="hold" grpId="1" nodeType="withEffect">
+                                  <p:stCondLst>
+                                    <p:cond delay="0"/>
+                                  </p:stCondLst>
+                                  <p:childTnLst>
+                                    <p:set>
+                                      <p:cBhvr>
+                                        <p:cTn id="140" dur="1" fill="hold">
+                                          <p:stCondLst>
+                                            <p:cond delay="0"/>
+                                          </p:stCondLst>
+                                        </p:cTn>
+                                        <p:tgtEl>
+                                          <p:spTgt spid="19"/>
+                                        </p:tgtEl>
+                                        <p:attrNameLst>
+                                          <p:attrName>style.visibility</p:attrName>
+                                        </p:attrNameLst>
+                                      </p:cBhvr>
+                                      <p:to>
+                                        <p:strVal val="hidden"/>
+                                      </p:to>
+                                    </p:set>
+                                  </p:childTnLst>
+                                </p:cTn>
+                              </p:par>
+                              <p:par>
+                                <p:cTn id="141" presetID="1" presetClass="exit" presetSubtype="0" fill="hold" grpId="1" nodeType="withEffect">
+                                  <p:stCondLst>
+                                    <p:cond delay="0"/>
+                                  </p:stCondLst>
+                                  <p:childTnLst>
+                                    <p:set>
+                                      <p:cBhvr>
+                                        <p:cTn id="142" dur="1" fill="hold">
+                                          <p:stCondLst>
+                                            <p:cond delay="0"/>
+                                          </p:stCondLst>
+                                        </p:cTn>
+                                        <p:tgtEl>
+                                          <p:spTgt spid="21"/>
+                                        </p:tgtEl>
+                                        <p:attrNameLst>
+                                          <p:attrName>style.visibility</p:attrName>
+                                        </p:attrNameLst>
+                                      </p:cBhvr>
+                                      <p:to>
+                                        <p:strVal val="hidden"/>
+                                      </p:to>
+                                    </p:set>
+                                  </p:childTnLst>
+                                </p:cTn>
+                              </p:par>
+                              <p:par>
+                                <p:cTn id="143" presetID="1" presetClass="exit" presetSubtype="0" fill="hold" grpId="1" nodeType="withEffect">
+                                  <p:stCondLst>
+                                    <p:cond delay="0"/>
+                                  </p:stCondLst>
+                                  <p:childTnLst>
+                                    <p:set>
+                                      <p:cBhvr>
+                                        <p:cTn id="144" dur="1" fill="hold">
+                                          <p:stCondLst>
+                                            <p:cond delay="0"/>
+                                          </p:stCondLst>
+                                        </p:cTn>
+                                        <p:tgtEl>
+                                          <p:spTgt spid="23"/>
+                                        </p:tgtEl>
+                                        <p:attrNameLst>
+                                          <p:attrName>style.visibility</p:attrName>
+                                        </p:attrNameLst>
+                                      </p:cBhvr>
+                                      <p:to>
+                                        <p:strVal val="hidden"/>
+                                      </p:to>
+                                    </p:set>
+                                  </p:childTnLst>
+                                </p:cTn>
+                              </p:par>
+                              <p:par>
+                                <p:cTn id="145" presetID="1" presetClass="exit" presetSubtype="0" fill="hold" grpId="1" nodeType="withEffect">
+                                  <p:stCondLst>
+                                    <p:cond delay="0"/>
+                                  </p:stCondLst>
+                                  <p:childTnLst>
+                                    <p:set>
+                                      <p:cBhvr>
+                                        <p:cTn id="146" dur="1" fill="hold">
+                                          <p:stCondLst>
+                                            <p:cond delay="0"/>
+                                          </p:stCondLst>
+                                        </p:cTn>
+                                        <p:tgtEl>
+                                          <p:spTgt spid="22"/>
+                                        </p:tgtEl>
+                                        <p:attrNameLst>
+                                          <p:attrName>style.visibility</p:attrName>
+                                        </p:attrNameLst>
+                                      </p:cBhvr>
+                                      <p:to>
+                                        <p:strVal val="hidden"/>
+                                      </p:to>
+                                    </p:set>
+                                  </p:childTnLst>
+                                </p:cTn>
+                              </p:par>
+                              <p:par>
+                                <p:cTn id="147" presetID="1" presetClass="exit" presetSubtype="0" fill="hold" grpId="1" nodeType="withEffect">
+                                  <p:stCondLst>
+                                    <p:cond delay="0"/>
+                                  </p:stCondLst>
+                                  <p:childTnLst>
+                                    <p:set>
+                                      <p:cBhvr>
+                                        <p:cTn id="148" dur="1" fill="hold">
+                                          <p:stCondLst>
+                                            <p:cond delay="0"/>
+                                          </p:stCondLst>
+                                        </p:cTn>
+                                        <p:tgtEl>
                                           <p:spTgt spid="24"/>
+                                        </p:tgtEl>
+                                        <p:attrNameLst>
+                                          <p:attrName>style.visibility</p:attrName>
+                                        </p:attrNameLst>
+                                      </p:cBhvr>
+                                      <p:to>
+                                        <p:strVal val="hidden"/>
+                                      </p:to>
+                                    </p:set>
+                                  </p:childTnLst>
+                                </p:cTn>
+                              </p:par>
+                              <p:par>
+                                <p:cTn id="149" presetID="1" presetClass="exit" presetSubtype="0" fill="hold" grpId="1" nodeType="withEffect">
+                                  <p:stCondLst>
+                                    <p:cond delay="0"/>
+                                  </p:stCondLst>
+                                  <p:childTnLst>
+                                    <p:set>
+                                      <p:cBhvr>
+                                        <p:cTn id="150" dur="1" fill="hold">
+                                          <p:stCondLst>
+                                            <p:cond delay="0"/>
+                                          </p:stCondLst>
+                                        </p:cTn>
+                                        <p:tgtEl>
+                                          <p:spTgt spid="25"/>
+                                        </p:tgtEl>
+                                        <p:attrNameLst>
+                                          <p:attrName>style.visibility</p:attrName>
+                                        </p:attrNameLst>
+                                      </p:cBhvr>
+                                      <p:to>
+                                        <p:strVal val="hidden"/>
+                                      </p:to>
+                                    </p:set>
+                                  </p:childTnLst>
+                                </p:cTn>
+                              </p:par>
+                              <p:par>
+                                <p:cTn id="151" presetID="1" presetClass="exit" presetSubtype="0" fill="hold" grpId="1" nodeType="withEffect">
+                                  <p:stCondLst>
+                                    <p:cond delay="0"/>
+                                  </p:stCondLst>
+                                  <p:childTnLst>
+                                    <p:set>
+                                      <p:cBhvr>
+                                        <p:cTn id="152" dur="1" fill="hold">
+                                          <p:stCondLst>
+                                            <p:cond delay="0"/>
+                                          </p:stCondLst>
+                                        </p:cTn>
+                                        <p:tgtEl>
+                                          <p:spTgt spid="26"/>
                                         </p:tgtEl>
                                         <p:attrNameLst>
                                           <p:attrName>style.visibility</p:attrName>
@@ -8325,6 +8385,10 @@
       <p:bldP spid="23" grpId="1"/>
       <p:bldP spid="24" grpId="0"/>
       <p:bldP spid="24" grpId="1"/>
+      <p:bldP spid="25" grpId="1"/>
+      <p:bldP spid="25" grpId="2"/>
+      <p:bldP spid="26" grpId="1"/>
+      <p:bldP spid="26" grpId="2"/>
     </p:bldLst>
   </p:timing>
 </p:sld>
@@ -8367,10 +8431,10 @@
           <p:nvPr/>
         </p:nvPicPr>
         <p:blipFill>
-          <a:blip r:embed="rId2">
+          <a:blip r:embed="rId2" cstate="print">
             <a:extLst>
               <a:ext uri="{28A0092B-C50C-407E-A947-70E740481C1C}">
-                <a14:useLocalDpi xmlns:a14="http://schemas.microsoft.com/office/drawing/2010/main" xmlns="" val="0"/>
+                <a14:useLocalDpi xmlns="" xmlns:a14="http://schemas.microsoft.com/office/drawing/2010/main" val="0"/>
               </a:ext>
             </a:extLst>
           </a:blip>
@@ -8427,7 +8491,7 @@
           <p:nvPr/>
         </p:nvPicPr>
         <p:blipFill>
-          <a:blip r:embed="rId3"/>
+          <a:blip r:embed="rId3" cstate="print"/>
           <a:srcRect/>
           <a:stretch>
             <a:fillRect/>
@@ -8630,7 +8694,7 @@
     </p:spTree>
     <p:extLst>
       <p:ext uri="{BB962C8B-B14F-4D97-AF65-F5344CB8AC3E}">
-        <p14:creationId xmlns:p14="http://schemas.microsoft.com/office/powerpoint/2010/main" xmlns="" val="1300464209"/>
+        <p14:creationId xmlns="" xmlns:p14="http://schemas.microsoft.com/office/powerpoint/2010/main" val="1300464209"/>
       </p:ext>
     </p:extLst>
   </p:cSld>
@@ -9138,10 +9202,10 @@
           <p:nvPr/>
         </p:nvPicPr>
         <p:blipFill>
-          <a:blip r:embed="rId2">
+          <a:blip r:embed="rId2" cstate="print">
             <a:extLst>
               <a:ext uri="{28A0092B-C50C-407E-A947-70E740481C1C}">
-                <a14:useLocalDpi xmlns:a14="http://schemas.microsoft.com/office/drawing/2010/main" xmlns="" val="0"/>
+                <a14:useLocalDpi xmlns="" xmlns:a14="http://schemas.microsoft.com/office/drawing/2010/main" val="0"/>
               </a:ext>
             </a:extLst>
           </a:blip>
@@ -9192,7 +9256,7 @@
     </p:spTree>
     <p:extLst>
       <p:ext uri="{BB962C8B-B14F-4D97-AF65-F5344CB8AC3E}">
-        <p14:creationId xmlns:p14="http://schemas.microsoft.com/office/powerpoint/2010/main" xmlns="" val="3867096939"/>
+        <p14:creationId xmlns="" xmlns:p14="http://schemas.microsoft.com/office/powerpoint/2010/main" val="3867096939"/>
       </p:ext>
     </p:extLst>
   </p:cSld>
@@ -9246,10 +9310,10 @@
           <p:nvPr/>
         </p:nvPicPr>
         <p:blipFill>
-          <a:blip r:embed="rId2">
+          <a:blip r:embed="rId2" cstate="print">
             <a:extLst>
               <a:ext uri="{28A0092B-C50C-407E-A947-70E740481C1C}">
-                <a14:useLocalDpi xmlns:a14="http://schemas.microsoft.com/office/drawing/2010/main" xmlns="" val="0"/>
+                <a14:useLocalDpi xmlns="" xmlns:a14="http://schemas.microsoft.com/office/drawing/2010/main" val="0"/>
               </a:ext>
             </a:extLst>
           </a:blip>
@@ -9300,7 +9364,7 @@
     </p:spTree>
     <p:extLst>
       <p:ext uri="{BB962C8B-B14F-4D97-AF65-F5344CB8AC3E}">
-        <p14:creationId xmlns:p14="http://schemas.microsoft.com/office/powerpoint/2010/main" xmlns="" val="3607553883"/>
+        <p14:creationId xmlns="" xmlns:p14="http://schemas.microsoft.com/office/powerpoint/2010/main" val="3607553883"/>
       </p:ext>
     </p:extLst>
   </p:cSld>
@@ -9354,10 +9418,10 @@
           <p:nvPr/>
         </p:nvPicPr>
         <p:blipFill>
-          <a:blip r:embed="rId2">
+          <a:blip r:embed="rId2" cstate="print">
             <a:extLst>
               <a:ext uri="{28A0092B-C50C-407E-A947-70E740481C1C}">
-                <a14:useLocalDpi xmlns:a14="http://schemas.microsoft.com/office/drawing/2010/main" xmlns="" val="0"/>
+                <a14:useLocalDpi xmlns="" xmlns:a14="http://schemas.microsoft.com/office/drawing/2010/main" val="0"/>
               </a:ext>
             </a:extLst>
           </a:blip>
@@ -9408,7 +9472,7 @@
     </p:spTree>
     <p:extLst>
       <p:ext uri="{BB962C8B-B14F-4D97-AF65-F5344CB8AC3E}">
-        <p14:creationId xmlns:p14="http://schemas.microsoft.com/office/powerpoint/2010/main" xmlns="" val="3104299286"/>
+        <p14:creationId xmlns="" xmlns:p14="http://schemas.microsoft.com/office/powerpoint/2010/main" val="3104299286"/>
       </p:ext>
     </p:extLst>
   </p:cSld>
@@ -9462,10 +9526,10 @@
           <p:nvPr/>
         </p:nvPicPr>
         <p:blipFill>
-          <a:blip r:embed="rId2">
+          <a:blip r:embed="rId2" cstate="print">
             <a:extLst>
               <a:ext uri="{28A0092B-C50C-407E-A947-70E740481C1C}">
-                <a14:useLocalDpi xmlns:a14="http://schemas.microsoft.com/office/drawing/2010/main" xmlns="" val="0"/>
+                <a14:useLocalDpi xmlns="" xmlns:a14="http://schemas.microsoft.com/office/drawing/2010/main" val="0"/>
               </a:ext>
             </a:extLst>
           </a:blip>
@@ -9516,7 +9580,7 @@
     </p:spTree>
     <p:extLst>
       <p:ext uri="{BB962C8B-B14F-4D97-AF65-F5344CB8AC3E}">
-        <p14:creationId xmlns:p14="http://schemas.microsoft.com/office/powerpoint/2010/main" xmlns="" val="582948142"/>
+        <p14:creationId xmlns="" xmlns:p14="http://schemas.microsoft.com/office/powerpoint/2010/main" val="582948142"/>
       </p:ext>
     </p:extLst>
   </p:cSld>
@@ -9570,10 +9634,10 @@
           <p:nvPr/>
         </p:nvPicPr>
         <p:blipFill>
-          <a:blip r:embed="rId2">
+          <a:blip r:embed="rId2" cstate="print">
             <a:extLst>
               <a:ext uri="{28A0092B-C50C-407E-A947-70E740481C1C}">
-                <a14:useLocalDpi xmlns:a14="http://schemas.microsoft.com/office/drawing/2010/main" xmlns="" val="0"/>
+                <a14:useLocalDpi xmlns="" xmlns:a14="http://schemas.microsoft.com/office/drawing/2010/main" val="0"/>
               </a:ext>
             </a:extLst>
           </a:blip>
@@ -9624,7 +9688,7 @@
     </p:spTree>
     <p:extLst>
       <p:ext uri="{BB962C8B-B14F-4D97-AF65-F5344CB8AC3E}">
-        <p14:creationId xmlns:p14="http://schemas.microsoft.com/office/powerpoint/2010/main" xmlns="" val="3765624363"/>
+        <p14:creationId xmlns="" xmlns:p14="http://schemas.microsoft.com/office/powerpoint/2010/main" val="3765624363"/>
       </p:ext>
     </p:extLst>
   </p:cSld>
@@ -9896,7 +9960,7 @@
   <a:extraClrSchemeLst/>
   <a:extLst>
     <a:ext uri="{05A4C25C-085E-4340-85A3-A5531E510DB2}">
-      <thm15:themeFamily xmlns:thm15="http://schemas.microsoft.com/office/thememl/2012/main" xmlns="" name="Office Theme" id="{62F939B6-93AF-4DB8-9C6B-D6C7DFDC589F}" vid="{4A3C46E8-61CC-4603-A589-7422A47A8E4A}"/>
+      <thm15:themeFamily xmlns="" xmlns:thm15="http://schemas.microsoft.com/office/thememl/2012/main" name="Office Theme" id="{62F939B6-93AF-4DB8-9C6B-D6C7DFDC589F}" vid="{4A3C46E8-61CC-4603-A589-7422A47A8E4A}"/>
     </a:ext>
   </a:extLst>
 </a:theme>
